--- a/ppt/Duality copy.pptx
+++ b/ppt/Duality copy.pptx
@@ -5,7 +5,7 @@
     <p:sldMasterId id="2147483660" r:id="rId1"/>
   </p:sldMasterIdLst>
   <p:notesMasterIdLst>
-    <p:notesMasterId r:id="rId34"/>
+    <p:notesMasterId r:id="rId35"/>
   </p:notesMasterIdLst>
   <p:sldIdLst>
     <p:sldId id="280" r:id="rId2"/>
@@ -14,32 +14,33 @@
     <p:sldId id="256" r:id="rId5"/>
     <p:sldId id="257" r:id="rId6"/>
     <p:sldId id="258" r:id="rId7"/>
-    <p:sldId id="259" r:id="rId8"/>
-    <p:sldId id="260" r:id="rId9"/>
-    <p:sldId id="261" r:id="rId10"/>
-    <p:sldId id="262" r:id="rId11"/>
-    <p:sldId id="263" r:id="rId12"/>
-    <p:sldId id="264" r:id="rId13"/>
-    <p:sldId id="276" r:id="rId14"/>
-    <p:sldId id="277" r:id="rId15"/>
-    <p:sldId id="278" r:id="rId16"/>
-    <p:sldId id="266" r:id="rId17"/>
-    <p:sldId id="267" r:id="rId18"/>
-    <p:sldId id="268" r:id="rId19"/>
-    <p:sldId id="269" r:id="rId20"/>
-    <p:sldId id="270" r:id="rId21"/>
-    <p:sldId id="271" r:id="rId22"/>
-    <p:sldId id="272" r:id="rId23"/>
-    <p:sldId id="273" r:id="rId24"/>
-    <p:sldId id="274" r:id="rId25"/>
-    <p:sldId id="275" r:id="rId26"/>
-    <p:sldId id="286" r:id="rId27"/>
-    <p:sldId id="287" r:id="rId28"/>
-    <p:sldId id="290" r:id="rId29"/>
-    <p:sldId id="289" r:id="rId30"/>
-    <p:sldId id="291" r:id="rId31"/>
-    <p:sldId id="292" r:id="rId32"/>
-    <p:sldId id="293" r:id="rId33"/>
+    <p:sldId id="294" r:id="rId8"/>
+    <p:sldId id="259" r:id="rId9"/>
+    <p:sldId id="260" r:id="rId10"/>
+    <p:sldId id="261" r:id="rId11"/>
+    <p:sldId id="262" r:id="rId12"/>
+    <p:sldId id="263" r:id="rId13"/>
+    <p:sldId id="264" r:id="rId14"/>
+    <p:sldId id="276" r:id="rId15"/>
+    <p:sldId id="277" r:id="rId16"/>
+    <p:sldId id="278" r:id="rId17"/>
+    <p:sldId id="266" r:id="rId18"/>
+    <p:sldId id="267" r:id="rId19"/>
+    <p:sldId id="268" r:id="rId20"/>
+    <p:sldId id="269" r:id="rId21"/>
+    <p:sldId id="270" r:id="rId22"/>
+    <p:sldId id="271" r:id="rId23"/>
+    <p:sldId id="272" r:id="rId24"/>
+    <p:sldId id="273" r:id="rId25"/>
+    <p:sldId id="274" r:id="rId26"/>
+    <p:sldId id="275" r:id="rId27"/>
+    <p:sldId id="286" r:id="rId28"/>
+    <p:sldId id="287" r:id="rId29"/>
+    <p:sldId id="290" r:id="rId30"/>
+    <p:sldId id="289" r:id="rId31"/>
+    <p:sldId id="291" r:id="rId32"/>
+    <p:sldId id="292" r:id="rId33"/>
+    <p:sldId id="293" r:id="rId34"/>
   </p:sldIdLst>
   <p:sldSz cx="12192000" cy="6858000"/>
   <p:notesSz cx="6858000" cy="9144000"/>
@@ -3615,7 +3616,7 @@
           </a:lstStyle>
           <a:p>
             <a:fld id="{4ECA7AEB-E827-8649-82D4-2C358B4AC551}" type="datetimeFigureOut">
-              <a:t>7/14/20</a:t>
+              <a:t>15/07/2020</a:t>
             </a:fld>
             <a:endParaRPr lang="en-US"/>
           </a:p>
@@ -4012,7 +4013,7 @@
           <a:p>
             <a:fld id="{846CE7D5-CF57-46EF-B807-FDD0502418D4}" type="datetimeFigureOut">
               <a:rPr lang="en-US" smtClean="0"/>
-              <a:t>7/14/20</a:t>
+              <a:t>7/15/20</a:t>
             </a:fld>
             <a:endParaRPr lang="en-US"/>
           </a:p>
@@ -4182,7 +4183,7 @@
           <a:p>
             <a:fld id="{846CE7D5-CF57-46EF-B807-FDD0502418D4}" type="datetimeFigureOut">
               <a:rPr lang="en-US" smtClean="0"/>
-              <a:t>7/14/20</a:t>
+              <a:t>7/15/20</a:t>
             </a:fld>
             <a:endParaRPr lang="en-US"/>
           </a:p>
@@ -4362,7 +4363,7 @@
           <a:p>
             <a:fld id="{846CE7D5-CF57-46EF-B807-FDD0502418D4}" type="datetimeFigureOut">
               <a:rPr lang="en-US" smtClean="0"/>
-              <a:t>7/14/20</a:t>
+              <a:t>7/15/20</a:t>
             </a:fld>
             <a:endParaRPr lang="en-US"/>
           </a:p>
@@ -4532,7 +4533,7 @@
           <a:p>
             <a:fld id="{846CE7D5-CF57-46EF-B807-FDD0502418D4}" type="datetimeFigureOut">
               <a:rPr lang="en-US" smtClean="0"/>
-              <a:t>7/14/20</a:t>
+              <a:t>7/15/20</a:t>
             </a:fld>
             <a:endParaRPr lang="en-US"/>
           </a:p>
@@ -4778,7 +4779,7 @@
           <a:p>
             <a:fld id="{846CE7D5-CF57-46EF-B807-FDD0502418D4}" type="datetimeFigureOut">
               <a:rPr lang="en-US" smtClean="0"/>
-              <a:t>7/14/20</a:t>
+              <a:t>7/15/20</a:t>
             </a:fld>
             <a:endParaRPr lang="en-US"/>
           </a:p>
@@ -5010,7 +5011,7 @@
           <a:p>
             <a:fld id="{846CE7D5-CF57-46EF-B807-FDD0502418D4}" type="datetimeFigureOut">
               <a:rPr lang="en-US" smtClean="0"/>
-              <a:t>7/14/20</a:t>
+              <a:t>7/15/20</a:t>
             </a:fld>
             <a:endParaRPr lang="en-US"/>
           </a:p>
@@ -5377,7 +5378,7 @@
           <a:p>
             <a:fld id="{846CE7D5-CF57-46EF-B807-FDD0502418D4}" type="datetimeFigureOut">
               <a:rPr lang="en-US" smtClean="0"/>
-              <a:t>7/14/20</a:t>
+              <a:t>7/15/20</a:t>
             </a:fld>
             <a:endParaRPr lang="en-US"/>
           </a:p>
@@ -5495,7 +5496,7 @@
           <a:p>
             <a:fld id="{846CE7D5-CF57-46EF-B807-FDD0502418D4}" type="datetimeFigureOut">
               <a:rPr lang="en-US" smtClean="0"/>
-              <a:t>7/14/20</a:t>
+              <a:t>7/15/20</a:t>
             </a:fld>
             <a:endParaRPr lang="en-US"/>
           </a:p>
@@ -5590,7 +5591,7 @@
           <a:p>
             <a:fld id="{846CE7D5-CF57-46EF-B807-FDD0502418D4}" type="datetimeFigureOut">
               <a:rPr lang="en-US" smtClean="0"/>
-              <a:t>7/14/20</a:t>
+              <a:t>7/15/20</a:t>
             </a:fld>
             <a:endParaRPr lang="en-US"/>
           </a:p>
@@ -5867,7 +5868,7 @@
           <a:p>
             <a:fld id="{846CE7D5-CF57-46EF-B807-FDD0502418D4}" type="datetimeFigureOut">
               <a:rPr lang="en-US" smtClean="0"/>
-              <a:t>7/14/20</a:t>
+              <a:t>7/15/20</a:t>
             </a:fld>
             <a:endParaRPr lang="en-US"/>
           </a:p>
@@ -6124,7 +6125,7 @@
           <a:p>
             <a:fld id="{846CE7D5-CF57-46EF-B807-FDD0502418D4}" type="datetimeFigureOut">
               <a:rPr lang="en-US" smtClean="0"/>
-              <a:t>7/14/20</a:t>
+              <a:t>7/15/20</a:t>
             </a:fld>
             <a:endParaRPr lang="en-US"/>
           </a:p>
@@ -6337,7 +6338,7 @@
           <a:p>
             <a:fld id="{846CE7D5-CF57-46EF-B807-FDD0502418D4}" type="datetimeFigureOut">
               <a:rPr lang="en-US" smtClean="0"/>
-              <a:t>7/14/20</a:t>
+              <a:t>7/15/20</a:t>
             </a:fld>
             <a:endParaRPr lang="en-US"/>
           </a:p>
@@ -6828,7 +6829,7 @@
           <p:cNvPr id="2" name="Title 1">
             <a:extLst>
               <a:ext uri="{FF2B5EF4-FFF2-40B4-BE49-F238E27FC236}">
-                <a16:creationId xmlns="" xmlns:a16="http://schemas.microsoft.com/office/drawing/2014/main" id="{99760F66-ED22-4D99-83D9-AF132B641E2C}"/>
+                <a16:creationId xmlns:a16="http://schemas.microsoft.com/office/drawing/2014/main" xmlns="" id="{99760F66-ED22-4D99-83D9-AF132B641E2C}"/>
               </a:ext>
             </a:extLst>
           </p:cNvPr>
@@ -6859,7 +6860,7 @@
           <p:cNvPr id="4" name="Picture 3" descr="A close up of a logo&#10;&#10;Description generated with very high confidence">
             <a:extLst>
               <a:ext uri="{FF2B5EF4-FFF2-40B4-BE49-F238E27FC236}">
-                <a16:creationId xmlns="" xmlns:a16="http://schemas.microsoft.com/office/drawing/2014/main" id="{6E87F861-F9AC-4F21-B0C8-58EB55E95B97}"/>
+                <a16:creationId xmlns:a16="http://schemas.microsoft.com/office/drawing/2014/main" xmlns="" id="{6E87F861-F9AC-4F21-B0C8-58EB55E95B97}"/>
               </a:ext>
             </a:extLst>
           </p:cNvPr>
@@ -6884,12 +6885,194 @@
           </a:prstGeom>
         </p:spPr>
       </p:pic>
+      <p:pic>
+        <p:nvPicPr>
+          <p:cNvPr id="6" name="Picture 5" descr="A picture containing clock&#10;&#10;Description generated with very high confidence">
+            <a:extLst>
+              <a:ext uri="{FF2B5EF4-FFF2-40B4-BE49-F238E27FC236}">
+                <a16:creationId xmlns:a16="http://schemas.microsoft.com/office/drawing/2014/main" xmlns="" id="{4616AC99-6BB6-4ADE-BDE8-48395933FE5F}"/>
+              </a:ext>
+            </a:extLst>
+          </p:cNvPr>
+          <p:cNvPicPr>
+            <a:picLocks noChangeAspect="1"/>
+          </p:cNvPicPr>
+          <p:nvPr/>
+        </p:nvPicPr>
+        <p:blipFill>
+          <a:blip r:embed="rId3"/>
+          <a:stretch>
+            <a:fillRect/>
+          </a:stretch>
+        </p:blipFill>
+        <p:spPr>
+          <a:xfrm>
+            <a:off x="4253035" y="3094015"/>
+            <a:ext cx="3486150" cy="748369"/>
+          </a:xfrm>
+          <a:prstGeom prst="rect">
+            <a:avLst/>
+          </a:prstGeom>
+        </p:spPr>
+      </p:pic>
       <p:sp>
         <p:nvSpPr>
           <p:cNvPr id="8" name="Arrow: Down 7">
             <a:extLst>
               <a:ext uri="{FF2B5EF4-FFF2-40B4-BE49-F238E27FC236}">
-                <a16:creationId xmlns="" xmlns:a16="http://schemas.microsoft.com/office/drawing/2014/main" id="{82AB09DD-DB63-4806-A980-AE0CB9781D42}"/>
+                <a16:creationId xmlns:a16="http://schemas.microsoft.com/office/drawing/2014/main" xmlns="" id="{82AB09DD-DB63-4806-A980-AE0CB9781D42}"/>
+              </a:ext>
+            </a:extLst>
+          </p:cNvPr>
+          <p:cNvSpPr/>
+          <p:nvPr/>
+        </p:nvSpPr>
+        <p:spPr>
+          <a:xfrm>
+            <a:off x="5582343" y="2078882"/>
+            <a:ext cx="485775" cy="981075"/>
+          </a:xfrm>
+          <a:prstGeom prst="downArrow">
+            <a:avLst/>
+          </a:prstGeom>
+          <a:solidFill>
+            <a:schemeClr val="tx1"/>
+          </a:solidFill>
+          <a:ln>
+            <a:solidFill>
+              <a:schemeClr val="tx1"/>
+            </a:solidFill>
+          </a:ln>
+        </p:spPr>
+        <p:style>
+          <a:lnRef idx="2">
+            <a:schemeClr val="accent1">
+              <a:shade val="50000"/>
+            </a:schemeClr>
+          </a:lnRef>
+          <a:fillRef idx="1">
+            <a:schemeClr val="accent1"/>
+          </a:fillRef>
+          <a:effectRef idx="0">
+            <a:schemeClr val="accent1"/>
+          </a:effectRef>
+          <a:fontRef idx="minor">
+            <a:schemeClr val="lt1"/>
+          </a:fontRef>
+        </p:style>
+        <p:txBody>
+          <a:bodyPr rtlCol="0" anchor="ctr"/>
+          <a:lstStyle/>
+          <a:p>
+            <a:pPr algn="ctr"/>
+            <a:endParaRPr lang="en-US"/>
+          </a:p>
+        </p:txBody>
+      </p:sp>
+    </p:spTree>
+    <p:extLst>
+      <p:ext uri="{BB962C8B-B14F-4D97-AF65-F5344CB8AC3E}">
+        <p14:creationId xmlns:p14="http://schemas.microsoft.com/office/powerpoint/2010/main" val="1655997397"/>
+      </p:ext>
+    </p:extLst>
+  </p:cSld>
+  <p:clrMapOvr>
+    <a:masterClrMapping/>
+  </p:clrMapOvr>
+  <p:timing>
+    <p:tnLst>
+      <p:par>
+        <p:cTn id="1" dur="indefinite" restart="never" nodeType="tmRoot"/>
+      </p:par>
+    </p:tnLst>
+  </p:timing>
+</p:sld>
+</file>
+
+<file path=ppt/slides/slide11.xml><?xml version="1.0" encoding="utf-8"?>
+<p:sld xmlns:a="http://schemas.openxmlformats.org/drawingml/2006/main" xmlns:r="http://schemas.openxmlformats.org/officeDocument/2006/relationships" xmlns:p="http://schemas.openxmlformats.org/presentationml/2006/main">
+  <p:cSld>
+    <p:spTree>
+      <p:nvGrpSpPr>
+        <p:cNvPr id="1" name=""/>
+        <p:cNvGrpSpPr/>
+        <p:nvPr/>
+      </p:nvGrpSpPr>
+      <p:grpSpPr>
+        <a:xfrm>
+          <a:off x="0" y="0"/>
+          <a:ext cx="0" cy="0"/>
+          <a:chOff x="0" y="0"/>
+          <a:chExt cx="0" cy="0"/>
+        </a:xfrm>
+      </p:grpSpPr>
+      <p:sp>
+        <p:nvSpPr>
+          <p:cNvPr id="2" name="Title 1">
+            <a:extLst>
+              <a:ext uri="{FF2B5EF4-FFF2-40B4-BE49-F238E27FC236}">
+                <a16:creationId xmlns:a16="http://schemas.microsoft.com/office/drawing/2014/main" xmlns="" id="{99760F66-ED22-4D99-83D9-AF132B641E2C}"/>
+              </a:ext>
+            </a:extLst>
+          </p:cNvPr>
+          <p:cNvSpPr>
+            <a:spLocks noGrp="1"/>
+          </p:cNvSpPr>
+          <p:nvPr>
+            <p:ph type="title"/>
+          </p:nvPr>
+        </p:nvSpPr>
+        <p:spPr/>
+        <p:txBody>
+          <a:bodyPr/>
+          <a:lstStyle/>
+          <a:p>
+            <a:r>
+              <a:rPr lang="en-US" dirty="0">
+                <a:cs typeface="Calibri Light"/>
+              </a:rPr>
+              <a:t>Proof of strong duality</a:t>
+            </a:r>
+            <a:endParaRPr lang="en-US" dirty="0"/>
+          </a:p>
+        </p:txBody>
+      </p:sp>
+      <p:pic>
+        <p:nvPicPr>
+          <p:cNvPr id="4" name="Picture 3" descr="A close up of a logo&#10;&#10;Description generated with very high confidence">
+            <a:extLst>
+              <a:ext uri="{FF2B5EF4-FFF2-40B4-BE49-F238E27FC236}">
+                <a16:creationId xmlns:a16="http://schemas.microsoft.com/office/drawing/2014/main" xmlns="" id="{6E87F861-F9AC-4F21-B0C8-58EB55E95B97}"/>
+              </a:ext>
+            </a:extLst>
+          </p:cNvPr>
+          <p:cNvPicPr>
+            <a:picLocks noChangeAspect="1"/>
+          </p:cNvPicPr>
+          <p:nvPr/>
+        </p:nvPicPr>
+        <p:blipFill>
+          <a:blip r:embed="rId2"/>
+          <a:stretch>
+            <a:fillRect/>
+          </a:stretch>
+        </p:blipFill>
+        <p:spPr>
+          <a:xfrm>
+            <a:off x="3652960" y="1633676"/>
+            <a:ext cx="4686300" cy="411496"/>
+          </a:xfrm>
+          <a:prstGeom prst="rect">
+            <a:avLst/>
+          </a:prstGeom>
+        </p:spPr>
+      </p:pic>
+      <p:sp>
+        <p:nvSpPr>
+          <p:cNvPr id="8" name="Arrow: Down 7">
+            <a:extLst>
+              <a:ext uri="{FF2B5EF4-FFF2-40B4-BE49-F238E27FC236}">
+                <a16:creationId xmlns:a16="http://schemas.microsoft.com/office/drawing/2014/main" xmlns="" id="{82AB09DD-DB63-4806-A980-AE0CB9781D42}"/>
               </a:ext>
             </a:extLst>
           </p:cNvPr>
@@ -6943,7 +7126,7 @@
           <p:cNvPr id="7" name="Picture 8" descr="A picture containing object, clock, meter&#10;&#10;Description generated with very high confidence">
             <a:extLst>
               <a:ext uri="{FF2B5EF4-FFF2-40B4-BE49-F238E27FC236}">
-                <a16:creationId xmlns="" xmlns:a16="http://schemas.microsoft.com/office/drawing/2014/main" id="{24E34536-1F12-4496-ADBF-5DDFD8BD27B0}"/>
+                <a16:creationId xmlns:a16="http://schemas.microsoft.com/office/drawing/2014/main" xmlns="" id="{24E34536-1F12-4496-ADBF-5DDFD8BD27B0}"/>
               </a:ext>
             </a:extLst>
           </p:cNvPr>
@@ -6973,7 +7156,7 @@
           <p:cNvPr id="10" name="Arrow: Down 9">
             <a:extLst>
               <a:ext uri="{FF2B5EF4-FFF2-40B4-BE49-F238E27FC236}">
-                <a16:creationId xmlns="" xmlns:a16="http://schemas.microsoft.com/office/drawing/2014/main" id="{C0BCF31F-630B-4B9F-8929-EFCB1E78F4C9}"/>
+                <a16:creationId xmlns:a16="http://schemas.microsoft.com/office/drawing/2014/main" xmlns="" id="{C0BCF31F-630B-4B9F-8929-EFCB1E78F4C9}"/>
               </a:ext>
             </a:extLst>
           </p:cNvPr>
@@ -7027,7 +7210,7 @@
           <p:cNvPr id="11" name="TextBox 10">
             <a:extLst>
               <a:ext uri="{FF2B5EF4-FFF2-40B4-BE49-F238E27FC236}">
-                <a16:creationId xmlns="" xmlns:a16="http://schemas.microsoft.com/office/drawing/2014/main" id="{02939EE3-25E8-4AA1-A0EF-AEA68207BAAD}"/>
+                <a16:creationId xmlns:a16="http://schemas.microsoft.com/office/drawing/2014/main" xmlns="" id="{02939EE3-25E8-4AA1-A0EF-AEA68207BAAD}"/>
               </a:ext>
             </a:extLst>
           </p:cNvPr>
@@ -7090,7 +7273,7 @@
           <p:cNvPr id="12" name="TextBox 11">
             <a:extLst>
               <a:ext uri="{FF2B5EF4-FFF2-40B4-BE49-F238E27FC236}">
-                <a16:creationId xmlns="" xmlns:a16="http://schemas.microsoft.com/office/drawing/2014/main" id="{E8C512F0-66D0-4B8A-B0A7-993EEF9E5139}"/>
+                <a16:creationId xmlns:a16="http://schemas.microsoft.com/office/drawing/2014/main" xmlns="" id="{E8C512F0-66D0-4B8A-B0A7-993EEF9E5139}"/>
               </a:ext>
             </a:extLst>
           </p:cNvPr>
@@ -7149,7 +7332,7 @@
           <p:cNvPr id="13" name="TextBox 12">
             <a:extLst>
               <a:ext uri="{FF2B5EF4-FFF2-40B4-BE49-F238E27FC236}">
-                <a16:creationId xmlns="" xmlns:a16="http://schemas.microsoft.com/office/drawing/2014/main" id="{7E86E019-DB97-4D67-8777-EE3CB4990CA9}"/>
+                <a16:creationId xmlns:a16="http://schemas.microsoft.com/office/drawing/2014/main" xmlns="" id="{7E86E019-DB97-4D67-8777-EE3CB4990CA9}"/>
               </a:ext>
             </a:extLst>
           </p:cNvPr>
@@ -7208,7 +7391,7 @@
           <p:cNvPr id="14" name="Arrow: Right 13">
             <a:extLst>
               <a:ext uri="{FF2B5EF4-FFF2-40B4-BE49-F238E27FC236}">
-                <a16:creationId xmlns="" xmlns:a16="http://schemas.microsoft.com/office/drawing/2014/main" id="{169BB430-EBE9-48D3-BBC7-66B17AF3C24B}"/>
+                <a16:creationId xmlns:a16="http://schemas.microsoft.com/office/drawing/2014/main" xmlns="" id="{169BB430-EBE9-48D3-BBC7-66B17AF3C24B}"/>
               </a:ext>
             </a:extLst>
           </p:cNvPr>
@@ -7252,7 +7435,7 @@
           <p:cNvPr id="15" name="Arrow: Right 14">
             <a:extLst>
               <a:ext uri="{FF2B5EF4-FFF2-40B4-BE49-F238E27FC236}">
-                <a16:creationId xmlns="" xmlns:a16="http://schemas.microsoft.com/office/drawing/2014/main" id="{6E7FAE65-47EA-4920-B326-5A67AA7A8459}"/>
+                <a16:creationId xmlns:a16="http://schemas.microsoft.com/office/drawing/2014/main" xmlns="" id="{6E7FAE65-47EA-4920-B326-5A67AA7A8459}"/>
               </a:ext>
             </a:extLst>
           </p:cNvPr>
@@ -7763,7 +7946,7 @@
 </p:sld>
 </file>
 
-<file path=ppt/slides/slide11.xml><?xml version="1.0" encoding="utf-8"?>
+<file path=ppt/slides/slide12.xml><?xml version="1.0" encoding="utf-8"?>
 <p:sld xmlns:a="http://schemas.openxmlformats.org/drawingml/2006/main" xmlns:r="http://schemas.openxmlformats.org/officeDocument/2006/relationships" xmlns:p="http://schemas.openxmlformats.org/presentationml/2006/main">
   <p:cSld>
     <p:spTree>
@@ -7785,7 +7968,7 @@
           <p:cNvPr id="2" name="Title 1">
             <a:extLst>
               <a:ext uri="{FF2B5EF4-FFF2-40B4-BE49-F238E27FC236}">
-                <a16:creationId xmlns="" xmlns:a16="http://schemas.microsoft.com/office/drawing/2014/main" id="{049D73AB-69AC-4C26-8CC0-8588A649B93D}"/>
+                <a16:creationId xmlns:a16="http://schemas.microsoft.com/office/drawing/2014/main" xmlns="" id="{049D73AB-69AC-4C26-8CC0-8588A649B93D}"/>
               </a:ext>
             </a:extLst>
           </p:cNvPr>
@@ -7816,7 +7999,7 @@
           <p:cNvPr id="3" name="Picture 3" descr="A close up of a logo&#10;&#10;Description generated with very high confidence">
             <a:extLst>
               <a:ext uri="{FF2B5EF4-FFF2-40B4-BE49-F238E27FC236}">
-                <a16:creationId xmlns="" xmlns:a16="http://schemas.microsoft.com/office/drawing/2014/main" id="{F02ACA80-2AC2-480A-B525-77E55A69968C}"/>
+                <a16:creationId xmlns:a16="http://schemas.microsoft.com/office/drawing/2014/main" xmlns="" id="{F02ACA80-2AC2-480A-B525-77E55A69968C}"/>
               </a:ext>
             </a:extLst>
           </p:cNvPr>
@@ -7846,7 +8029,7 @@
           <p:cNvPr id="8" name="TextBox 7">
             <a:extLst>
               <a:ext uri="{FF2B5EF4-FFF2-40B4-BE49-F238E27FC236}">
-                <a16:creationId xmlns="" xmlns:a16="http://schemas.microsoft.com/office/drawing/2014/main" id="{835FC702-9D17-4D93-ADB1-41187423B13D}"/>
+                <a16:creationId xmlns:a16="http://schemas.microsoft.com/office/drawing/2014/main" xmlns="" id="{835FC702-9D17-4D93-ADB1-41187423B13D}"/>
               </a:ext>
             </a:extLst>
           </p:cNvPr>
@@ -7900,7 +8083,7 @@
           <p:cNvPr id="9" name="TextBox 8">
             <a:extLst>
               <a:ext uri="{FF2B5EF4-FFF2-40B4-BE49-F238E27FC236}">
-                <a16:creationId xmlns="" xmlns:a16="http://schemas.microsoft.com/office/drawing/2014/main" id="{37F40EBB-2055-4760-B908-EBF1D946DEBB}"/>
+                <a16:creationId xmlns:a16="http://schemas.microsoft.com/office/drawing/2014/main" xmlns="" id="{37F40EBB-2055-4760-B908-EBF1D946DEBB}"/>
               </a:ext>
             </a:extLst>
           </p:cNvPr>
@@ -8028,7 +8211,7 @@
 </p:sld>
 </file>
 
-<file path=ppt/slides/slide12.xml><?xml version="1.0" encoding="utf-8"?>
+<file path=ppt/slides/slide13.xml><?xml version="1.0" encoding="utf-8"?>
 <p:sld xmlns:a="http://schemas.openxmlformats.org/drawingml/2006/main" xmlns:r="http://schemas.openxmlformats.org/officeDocument/2006/relationships" xmlns:p="http://schemas.openxmlformats.org/presentationml/2006/main">
   <p:cSld>
     <p:spTree>
@@ -8050,7 +8233,7 @@
           <p:cNvPr id="2" name="Title 1">
             <a:extLst>
               <a:ext uri="{FF2B5EF4-FFF2-40B4-BE49-F238E27FC236}">
-                <a16:creationId xmlns="" xmlns:a16="http://schemas.microsoft.com/office/drawing/2014/main" id="{087C7EC8-1E92-40CF-90E0-1A53D90D6843}"/>
+                <a16:creationId xmlns:a16="http://schemas.microsoft.com/office/drawing/2014/main" xmlns="" id="{087C7EC8-1E92-40CF-90E0-1A53D90D6843}"/>
               </a:ext>
             </a:extLst>
           </p:cNvPr>
@@ -8146,7 +8329,7 @@
           <p:cNvPr id="6" name="TextBox 5">
             <a:extLst>
               <a:ext uri="{FF2B5EF4-FFF2-40B4-BE49-F238E27FC236}">
-                <a16:creationId xmlns="" xmlns:a16="http://schemas.microsoft.com/office/drawing/2014/main" id="{835FC702-9D17-4D93-ADB1-41187423B13D}"/>
+                <a16:creationId xmlns:a16="http://schemas.microsoft.com/office/drawing/2014/main" xmlns="" id="{835FC702-9D17-4D93-ADB1-41187423B13D}"/>
               </a:ext>
             </a:extLst>
           </p:cNvPr>
@@ -8320,7 +8503,7 @@
           <p:cNvPr id="14" name="Left Brace 13">
             <a:extLst>
               <a:ext uri="{FF2B5EF4-FFF2-40B4-BE49-F238E27FC236}">
-                <a16:creationId xmlns="" xmlns:a16="http://schemas.microsoft.com/office/drawing/2014/main" id="{B0FCB8FB-0BF8-4D3B-A796-DF6C215E4800}"/>
+                <a16:creationId xmlns:a16="http://schemas.microsoft.com/office/drawing/2014/main" xmlns="" id="{B0FCB8FB-0BF8-4D3B-A796-DF6C215E4800}"/>
               </a:ext>
             </a:extLst>
           </p:cNvPr>
@@ -8372,7 +8555,7 @@
           <p:cNvPr id="15" name="Left Brace 14">
             <a:extLst>
               <a:ext uri="{FF2B5EF4-FFF2-40B4-BE49-F238E27FC236}">
-                <a16:creationId xmlns="" xmlns:a16="http://schemas.microsoft.com/office/drawing/2014/main" id="{B0FCB8FB-0BF8-4D3B-A796-DF6C215E4800}"/>
+                <a16:creationId xmlns:a16="http://schemas.microsoft.com/office/drawing/2014/main" xmlns="" id="{B0FCB8FB-0BF8-4D3B-A796-DF6C215E4800}"/>
               </a:ext>
             </a:extLst>
           </p:cNvPr>
@@ -8705,7 +8888,7 @@
 </p:sld>
 </file>
 
-<file path=ppt/slides/slide13.xml><?xml version="1.0" encoding="utf-8"?>
+<file path=ppt/slides/slide14.xml><?xml version="1.0" encoding="utf-8"?>
 <p:sld xmlns:a="http://schemas.openxmlformats.org/drawingml/2006/main" xmlns:r="http://schemas.openxmlformats.org/officeDocument/2006/relationships" xmlns:p="http://schemas.openxmlformats.org/presentationml/2006/main">
   <p:cSld>
     <p:spTree>
@@ -8727,7 +8910,7 @@
           <p:cNvPr id="2" name="Title 1">
             <a:extLst>
               <a:ext uri="{FF2B5EF4-FFF2-40B4-BE49-F238E27FC236}">
-                <a16:creationId xmlns="" xmlns:a16="http://schemas.microsoft.com/office/drawing/2014/main" id="{087C7EC8-1E92-40CF-90E0-1A53D90D6843}"/>
+                <a16:creationId xmlns:a16="http://schemas.microsoft.com/office/drawing/2014/main" xmlns="" id="{087C7EC8-1E92-40CF-90E0-1A53D90D6843}"/>
               </a:ext>
             </a:extLst>
           </p:cNvPr>
@@ -8793,7 +8976,7 @@
           <p:cNvPr id="8" name="TextBox 7">
             <a:extLst>
               <a:ext uri="{FF2B5EF4-FFF2-40B4-BE49-F238E27FC236}">
-                <a16:creationId xmlns="" xmlns:a16="http://schemas.microsoft.com/office/drawing/2014/main" id="{37F40EBB-2055-4760-B908-EBF1D946DEBB}"/>
+                <a16:creationId xmlns:a16="http://schemas.microsoft.com/office/drawing/2014/main" xmlns="" id="{37F40EBB-2055-4760-B908-EBF1D946DEBB}"/>
               </a:ext>
             </a:extLst>
           </p:cNvPr>
@@ -8937,7 +9120,7 @@
           <p:cNvPr id="18" name="Arrow: Right 47">
             <a:extLst>
               <a:ext uri="{FF2B5EF4-FFF2-40B4-BE49-F238E27FC236}">
-                <a16:creationId xmlns="" xmlns:a16="http://schemas.microsoft.com/office/drawing/2014/main" id="{2D05F327-8A08-41D8-93AF-95C1FFD2CEA2}"/>
+                <a16:creationId xmlns:a16="http://schemas.microsoft.com/office/drawing/2014/main" xmlns="" id="{2D05F327-8A08-41D8-93AF-95C1FFD2CEA2}"/>
               </a:ext>
             </a:extLst>
           </p:cNvPr>
@@ -9311,7 +9494,7 @@
 </p:sld>
 </file>
 
-<file path=ppt/slides/slide14.xml><?xml version="1.0" encoding="utf-8"?>
+<file path=ppt/slides/slide15.xml><?xml version="1.0" encoding="utf-8"?>
 <p:sld xmlns:a="http://schemas.openxmlformats.org/drawingml/2006/main" xmlns:r="http://schemas.openxmlformats.org/officeDocument/2006/relationships" xmlns:p="http://schemas.openxmlformats.org/presentationml/2006/main">
   <p:cSld>
     <p:spTree>
@@ -9366,7 +9549,7 @@
           <p:cNvPr id="2" name="Title 1">
             <a:extLst>
               <a:ext uri="{FF2B5EF4-FFF2-40B4-BE49-F238E27FC236}">
-                <a16:creationId xmlns="" xmlns:a16="http://schemas.microsoft.com/office/drawing/2014/main" id="{087C7EC8-1E92-40CF-90E0-1A53D90D6843}"/>
+                <a16:creationId xmlns:a16="http://schemas.microsoft.com/office/drawing/2014/main" xmlns="" id="{087C7EC8-1E92-40CF-90E0-1A53D90D6843}"/>
               </a:ext>
             </a:extLst>
           </p:cNvPr>
@@ -9432,7 +9615,7 @@
           <p:cNvPr id="8" name="TextBox 7">
             <a:extLst>
               <a:ext uri="{FF2B5EF4-FFF2-40B4-BE49-F238E27FC236}">
-                <a16:creationId xmlns="" xmlns:a16="http://schemas.microsoft.com/office/drawing/2014/main" id="{37F40EBB-2055-4760-B908-EBF1D946DEBB}"/>
+                <a16:creationId xmlns:a16="http://schemas.microsoft.com/office/drawing/2014/main" xmlns="" id="{37F40EBB-2055-4760-B908-EBF1D946DEBB}"/>
               </a:ext>
             </a:extLst>
           </p:cNvPr>
@@ -9576,7 +9759,7 @@
           <p:cNvPr id="24" name="TextBox 23">
             <a:extLst>
               <a:ext uri="{FF2B5EF4-FFF2-40B4-BE49-F238E27FC236}">
-                <a16:creationId xmlns="" xmlns:a16="http://schemas.microsoft.com/office/drawing/2014/main" id="{02939EE3-25E8-4AA1-A0EF-AEA68207BAAD}"/>
+                <a16:creationId xmlns:a16="http://schemas.microsoft.com/office/drawing/2014/main" xmlns="" id="{02939EE3-25E8-4AA1-A0EF-AEA68207BAAD}"/>
               </a:ext>
             </a:extLst>
           </p:cNvPr>
@@ -9966,7 +10149,7 @@
 </p:sld>
 </file>
 
-<file path=ppt/slides/slide15.xml><?xml version="1.0" encoding="utf-8"?>
+<file path=ppt/slides/slide16.xml><?xml version="1.0" encoding="utf-8"?>
 <p:sld xmlns:a="http://schemas.openxmlformats.org/drawingml/2006/main" xmlns:r="http://schemas.openxmlformats.org/officeDocument/2006/relationships" xmlns:p="http://schemas.openxmlformats.org/presentationml/2006/main">
   <p:cSld>
     <p:spTree>
@@ -9988,7 +10171,7 @@
           <p:cNvPr id="2" name="Title 1">
             <a:extLst>
               <a:ext uri="{FF2B5EF4-FFF2-40B4-BE49-F238E27FC236}">
-                <a16:creationId xmlns="" xmlns:a16="http://schemas.microsoft.com/office/drawing/2014/main" id="{087C7EC8-1E92-40CF-90E0-1A53D90D6843}"/>
+                <a16:creationId xmlns:a16="http://schemas.microsoft.com/office/drawing/2014/main" xmlns="" id="{087C7EC8-1E92-40CF-90E0-1A53D90D6843}"/>
               </a:ext>
             </a:extLst>
           </p:cNvPr>
@@ -10252,7 +10435,7 @@
           <p:cNvPr id="14" name="TextBox 13">
             <a:extLst>
               <a:ext uri="{FF2B5EF4-FFF2-40B4-BE49-F238E27FC236}">
-                <a16:creationId xmlns="" xmlns:a16="http://schemas.microsoft.com/office/drawing/2014/main" id="{37F40EBB-2055-4760-B908-EBF1D946DEBB}"/>
+                <a16:creationId xmlns:a16="http://schemas.microsoft.com/office/drawing/2014/main" xmlns="" id="{37F40EBB-2055-4760-B908-EBF1D946DEBB}"/>
               </a:ext>
             </a:extLst>
           </p:cNvPr>
@@ -10306,7 +10489,7 @@
           <p:cNvPr id="15" name="TextBox 14">
             <a:extLst>
               <a:ext uri="{FF2B5EF4-FFF2-40B4-BE49-F238E27FC236}">
-                <a16:creationId xmlns="" xmlns:a16="http://schemas.microsoft.com/office/drawing/2014/main" id="{835FC702-9D17-4D93-ADB1-41187423B13D}"/>
+                <a16:creationId xmlns:a16="http://schemas.microsoft.com/office/drawing/2014/main" xmlns="" id="{835FC702-9D17-4D93-ADB1-41187423B13D}"/>
               </a:ext>
             </a:extLst>
           </p:cNvPr>
@@ -10656,7 +10839,7 @@
 </p:sld>
 </file>
 
-<file path=ppt/slides/slide16.xml><?xml version="1.0" encoding="utf-8"?>
+<file path=ppt/slides/slide17.xml><?xml version="1.0" encoding="utf-8"?>
 <p:sld xmlns:a="http://schemas.openxmlformats.org/drawingml/2006/main" xmlns:r="http://schemas.openxmlformats.org/officeDocument/2006/relationships" xmlns:p="http://schemas.openxmlformats.org/presentationml/2006/main">
   <p:cSld>
     <p:spTree>
@@ -10678,7 +10861,7 @@
           <p:cNvPr id="2" name="Title 1">
             <a:extLst>
               <a:ext uri="{FF2B5EF4-FFF2-40B4-BE49-F238E27FC236}">
-                <a16:creationId xmlns="" xmlns:a16="http://schemas.microsoft.com/office/drawing/2014/main" id="{9D61FA45-C005-4B51-BCE8-53CB92897839}"/>
+                <a16:creationId xmlns:a16="http://schemas.microsoft.com/office/drawing/2014/main" xmlns="" id="{9D61FA45-C005-4B51-BCE8-53CB92897839}"/>
               </a:ext>
             </a:extLst>
           </p:cNvPr>
@@ -10709,7 +10892,7 @@
           <p:cNvPr id="5" name="Picture 5" descr="A close up of a sign&#10;&#10;Description generated with very high confidence">
             <a:extLst>
               <a:ext uri="{FF2B5EF4-FFF2-40B4-BE49-F238E27FC236}">
-                <a16:creationId xmlns="" xmlns:a16="http://schemas.microsoft.com/office/drawing/2014/main" id="{974CF11A-D544-4A6E-BD08-1F17C99FC2DA}"/>
+                <a16:creationId xmlns:a16="http://schemas.microsoft.com/office/drawing/2014/main" xmlns="" id="{974CF11A-D544-4A6E-BD08-1F17C99FC2DA}"/>
               </a:ext>
             </a:extLst>
           </p:cNvPr>
@@ -10739,7 +10922,7 @@
           <p:cNvPr id="7" name="Picture 7" descr="A close up of a logo&#10;&#10;Description generated with very high confidence">
             <a:extLst>
               <a:ext uri="{FF2B5EF4-FFF2-40B4-BE49-F238E27FC236}">
-                <a16:creationId xmlns="" xmlns:a16="http://schemas.microsoft.com/office/drawing/2014/main" id="{0D9DF479-3D2A-4F0E-B4D7-A7FD23103304}"/>
+                <a16:creationId xmlns:a16="http://schemas.microsoft.com/office/drawing/2014/main" xmlns="" id="{0D9DF479-3D2A-4F0E-B4D7-A7FD23103304}"/>
               </a:ext>
             </a:extLst>
           </p:cNvPr>
@@ -10769,7 +10952,7 @@
           <p:cNvPr id="10" name="TextBox 9">
             <a:extLst>
               <a:ext uri="{FF2B5EF4-FFF2-40B4-BE49-F238E27FC236}">
-                <a16:creationId xmlns="" xmlns:a16="http://schemas.microsoft.com/office/drawing/2014/main" id="{22CD767A-B4EC-4BF1-9ED3-D71A5E3C700F}"/>
+                <a16:creationId xmlns:a16="http://schemas.microsoft.com/office/drawing/2014/main" xmlns="" id="{22CD767A-B4EC-4BF1-9ED3-D71A5E3C700F}"/>
               </a:ext>
             </a:extLst>
           </p:cNvPr>
@@ -10810,7 +10993,7 @@
           <p:cNvPr id="6" name="TextBox 5">
             <a:extLst>
               <a:ext uri="{FF2B5EF4-FFF2-40B4-BE49-F238E27FC236}">
-                <a16:creationId xmlns="" xmlns:a16="http://schemas.microsoft.com/office/drawing/2014/main" id="{16A576E4-CB05-410A-A7B7-E1D5082BB440}"/>
+                <a16:creationId xmlns:a16="http://schemas.microsoft.com/office/drawing/2014/main" xmlns="" id="{16A576E4-CB05-410A-A7B7-E1D5082BB440}"/>
               </a:ext>
             </a:extLst>
           </p:cNvPr>
@@ -10851,7 +11034,7 @@
           <p:cNvPr id="4" name="TextBox 3">
             <a:extLst>
               <a:ext uri="{FF2B5EF4-FFF2-40B4-BE49-F238E27FC236}">
-                <a16:creationId xmlns="" xmlns:a16="http://schemas.microsoft.com/office/drawing/2014/main" id="{250592F7-BF1B-4D15-B7BE-568378A0093B}"/>
+                <a16:creationId xmlns:a16="http://schemas.microsoft.com/office/drawing/2014/main" xmlns="" id="{250592F7-BF1B-4D15-B7BE-568378A0093B}"/>
               </a:ext>
             </a:extLst>
           </p:cNvPr>
@@ -10905,7 +11088,7 @@
           <p:cNvPr id="14" name="TextBox 13">
             <a:extLst>
               <a:ext uri="{FF2B5EF4-FFF2-40B4-BE49-F238E27FC236}">
-                <a16:creationId xmlns="" xmlns:a16="http://schemas.microsoft.com/office/drawing/2014/main" id="{686536B4-EF0B-4FEC-B9A4-01510F6556F2}"/>
+                <a16:creationId xmlns:a16="http://schemas.microsoft.com/office/drawing/2014/main" xmlns="" id="{686536B4-EF0B-4FEC-B9A4-01510F6556F2}"/>
               </a:ext>
             </a:extLst>
           </p:cNvPr>
@@ -10959,7 +11142,7 @@
           <p:cNvPr id="11" name="TextBox 10">
             <a:extLst>
               <a:ext uri="{FF2B5EF4-FFF2-40B4-BE49-F238E27FC236}">
-                <a16:creationId xmlns="" xmlns:a16="http://schemas.microsoft.com/office/drawing/2014/main" id="{250592F7-BF1B-4D15-B7BE-568378A0093B}"/>
+                <a16:creationId xmlns:a16="http://schemas.microsoft.com/office/drawing/2014/main" xmlns="" id="{250592F7-BF1B-4D15-B7BE-568378A0093B}"/>
               </a:ext>
             </a:extLst>
           </p:cNvPr>
@@ -11013,7 +11196,7 @@
           <p:cNvPr id="15" name="TextBox 14">
             <a:extLst>
               <a:ext uri="{FF2B5EF4-FFF2-40B4-BE49-F238E27FC236}">
-                <a16:creationId xmlns="" xmlns:a16="http://schemas.microsoft.com/office/drawing/2014/main" id="{250592F7-BF1B-4D15-B7BE-568378A0093B}"/>
+                <a16:creationId xmlns:a16="http://schemas.microsoft.com/office/drawing/2014/main" xmlns="" id="{250592F7-BF1B-4D15-B7BE-568378A0093B}"/>
               </a:ext>
             </a:extLst>
           </p:cNvPr>
@@ -11236,7 +11419,7 @@
 </p:sld>
 </file>
 
-<file path=ppt/slides/slide17.xml><?xml version="1.0" encoding="utf-8"?>
+<file path=ppt/slides/slide18.xml><?xml version="1.0" encoding="utf-8"?>
 <p:sld xmlns:a="http://schemas.openxmlformats.org/drawingml/2006/main" xmlns:r="http://schemas.openxmlformats.org/officeDocument/2006/relationships" xmlns:p="http://schemas.openxmlformats.org/presentationml/2006/main">
   <p:cSld>
     <p:spTree>
@@ -11258,7 +11441,7 @@
           <p:cNvPr id="2" name="Title 1">
             <a:extLst>
               <a:ext uri="{FF2B5EF4-FFF2-40B4-BE49-F238E27FC236}">
-                <a16:creationId xmlns="" xmlns:a16="http://schemas.microsoft.com/office/drawing/2014/main" id="{D1E7EFF5-11B8-4F32-8476-49E84585F05A}"/>
+                <a16:creationId xmlns:a16="http://schemas.microsoft.com/office/drawing/2014/main" xmlns="" id="{D1E7EFF5-11B8-4F32-8476-49E84585F05A}"/>
               </a:ext>
             </a:extLst>
           </p:cNvPr>
@@ -11289,7 +11472,7 @@
           <p:cNvPr id="5" name="Picture 5" descr="A close up of a logo&#10;&#10;Description generated with very high confidence">
             <a:extLst>
               <a:ext uri="{FF2B5EF4-FFF2-40B4-BE49-F238E27FC236}">
-                <a16:creationId xmlns="" xmlns:a16="http://schemas.microsoft.com/office/drawing/2014/main" id="{FE49CDEE-6D69-4779-8171-6088CFE5B861}"/>
+                <a16:creationId xmlns:a16="http://schemas.microsoft.com/office/drawing/2014/main" xmlns="" id="{FE49CDEE-6D69-4779-8171-6088CFE5B861}"/>
               </a:ext>
             </a:extLst>
           </p:cNvPr>
@@ -11319,7 +11502,7 @@
           <p:cNvPr id="19" name="Picture 19" descr="A close up of a logo&#10;&#10;Description generated with very high confidence">
             <a:extLst>
               <a:ext uri="{FF2B5EF4-FFF2-40B4-BE49-F238E27FC236}">
-                <a16:creationId xmlns="" xmlns:a16="http://schemas.microsoft.com/office/drawing/2014/main" id="{373E1E67-9DC9-45A9-ABF4-E4C962A52693}"/>
+                <a16:creationId xmlns:a16="http://schemas.microsoft.com/office/drawing/2014/main" xmlns="" id="{373E1E67-9DC9-45A9-ABF4-E4C962A52693}"/>
               </a:ext>
             </a:extLst>
           </p:cNvPr>
@@ -11349,7 +11532,7 @@
           <p:cNvPr id="21" name="Picture 21" descr="A picture containing clock&#10;&#10;Description generated with very high confidence">
             <a:extLst>
               <a:ext uri="{FF2B5EF4-FFF2-40B4-BE49-F238E27FC236}">
-                <a16:creationId xmlns="" xmlns:a16="http://schemas.microsoft.com/office/drawing/2014/main" id="{FF232AEA-FD06-4CA8-8824-5AC34E209566}"/>
+                <a16:creationId xmlns:a16="http://schemas.microsoft.com/office/drawing/2014/main" xmlns="" id="{FF232AEA-FD06-4CA8-8824-5AC34E209566}"/>
               </a:ext>
             </a:extLst>
           </p:cNvPr>
@@ -11379,7 +11562,7 @@
           <p:cNvPr id="23" name="Picture 23">
             <a:extLst>
               <a:ext uri="{FF2B5EF4-FFF2-40B4-BE49-F238E27FC236}">
-                <a16:creationId xmlns="" xmlns:a16="http://schemas.microsoft.com/office/drawing/2014/main" id="{2B879844-8BE1-4CCE-88B8-10531FB57445}"/>
+                <a16:creationId xmlns:a16="http://schemas.microsoft.com/office/drawing/2014/main" xmlns="" id="{2B879844-8BE1-4CCE-88B8-10531FB57445}"/>
               </a:ext>
             </a:extLst>
           </p:cNvPr>
@@ -11409,7 +11592,7 @@
           <p:cNvPr id="25" name="Picture 25" descr="A picture containing clock, traffic, street&#10;&#10;Description generated with very high confidence">
             <a:extLst>
               <a:ext uri="{FF2B5EF4-FFF2-40B4-BE49-F238E27FC236}">
-                <a16:creationId xmlns="" xmlns:a16="http://schemas.microsoft.com/office/drawing/2014/main" id="{31C4CA6E-64D5-4644-A0B0-E7F77CB31720}"/>
+                <a16:creationId xmlns:a16="http://schemas.microsoft.com/office/drawing/2014/main" xmlns="" id="{31C4CA6E-64D5-4644-A0B0-E7F77CB31720}"/>
               </a:ext>
             </a:extLst>
           </p:cNvPr>
@@ -11439,7 +11622,7 @@
           <p:cNvPr id="27" name="Picture 27" descr="A picture containing clock&#10;&#10;Description generated with very high confidence">
             <a:extLst>
               <a:ext uri="{FF2B5EF4-FFF2-40B4-BE49-F238E27FC236}">
-                <a16:creationId xmlns="" xmlns:a16="http://schemas.microsoft.com/office/drawing/2014/main" id="{47AD4336-E823-420A-8B46-C5DF09A594FB}"/>
+                <a16:creationId xmlns:a16="http://schemas.microsoft.com/office/drawing/2014/main" xmlns="" id="{47AD4336-E823-420A-8B46-C5DF09A594FB}"/>
               </a:ext>
             </a:extLst>
           </p:cNvPr>
@@ -11469,7 +11652,7 @@
           <p:cNvPr id="31" name="Picture 31">
             <a:extLst>
               <a:ext uri="{FF2B5EF4-FFF2-40B4-BE49-F238E27FC236}">
-                <a16:creationId xmlns="" xmlns:a16="http://schemas.microsoft.com/office/drawing/2014/main" id="{CF195AAB-5B37-4012-A55E-F21CB6F4AE21}"/>
+                <a16:creationId xmlns:a16="http://schemas.microsoft.com/office/drawing/2014/main" xmlns="" id="{CF195AAB-5B37-4012-A55E-F21CB6F4AE21}"/>
               </a:ext>
             </a:extLst>
           </p:cNvPr>
@@ -11499,7 +11682,7 @@
           <p:cNvPr id="33" name="Picture 33">
             <a:extLst>
               <a:ext uri="{FF2B5EF4-FFF2-40B4-BE49-F238E27FC236}">
-                <a16:creationId xmlns="" xmlns:a16="http://schemas.microsoft.com/office/drawing/2014/main" id="{A42BFE66-B805-45F0-AC9C-33C7A041FC28}"/>
+                <a16:creationId xmlns:a16="http://schemas.microsoft.com/office/drawing/2014/main" xmlns="" id="{A42BFE66-B805-45F0-AC9C-33C7A041FC28}"/>
               </a:ext>
             </a:extLst>
           </p:cNvPr>
@@ -11529,7 +11712,7 @@
           <p:cNvPr id="38" name="Arrow: Up-Down 37">
             <a:extLst>
               <a:ext uri="{FF2B5EF4-FFF2-40B4-BE49-F238E27FC236}">
-                <a16:creationId xmlns="" xmlns:a16="http://schemas.microsoft.com/office/drawing/2014/main" id="{E9C791D2-D3ED-4C76-A4FB-9E49E9BC2A8C}"/>
+                <a16:creationId xmlns:a16="http://schemas.microsoft.com/office/drawing/2014/main" xmlns="" id="{E9C791D2-D3ED-4C76-A4FB-9E49E9BC2A8C}"/>
               </a:ext>
             </a:extLst>
           </p:cNvPr>
@@ -11589,7 +11772,7 @@
           <p:cNvPr id="39" name="Arrow: Up-Down 38">
             <a:extLst>
               <a:ext uri="{FF2B5EF4-FFF2-40B4-BE49-F238E27FC236}">
-                <a16:creationId xmlns="" xmlns:a16="http://schemas.microsoft.com/office/drawing/2014/main" id="{3CA03F87-6632-40D2-B199-A96D1396CA2E}"/>
+                <a16:creationId xmlns:a16="http://schemas.microsoft.com/office/drawing/2014/main" xmlns="" id="{3CA03F87-6632-40D2-B199-A96D1396CA2E}"/>
               </a:ext>
             </a:extLst>
           </p:cNvPr>
@@ -11649,7 +11832,7 @@
           <p:cNvPr id="40" name="Arrow: Up-Down 39">
             <a:extLst>
               <a:ext uri="{FF2B5EF4-FFF2-40B4-BE49-F238E27FC236}">
-                <a16:creationId xmlns="" xmlns:a16="http://schemas.microsoft.com/office/drawing/2014/main" id="{B1C9AD59-4552-405C-A60E-18BD55E874C3}"/>
+                <a16:creationId xmlns:a16="http://schemas.microsoft.com/office/drawing/2014/main" xmlns="" id="{B1C9AD59-4552-405C-A60E-18BD55E874C3}"/>
               </a:ext>
             </a:extLst>
           </p:cNvPr>
@@ -11709,7 +11892,7 @@
           <p:cNvPr id="41" name="Arrow: Up-Down 40">
             <a:extLst>
               <a:ext uri="{FF2B5EF4-FFF2-40B4-BE49-F238E27FC236}">
-                <a16:creationId xmlns="" xmlns:a16="http://schemas.microsoft.com/office/drawing/2014/main" id="{C9EC8E87-D8C8-4D1C-9357-BBC1276FAB13}"/>
+                <a16:creationId xmlns:a16="http://schemas.microsoft.com/office/drawing/2014/main" xmlns="" id="{C9EC8E87-D8C8-4D1C-9357-BBC1276FAB13}"/>
               </a:ext>
             </a:extLst>
           </p:cNvPr>
@@ -11769,7 +11952,7 @@
           <p:cNvPr id="42" name="TextBox 41">
             <a:extLst>
               <a:ext uri="{FF2B5EF4-FFF2-40B4-BE49-F238E27FC236}">
-                <a16:creationId xmlns="" xmlns:a16="http://schemas.microsoft.com/office/drawing/2014/main" id="{32A4F61E-5D45-4050-9E11-874E0112D5BC}"/>
+                <a16:creationId xmlns:a16="http://schemas.microsoft.com/office/drawing/2014/main" xmlns="" id="{32A4F61E-5D45-4050-9E11-874E0112D5BC}"/>
               </a:ext>
             </a:extLst>
           </p:cNvPr>
@@ -11817,7 +12000,7 @@
           <p:cNvPr id="44" name="Picture 44" descr="A close up of a logo&#10;&#10;Description generated with very high confidence">
             <a:extLst>
               <a:ext uri="{FF2B5EF4-FFF2-40B4-BE49-F238E27FC236}">
-                <a16:creationId xmlns="" xmlns:a16="http://schemas.microsoft.com/office/drawing/2014/main" id="{C6EEF647-02C4-4AB2-8E03-C31475DC8075}"/>
+                <a16:creationId xmlns:a16="http://schemas.microsoft.com/office/drawing/2014/main" xmlns="" id="{C6EEF647-02C4-4AB2-8E03-C31475DC8075}"/>
               </a:ext>
             </a:extLst>
           </p:cNvPr>
@@ -11847,7 +12030,7 @@
           <p:cNvPr id="48" name="Arrow: Left-Right 47">
             <a:extLst>
               <a:ext uri="{FF2B5EF4-FFF2-40B4-BE49-F238E27FC236}">
-                <a16:creationId xmlns="" xmlns:a16="http://schemas.microsoft.com/office/drawing/2014/main" id="{7C21C0E3-9C9C-4326-9824-2DC17174A4D2}"/>
+                <a16:creationId xmlns:a16="http://schemas.microsoft.com/office/drawing/2014/main" xmlns="" id="{7C21C0E3-9C9C-4326-9824-2DC17174A4D2}"/>
               </a:ext>
             </a:extLst>
           </p:cNvPr>
@@ -11901,7 +12084,7 @@
           <p:cNvPr id="49" name="TextBox 48">
             <a:extLst>
               <a:ext uri="{FF2B5EF4-FFF2-40B4-BE49-F238E27FC236}">
-                <a16:creationId xmlns="" xmlns:a16="http://schemas.microsoft.com/office/drawing/2014/main" id="{8592CD3C-3310-4584-80B6-52CFA75970D9}"/>
+                <a16:creationId xmlns:a16="http://schemas.microsoft.com/office/drawing/2014/main" xmlns="" id="{8592CD3C-3310-4584-80B6-52CFA75970D9}"/>
               </a:ext>
             </a:extLst>
           </p:cNvPr>
@@ -11943,7 +12126,7 @@
           <p:cNvPr id="53" name="TextBox 52">
             <a:extLst>
               <a:ext uri="{FF2B5EF4-FFF2-40B4-BE49-F238E27FC236}">
-                <a16:creationId xmlns="" xmlns:a16="http://schemas.microsoft.com/office/drawing/2014/main" id="{721FC622-66BA-4ABB-8445-B59337E8241B}"/>
+                <a16:creationId xmlns:a16="http://schemas.microsoft.com/office/drawing/2014/main" xmlns="" id="{721FC622-66BA-4ABB-8445-B59337E8241B}"/>
               </a:ext>
             </a:extLst>
           </p:cNvPr>
@@ -11991,7 +12174,7 @@
           <p:cNvPr id="54" name="Picture 54" descr="A picture containing flower&#10;&#10;Description generated with very high confidence">
             <a:extLst>
               <a:ext uri="{FF2B5EF4-FFF2-40B4-BE49-F238E27FC236}">
-                <a16:creationId xmlns="" xmlns:a16="http://schemas.microsoft.com/office/drawing/2014/main" id="{1D0A2DA2-D53F-4BBC-94F9-9BF85BC8CF6E}"/>
+                <a16:creationId xmlns:a16="http://schemas.microsoft.com/office/drawing/2014/main" xmlns="" id="{1D0A2DA2-D53F-4BBC-94F9-9BF85BC8CF6E}"/>
               </a:ext>
             </a:extLst>
           </p:cNvPr>
@@ -12021,7 +12204,7 @@
           <p:cNvPr id="56" name="Picture 56">
             <a:extLst>
               <a:ext uri="{FF2B5EF4-FFF2-40B4-BE49-F238E27FC236}">
-                <a16:creationId xmlns="" xmlns:a16="http://schemas.microsoft.com/office/drawing/2014/main" id="{FFE612E4-785B-43FB-8986-D173D313736D}"/>
+                <a16:creationId xmlns:a16="http://schemas.microsoft.com/office/drawing/2014/main" xmlns="" id="{FFE612E4-785B-43FB-8986-D173D313736D}"/>
               </a:ext>
             </a:extLst>
           </p:cNvPr>
@@ -12051,7 +12234,7 @@
           <p:cNvPr id="58" name="Picture 58">
             <a:extLst>
               <a:ext uri="{FF2B5EF4-FFF2-40B4-BE49-F238E27FC236}">
-                <a16:creationId xmlns="" xmlns:a16="http://schemas.microsoft.com/office/drawing/2014/main" id="{A1894F98-FBC1-4EA9-AE3E-E924B620D6B5}"/>
+                <a16:creationId xmlns:a16="http://schemas.microsoft.com/office/drawing/2014/main" xmlns="" id="{A1894F98-FBC1-4EA9-AE3E-E924B620D6B5}"/>
               </a:ext>
             </a:extLst>
           </p:cNvPr>
@@ -12081,7 +12264,7 @@
           <p:cNvPr id="60" name="Straight Arrow Connector 59">
             <a:extLst>
               <a:ext uri="{FF2B5EF4-FFF2-40B4-BE49-F238E27FC236}">
-                <a16:creationId xmlns="" xmlns:a16="http://schemas.microsoft.com/office/drawing/2014/main" id="{81909CDE-C273-43DE-B727-BB2E4824E638}"/>
+                <a16:creationId xmlns:a16="http://schemas.microsoft.com/office/drawing/2014/main" xmlns="" id="{81909CDE-C273-43DE-B727-BB2E4824E638}"/>
               </a:ext>
             </a:extLst>
           </p:cNvPr>
@@ -12126,7 +12309,7 @@
           <p:cNvPr id="63" name="Straight Arrow Connector 62">
             <a:extLst>
               <a:ext uri="{FF2B5EF4-FFF2-40B4-BE49-F238E27FC236}">
-                <a16:creationId xmlns="" xmlns:a16="http://schemas.microsoft.com/office/drawing/2014/main" id="{5B14458C-B165-430E-9B2E-624426981001}"/>
+                <a16:creationId xmlns:a16="http://schemas.microsoft.com/office/drawing/2014/main" xmlns="" id="{5B14458C-B165-430E-9B2E-624426981001}"/>
               </a:ext>
             </a:extLst>
           </p:cNvPr>
@@ -12173,7 +12356,7 @@
           <p:cNvPr id="65" name="Arrow: Up-Down 64">
             <a:extLst>
               <a:ext uri="{FF2B5EF4-FFF2-40B4-BE49-F238E27FC236}">
-                <a16:creationId xmlns="" xmlns:a16="http://schemas.microsoft.com/office/drawing/2014/main" id="{CEEDAC1F-3995-48A3-95AC-4360D2B63AA4}"/>
+                <a16:creationId xmlns:a16="http://schemas.microsoft.com/office/drawing/2014/main" xmlns="" id="{CEEDAC1F-3995-48A3-95AC-4360D2B63AA4}"/>
               </a:ext>
             </a:extLst>
           </p:cNvPr>
@@ -12233,7 +12416,7 @@
           <p:cNvPr id="66" name="Arrow: Up-Down 65">
             <a:extLst>
               <a:ext uri="{FF2B5EF4-FFF2-40B4-BE49-F238E27FC236}">
-                <a16:creationId xmlns="" xmlns:a16="http://schemas.microsoft.com/office/drawing/2014/main" id="{C0DDF17E-1D11-4EE6-AAA2-86EDEBC92981}"/>
+                <a16:creationId xmlns:a16="http://schemas.microsoft.com/office/drawing/2014/main" xmlns="" id="{C0DDF17E-1D11-4EE6-AAA2-86EDEBC92981}"/>
               </a:ext>
             </a:extLst>
           </p:cNvPr>
@@ -12293,7 +12476,7 @@
           <p:cNvPr id="67" name="Arrow: Up-Down 66">
             <a:extLst>
               <a:ext uri="{FF2B5EF4-FFF2-40B4-BE49-F238E27FC236}">
-                <a16:creationId xmlns="" xmlns:a16="http://schemas.microsoft.com/office/drawing/2014/main" id="{1CD6044B-BF46-4164-9D61-B6CF8CEA9E9A}"/>
+                <a16:creationId xmlns:a16="http://schemas.microsoft.com/office/drawing/2014/main" xmlns="" id="{1CD6044B-BF46-4164-9D61-B6CF8CEA9E9A}"/>
               </a:ext>
             </a:extLst>
           </p:cNvPr>
@@ -12353,7 +12536,7 @@
           <p:cNvPr id="68" name="Arrow: Up-Down 67">
             <a:extLst>
               <a:ext uri="{FF2B5EF4-FFF2-40B4-BE49-F238E27FC236}">
-                <a16:creationId xmlns="" xmlns:a16="http://schemas.microsoft.com/office/drawing/2014/main" id="{652AF93C-C14E-450E-886F-105BC03FBA27}"/>
+                <a16:creationId xmlns:a16="http://schemas.microsoft.com/office/drawing/2014/main" xmlns="" id="{652AF93C-C14E-450E-886F-105BC03FBA27}"/>
               </a:ext>
             </a:extLst>
           </p:cNvPr>
@@ -12413,7 +12596,7 @@
           <p:cNvPr id="69" name="Arrow: Left-Right 68">
             <a:extLst>
               <a:ext uri="{FF2B5EF4-FFF2-40B4-BE49-F238E27FC236}">
-                <a16:creationId xmlns="" xmlns:a16="http://schemas.microsoft.com/office/drawing/2014/main" id="{5B885F2F-626B-4C7D-813E-0BE30A16C361}"/>
+                <a16:creationId xmlns:a16="http://schemas.microsoft.com/office/drawing/2014/main" xmlns="" id="{5B885F2F-626B-4C7D-813E-0BE30A16C361}"/>
               </a:ext>
             </a:extLst>
           </p:cNvPr>
@@ -12467,7 +12650,7 @@
           <p:cNvPr id="70" name="TextBox 69">
             <a:extLst>
               <a:ext uri="{FF2B5EF4-FFF2-40B4-BE49-F238E27FC236}">
-                <a16:creationId xmlns="" xmlns:a16="http://schemas.microsoft.com/office/drawing/2014/main" id="{584DD32C-0352-48F3-AC91-52FBC0A26400}"/>
+                <a16:creationId xmlns:a16="http://schemas.microsoft.com/office/drawing/2014/main" xmlns="" id="{584DD32C-0352-48F3-AC91-52FBC0A26400}"/>
               </a:ext>
             </a:extLst>
           </p:cNvPr>
@@ -12516,7 +12699,7 @@
           <p:cNvPr id="71" name="Picture 71">
             <a:extLst>
               <a:ext uri="{FF2B5EF4-FFF2-40B4-BE49-F238E27FC236}">
-                <a16:creationId xmlns="" xmlns:a16="http://schemas.microsoft.com/office/drawing/2014/main" id="{47FF408E-084C-4485-999E-140D8DD401F5}"/>
+                <a16:creationId xmlns:a16="http://schemas.microsoft.com/office/drawing/2014/main" xmlns="" id="{47FF408E-084C-4485-999E-140D8DD401F5}"/>
               </a:ext>
             </a:extLst>
           </p:cNvPr>
@@ -12546,7 +12729,7 @@
           <p:cNvPr id="35" name="TextBox 34">
             <a:extLst>
               <a:ext uri="{FF2B5EF4-FFF2-40B4-BE49-F238E27FC236}">
-                <a16:creationId xmlns="" xmlns:a16="http://schemas.microsoft.com/office/drawing/2014/main" id="{32A4F61E-5D45-4050-9E11-874E0112D5BC}"/>
+                <a16:creationId xmlns:a16="http://schemas.microsoft.com/office/drawing/2014/main" xmlns="" id="{32A4F61E-5D45-4050-9E11-874E0112D5BC}"/>
               </a:ext>
             </a:extLst>
           </p:cNvPr>
@@ -12594,7 +12777,7 @@
           <p:cNvPr id="36" name="TextBox 35">
             <a:extLst>
               <a:ext uri="{FF2B5EF4-FFF2-40B4-BE49-F238E27FC236}">
-                <a16:creationId xmlns="" xmlns:a16="http://schemas.microsoft.com/office/drawing/2014/main" id="{721FC622-66BA-4ABB-8445-B59337E8241B}"/>
+                <a16:creationId xmlns:a16="http://schemas.microsoft.com/office/drawing/2014/main" xmlns="" id="{721FC622-66BA-4ABB-8445-B59337E8241B}"/>
               </a:ext>
             </a:extLst>
           </p:cNvPr>
@@ -12642,7 +12825,7 @@
           <p:cNvPr id="37" name="Picture 33">
             <a:extLst>
               <a:ext uri="{FF2B5EF4-FFF2-40B4-BE49-F238E27FC236}">
-                <a16:creationId xmlns="" xmlns:a16="http://schemas.microsoft.com/office/drawing/2014/main" id="{A42BFE66-B805-45F0-AC9C-33C7A041FC28}"/>
+                <a16:creationId xmlns:a16="http://schemas.microsoft.com/office/drawing/2014/main" xmlns="" id="{A42BFE66-B805-45F0-AC9C-33C7A041FC28}"/>
               </a:ext>
             </a:extLst>
           </p:cNvPr>
@@ -12672,7 +12855,7 @@
           <p:cNvPr id="45" name="Left Brace 44">
             <a:extLst>
               <a:ext uri="{FF2B5EF4-FFF2-40B4-BE49-F238E27FC236}">
-                <a16:creationId xmlns="" xmlns:a16="http://schemas.microsoft.com/office/drawing/2014/main" id="{878D048C-4583-4231-86E3-AD69D44F351C}"/>
+                <a16:creationId xmlns:a16="http://schemas.microsoft.com/office/drawing/2014/main" xmlns="" id="{878D048C-4583-4231-86E3-AD69D44F351C}"/>
               </a:ext>
             </a:extLst>
           </p:cNvPr>
@@ -12724,7 +12907,7 @@
           <p:cNvPr id="47" name="Left Brace 46">
             <a:extLst>
               <a:ext uri="{FF2B5EF4-FFF2-40B4-BE49-F238E27FC236}">
-                <a16:creationId xmlns="" xmlns:a16="http://schemas.microsoft.com/office/drawing/2014/main" id="{878D048C-4583-4231-86E3-AD69D44F351C}"/>
+                <a16:creationId xmlns:a16="http://schemas.microsoft.com/office/drawing/2014/main" xmlns="" id="{878D048C-4583-4231-86E3-AD69D44F351C}"/>
               </a:ext>
             </a:extLst>
           </p:cNvPr>
@@ -12776,7 +12959,7 @@
           <p:cNvPr id="51" name="Left Brace 50">
             <a:extLst>
               <a:ext uri="{FF2B5EF4-FFF2-40B4-BE49-F238E27FC236}">
-                <a16:creationId xmlns="" xmlns:a16="http://schemas.microsoft.com/office/drawing/2014/main" id="{878D048C-4583-4231-86E3-AD69D44F351C}"/>
+                <a16:creationId xmlns:a16="http://schemas.microsoft.com/office/drawing/2014/main" xmlns="" id="{878D048C-4583-4231-86E3-AD69D44F351C}"/>
               </a:ext>
             </a:extLst>
           </p:cNvPr>
@@ -12828,7 +13011,7 @@
           <p:cNvPr id="52" name="Left Brace 51">
             <a:extLst>
               <a:ext uri="{FF2B5EF4-FFF2-40B4-BE49-F238E27FC236}">
-                <a16:creationId xmlns="" xmlns:a16="http://schemas.microsoft.com/office/drawing/2014/main" id="{878D048C-4583-4231-86E3-AD69D44F351C}"/>
+                <a16:creationId xmlns:a16="http://schemas.microsoft.com/office/drawing/2014/main" xmlns="" id="{878D048C-4583-4231-86E3-AD69D44F351C}"/>
               </a:ext>
             </a:extLst>
           </p:cNvPr>
@@ -14065,7 +14248,7 @@
 </p:sld>
 </file>
 
-<file path=ppt/slides/slide18.xml><?xml version="1.0" encoding="utf-8"?>
+<file path=ppt/slides/slide19.xml><?xml version="1.0" encoding="utf-8"?>
 <p:sld xmlns:a="http://schemas.openxmlformats.org/drawingml/2006/main" xmlns:r="http://schemas.openxmlformats.org/officeDocument/2006/relationships" xmlns:p="http://schemas.openxmlformats.org/presentationml/2006/main">
   <p:cSld>
     <p:spTree>
@@ -14087,7 +14270,7 @@
           <p:cNvPr id="2" name="Title 1">
             <a:extLst>
               <a:ext uri="{FF2B5EF4-FFF2-40B4-BE49-F238E27FC236}">
-                <a16:creationId xmlns="" xmlns:a16="http://schemas.microsoft.com/office/drawing/2014/main" id="{99760F66-ED22-4D99-83D9-AF132B641E2C}"/>
+                <a16:creationId xmlns:a16="http://schemas.microsoft.com/office/drawing/2014/main" xmlns="" id="{99760F66-ED22-4D99-83D9-AF132B641E2C}"/>
               </a:ext>
             </a:extLst>
           </p:cNvPr>
@@ -14118,7 +14301,7 @@
           <p:cNvPr id="4" name="Picture 3" descr="A close up of a logo&#10;&#10;Description generated with very high confidence">
             <a:extLst>
               <a:ext uri="{FF2B5EF4-FFF2-40B4-BE49-F238E27FC236}">
-                <a16:creationId xmlns="" xmlns:a16="http://schemas.microsoft.com/office/drawing/2014/main" id="{6E87F861-F9AC-4F21-B0C8-58EB55E95B97}"/>
+                <a16:creationId xmlns:a16="http://schemas.microsoft.com/office/drawing/2014/main" xmlns="" id="{6E87F861-F9AC-4F21-B0C8-58EB55E95B97}"/>
               </a:ext>
             </a:extLst>
           </p:cNvPr>
@@ -14148,7 +14331,7 @@
           <p:cNvPr id="6" name="Picture 5" descr="A picture containing clock&#10;&#10;Description generated with very high confidence">
             <a:extLst>
               <a:ext uri="{FF2B5EF4-FFF2-40B4-BE49-F238E27FC236}">
-                <a16:creationId xmlns="" xmlns:a16="http://schemas.microsoft.com/office/drawing/2014/main" id="{4616AC99-6BB6-4ADE-BDE8-48395933FE5F}"/>
+                <a16:creationId xmlns:a16="http://schemas.microsoft.com/office/drawing/2014/main" xmlns="" id="{4616AC99-6BB6-4ADE-BDE8-48395933FE5F}"/>
               </a:ext>
             </a:extLst>
           </p:cNvPr>
@@ -14178,7 +14361,7 @@
           <p:cNvPr id="8" name="Arrow: Down 7">
             <a:extLst>
               <a:ext uri="{FF2B5EF4-FFF2-40B4-BE49-F238E27FC236}">
-                <a16:creationId xmlns="" xmlns:a16="http://schemas.microsoft.com/office/drawing/2014/main" id="{82AB09DD-DB63-4806-A980-AE0CB9781D42}"/>
+                <a16:creationId xmlns:a16="http://schemas.microsoft.com/office/drawing/2014/main" xmlns="" id="{82AB09DD-DB63-4806-A980-AE0CB9781D42}"/>
               </a:ext>
             </a:extLst>
           </p:cNvPr>
@@ -14247,7 +14430,671 @@
 </p:sld>
 </file>
 
-<file path=ppt/slides/slide19.xml><?xml version="1.0" encoding="utf-8"?>
+<file path=ppt/slides/slide2.xml><?xml version="1.0" encoding="utf-8"?>
+<p:sld xmlns:a="http://schemas.openxmlformats.org/drawingml/2006/main" xmlns:r="http://schemas.openxmlformats.org/officeDocument/2006/relationships" xmlns:p="http://schemas.openxmlformats.org/presentationml/2006/main">
+  <p:cSld>
+    <p:spTree>
+      <p:nvGrpSpPr>
+        <p:cNvPr id="1" name=""/>
+        <p:cNvGrpSpPr/>
+        <p:nvPr/>
+      </p:nvGrpSpPr>
+      <p:grpSpPr>
+        <a:xfrm>
+          <a:off x="0" y="0"/>
+          <a:ext cx="0" cy="0"/>
+          <a:chOff x="0" y="0"/>
+          <a:chExt cx="0" cy="0"/>
+        </a:xfrm>
+      </p:grpSpPr>
+      <p:sp>
+        <p:nvSpPr>
+          <p:cNvPr id="7" name="TextBox 6">
+            <a:extLst>
+              <a:ext uri="{FF2B5EF4-FFF2-40B4-BE49-F238E27FC236}">
+                <a16:creationId xmlns:a16="http://schemas.microsoft.com/office/drawing/2014/main" xmlns="" id="{3C8D1A93-8E34-461B-AE33-3F2AF8EDEDE3}"/>
+              </a:ext>
+            </a:extLst>
+          </p:cNvPr>
+          <p:cNvSpPr txBox="1"/>
+          <p:nvPr/>
+        </p:nvSpPr>
+        <p:spPr>
+          <a:xfrm>
+            <a:off x="2355061" y="528953"/>
+            <a:ext cx="1883508" cy="461665"/>
+          </a:xfrm>
+          <a:prstGeom prst="rect">
+            <a:avLst/>
+          </a:prstGeom>
+          <a:noFill/>
+        </p:spPr>
+        <p:txBody>
+          <a:bodyPr rot="0" spcFirstLastPara="0" vertOverflow="overflow" horzOverflow="overflow" vert="horz" wrap="square" lIns="91440" tIns="45720" rIns="91440" bIns="45720" numCol="1" spcCol="0" rtlCol="0" fromWordArt="0" anchor="t" anchorCtr="0" forceAA="0" compatLnSpc="1">
+            <a:prstTxWarp prst="textNoShape">
+              <a:avLst/>
+            </a:prstTxWarp>
+            <a:spAutoFit/>
+          </a:bodyPr>
+          <a:lstStyle/>
+          <a:p>
+            <a:pPr algn="ctr"/>
+            <a:r>
+              <a:rPr lang="en-US" sz="2400" b="1" dirty="0"/>
+              <a:t>Primal form</a:t>
+            </a:r>
+            <a:endParaRPr lang="en-US" sz="2400" b="1">
+              <a:cs typeface="Calibri"/>
+            </a:endParaRPr>
+          </a:p>
+        </p:txBody>
+      </p:sp>
+      <p:pic>
+        <p:nvPicPr>
+          <p:cNvPr id="12" name="Picture 12">
+            <a:extLst>
+              <a:ext uri="{FF2B5EF4-FFF2-40B4-BE49-F238E27FC236}">
+                <a16:creationId xmlns:a16="http://schemas.microsoft.com/office/drawing/2014/main" xmlns="" id="{BCB28C98-A97C-401C-8299-EB6FC4F8EC07}"/>
+              </a:ext>
+            </a:extLst>
+          </p:cNvPr>
+          <p:cNvPicPr>
+            <a:picLocks noChangeAspect="1"/>
+          </p:cNvPicPr>
+          <p:nvPr/>
+        </p:nvPicPr>
+        <p:blipFill>
+          <a:blip r:embed="rId2">
+            <a:extLst>
+              <a:ext uri="{28A0092B-C50C-407E-A947-70E740481C1C}">
+                <a14:useLocalDpi xmlns:a14="http://schemas.microsoft.com/office/drawing/2010/main" val="0"/>
+              </a:ext>
+            </a:extLst>
+          </a:blip>
+          <a:stretch>
+            <a:fillRect/>
+          </a:stretch>
+        </p:blipFill>
+        <p:spPr>
+          <a:xfrm>
+            <a:off x="1960725" y="936338"/>
+            <a:ext cx="2672180" cy="1806544"/>
+          </a:xfrm>
+          <a:prstGeom prst="rect">
+            <a:avLst/>
+          </a:prstGeom>
+        </p:spPr>
+      </p:pic>
+      <p:sp>
+        <p:nvSpPr>
+          <p:cNvPr id="15" name="TextBox 14">
+            <a:extLst>
+              <a:ext uri="{FF2B5EF4-FFF2-40B4-BE49-F238E27FC236}">
+                <a16:creationId xmlns:a16="http://schemas.microsoft.com/office/drawing/2014/main" xmlns="" id="{1AAE7903-DA0C-486B-BDC7-ADB80C60CE39}"/>
+              </a:ext>
+            </a:extLst>
+          </p:cNvPr>
+          <p:cNvSpPr txBox="1"/>
+          <p:nvPr/>
+        </p:nvSpPr>
+        <p:spPr>
+          <a:xfrm>
+            <a:off x="7353981" y="528953"/>
+            <a:ext cx="1883508" cy="461665"/>
+          </a:xfrm>
+          <a:prstGeom prst="rect">
+            <a:avLst/>
+          </a:prstGeom>
+          <a:noFill/>
+        </p:spPr>
+        <p:txBody>
+          <a:bodyPr rot="0" spcFirstLastPara="0" vertOverflow="overflow" horzOverflow="overflow" vert="horz" wrap="square" lIns="91440" tIns="45720" rIns="91440" bIns="45720" numCol="1" spcCol="0" rtlCol="0" fromWordArt="0" anchor="t" anchorCtr="0" forceAA="0" compatLnSpc="1">
+            <a:prstTxWarp prst="textNoShape">
+              <a:avLst/>
+            </a:prstTxWarp>
+            <a:spAutoFit/>
+          </a:bodyPr>
+          <a:lstStyle/>
+          <a:p>
+            <a:pPr algn="ctr"/>
+            <a:r>
+              <a:rPr lang="en-US" sz="2400" b="1" dirty="0"/>
+              <a:t>Dual form</a:t>
+            </a:r>
+            <a:endParaRPr lang="en-US" dirty="0"/>
+          </a:p>
+        </p:txBody>
+      </p:sp>
+      <p:pic>
+        <p:nvPicPr>
+          <p:cNvPr id="16" name="Picture 16">
+            <a:extLst>
+              <a:ext uri="{FF2B5EF4-FFF2-40B4-BE49-F238E27FC236}">
+                <a16:creationId xmlns:a16="http://schemas.microsoft.com/office/drawing/2014/main" xmlns="" id="{C7C82433-1251-4B07-9C0F-DB83878FB6CB}"/>
+              </a:ext>
+            </a:extLst>
+          </p:cNvPr>
+          <p:cNvPicPr>
+            <a:picLocks noChangeAspect="1"/>
+          </p:cNvPicPr>
+          <p:nvPr/>
+        </p:nvPicPr>
+        <p:blipFill>
+          <a:blip r:embed="rId3">
+            <a:extLst>
+              <a:ext uri="{28A0092B-C50C-407E-A947-70E740481C1C}">
+                <a14:useLocalDpi xmlns:a14="http://schemas.microsoft.com/office/drawing/2010/main" val="0"/>
+              </a:ext>
+            </a:extLst>
+          </a:blip>
+          <a:stretch>
+            <a:fillRect/>
+          </a:stretch>
+        </p:blipFill>
+        <p:spPr>
+          <a:xfrm>
+            <a:off x="6984079" y="866888"/>
+            <a:ext cx="2676525" cy="1784350"/>
+          </a:xfrm>
+          <a:prstGeom prst="rect">
+            <a:avLst/>
+          </a:prstGeom>
+        </p:spPr>
+      </p:pic>
+      <p:sp>
+        <p:nvSpPr>
+          <p:cNvPr id="32" name="TextBox 31">
+            <a:extLst>
+              <a:ext uri="{FF2B5EF4-FFF2-40B4-BE49-F238E27FC236}">
+                <a16:creationId xmlns:a16="http://schemas.microsoft.com/office/drawing/2014/main" xmlns="" id="{95FFBCCC-62A7-4B35-95D9-9DDDAD7F90FD}"/>
+              </a:ext>
+            </a:extLst>
+          </p:cNvPr>
+          <p:cNvSpPr txBox="1"/>
+          <p:nvPr/>
+        </p:nvSpPr>
+        <p:spPr>
+          <a:xfrm>
+            <a:off x="4588269" y="2979203"/>
+            <a:ext cx="3302494" cy="461665"/>
+          </a:xfrm>
+          <a:prstGeom prst="rect">
+            <a:avLst/>
+          </a:prstGeom>
+          <a:noFill/>
+        </p:spPr>
+        <p:txBody>
+          <a:bodyPr rot="0" spcFirstLastPara="0" vertOverflow="overflow" horzOverflow="overflow" vert="horz" wrap="square" lIns="91440" tIns="45720" rIns="91440" bIns="45720" numCol="1" spcCol="0" rtlCol="0" fromWordArt="0" anchor="t" anchorCtr="0" forceAA="0" compatLnSpc="1">
+            <a:prstTxWarp prst="textNoShape">
+              <a:avLst/>
+            </a:prstTxWarp>
+            <a:spAutoFit/>
+          </a:bodyPr>
+          <a:lstStyle/>
+          <a:p>
+            <a:pPr algn="ctr"/>
+            <a:r>
+              <a:rPr lang="en-US" sz="2400" b="1" dirty="0"/>
+              <a:t>Weak duality theorem</a:t>
+            </a:r>
+            <a:endParaRPr lang="en-US" dirty="0"/>
+          </a:p>
+        </p:txBody>
+      </p:sp>
+      <p:pic>
+        <p:nvPicPr>
+          <p:cNvPr id="33" name="Picture 33">
+            <a:extLst>
+              <a:ext uri="{FF2B5EF4-FFF2-40B4-BE49-F238E27FC236}">
+                <a16:creationId xmlns:a16="http://schemas.microsoft.com/office/drawing/2014/main" xmlns="" id="{38088EDE-D1BD-4D90-BC05-DB9DB49BBAAD}"/>
+              </a:ext>
+            </a:extLst>
+          </p:cNvPr>
+          <p:cNvPicPr>
+            <a:picLocks noChangeAspect="1"/>
+          </p:cNvPicPr>
+          <p:nvPr/>
+        </p:nvPicPr>
+        <p:blipFill>
+          <a:blip r:embed="rId4">
+            <a:extLst>
+              <a:ext uri="{28A0092B-C50C-407E-A947-70E740481C1C}">
+                <a14:useLocalDpi xmlns:a14="http://schemas.microsoft.com/office/drawing/2010/main" val="0"/>
+              </a:ext>
+            </a:extLst>
+          </a:blip>
+          <a:stretch>
+            <a:fillRect/>
+          </a:stretch>
+        </p:blipFill>
+        <p:spPr>
+          <a:xfrm>
+            <a:off x="4801314" y="3444263"/>
+            <a:ext cx="2876404" cy="1203481"/>
+          </a:xfrm>
+          <a:prstGeom prst="rect">
+            <a:avLst/>
+          </a:prstGeom>
+          <a:ln>
+            <a:noFill/>
+          </a:ln>
+        </p:spPr>
+      </p:pic>
+      <p:sp>
+        <p:nvSpPr>
+          <p:cNvPr id="3" name="Arrow: Right 2">
+            <a:extLst>
+              <a:ext uri="{FF2B5EF4-FFF2-40B4-BE49-F238E27FC236}">
+                <a16:creationId xmlns:a16="http://schemas.microsoft.com/office/drawing/2014/main" xmlns="" id="{A386E034-963A-452A-BA56-7A5B5FF1099E}"/>
+              </a:ext>
+            </a:extLst>
+          </p:cNvPr>
+          <p:cNvSpPr/>
+          <p:nvPr/>
+        </p:nvSpPr>
+        <p:spPr>
+          <a:xfrm rot="2820000">
+            <a:off x="3850618" y="2925963"/>
+            <a:ext cx="643247" cy="316676"/>
+          </a:xfrm>
+          <a:prstGeom prst="rightArrow">
+            <a:avLst/>
+          </a:prstGeom>
+          <a:solidFill>
+            <a:schemeClr val="bg2"/>
+          </a:solidFill>
+          <a:ln>
+            <a:solidFill>
+              <a:schemeClr val="tx1"/>
+            </a:solidFill>
+          </a:ln>
+        </p:spPr>
+        <p:style>
+          <a:lnRef idx="2">
+            <a:schemeClr val="accent1">
+              <a:shade val="50000"/>
+            </a:schemeClr>
+          </a:lnRef>
+          <a:fillRef idx="1">
+            <a:schemeClr val="accent1"/>
+          </a:fillRef>
+          <a:effectRef idx="0">
+            <a:schemeClr val="accent1"/>
+          </a:effectRef>
+          <a:fontRef idx="minor">
+            <a:schemeClr val="lt1"/>
+          </a:fontRef>
+        </p:style>
+        <p:txBody>
+          <a:bodyPr rtlCol="0" anchor="ctr"/>
+          <a:lstStyle/>
+          <a:p>
+            <a:pPr algn="ctr"/>
+            <a:endParaRPr lang="en-US"/>
+          </a:p>
+        </p:txBody>
+      </p:sp>
+      <p:sp>
+        <p:nvSpPr>
+          <p:cNvPr id="10" name="Arrow: Right 9">
+            <a:extLst>
+              <a:ext uri="{FF2B5EF4-FFF2-40B4-BE49-F238E27FC236}">
+                <a16:creationId xmlns:a16="http://schemas.microsoft.com/office/drawing/2014/main" xmlns="" id="{FC53BB6D-D8F9-4631-B0DB-C5D30F0A1ADE}"/>
+              </a:ext>
+            </a:extLst>
+          </p:cNvPr>
+          <p:cNvSpPr/>
+          <p:nvPr/>
+        </p:nvSpPr>
+        <p:spPr>
+          <a:xfrm rot="18780000" flipH="1">
+            <a:off x="7974112" y="2925963"/>
+            <a:ext cx="643247" cy="316676"/>
+          </a:xfrm>
+          <a:prstGeom prst="rightArrow">
+            <a:avLst/>
+          </a:prstGeom>
+          <a:solidFill>
+            <a:schemeClr val="bg2"/>
+          </a:solidFill>
+          <a:ln>
+            <a:solidFill>
+              <a:schemeClr val="tx1"/>
+            </a:solidFill>
+          </a:ln>
+        </p:spPr>
+        <p:style>
+          <a:lnRef idx="2">
+            <a:schemeClr val="accent1">
+              <a:shade val="50000"/>
+            </a:schemeClr>
+          </a:lnRef>
+          <a:fillRef idx="1">
+            <a:schemeClr val="accent1"/>
+          </a:fillRef>
+          <a:effectRef idx="0">
+            <a:schemeClr val="accent1"/>
+          </a:effectRef>
+          <a:fontRef idx="minor">
+            <a:schemeClr val="lt1"/>
+          </a:fontRef>
+        </p:style>
+        <p:txBody>
+          <a:bodyPr rtlCol="0" anchor="ctr"/>
+          <a:lstStyle/>
+          <a:p>
+            <a:pPr algn="ctr"/>
+            <a:endParaRPr lang="en-US"/>
+          </a:p>
+        </p:txBody>
+      </p:sp>
+      <p:sp>
+        <p:nvSpPr>
+          <p:cNvPr id="4" name="Rectangle 3"/>
+          <p:cNvSpPr/>
+          <p:nvPr/>
+        </p:nvSpPr>
+        <p:spPr>
+          <a:xfrm>
+            <a:off x="4734046" y="3440868"/>
+            <a:ext cx="2952829" cy="1362626"/>
+          </a:xfrm>
+          <a:prstGeom prst="rect">
+            <a:avLst/>
+          </a:prstGeom>
+          <a:noFill/>
+          <a:ln>
+            <a:solidFill>
+              <a:schemeClr val="tx1"/>
+            </a:solidFill>
+          </a:ln>
+        </p:spPr>
+        <p:style>
+          <a:lnRef idx="2">
+            <a:schemeClr val="accent1">
+              <a:shade val="50000"/>
+            </a:schemeClr>
+          </a:lnRef>
+          <a:fillRef idx="1">
+            <a:schemeClr val="accent1"/>
+          </a:fillRef>
+          <a:effectRef idx="0">
+            <a:schemeClr val="accent1"/>
+          </a:effectRef>
+          <a:fontRef idx="minor">
+            <a:schemeClr val="lt1"/>
+          </a:fontRef>
+        </p:style>
+        <p:txBody>
+          <a:bodyPr rtlCol="0" anchor="ctr"/>
+          <a:lstStyle/>
+          <a:p>
+            <a:pPr algn="ctr"/>
+            <a:endParaRPr lang="en-US"/>
+          </a:p>
+        </p:txBody>
+      </p:sp>
+      <p:sp>
+        <p:nvSpPr>
+          <p:cNvPr id="13" name="TextBox 12"/>
+          <p:cNvSpPr txBox="1"/>
+          <p:nvPr/>
+        </p:nvSpPr>
+        <p:spPr>
+          <a:xfrm>
+            <a:off x="4419156" y="4962740"/>
+            <a:ext cx="1916559" cy="923330"/>
+          </a:xfrm>
+          <a:prstGeom prst="rect">
+            <a:avLst/>
+          </a:prstGeom>
+          <a:noFill/>
+        </p:spPr>
+        <p:txBody>
+          <a:bodyPr wrap="square" rtlCol="0">
+            <a:spAutoFit/>
+          </a:bodyPr>
+          <a:lstStyle/>
+          <a:p>
+            <a:pPr algn="ctr"/>
+            <a:r>
+              <a:rPr lang="en-US" b="1">
+                <a:solidFill>
+                  <a:srgbClr val="8A8C8F"/>
+                </a:solidFill>
+              </a:rPr>
+              <a:t>primal</a:t>
+            </a:r>
+            <a:r>
+              <a:rPr lang="en-US">
+                <a:solidFill>
+                  <a:srgbClr val="8A8C8F"/>
+                </a:solidFill>
+              </a:rPr>
+              <a:t/>
+            </a:r>
+            <a:br>
+              <a:rPr lang="en-US">
+                <a:solidFill>
+                  <a:srgbClr val="8A8C8F"/>
+                </a:solidFill>
+              </a:rPr>
+            </a:br>
+            <a:r>
+              <a:rPr lang="en-US">
+                <a:solidFill>
+                  <a:srgbClr val="8A8C8F"/>
+                </a:solidFill>
+              </a:rPr>
+              <a:t>objective</a:t>
+            </a:r>
+            <a:br>
+              <a:rPr lang="en-US">
+                <a:solidFill>
+                  <a:srgbClr val="8A8C8F"/>
+                </a:solidFill>
+              </a:rPr>
+            </a:br>
+            <a:r>
+              <a:rPr lang="en-US">
+                <a:solidFill>
+                  <a:srgbClr val="8A8C8F"/>
+                </a:solidFill>
+              </a:rPr>
+              <a:t>function</a:t>
+            </a:r>
+            <a:endParaRPr lang="en-US" b="1">
+              <a:solidFill>
+                <a:srgbClr val="8A8C8F"/>
+              </a:solidFill>
+            </a:endParaRPr>
+          </a:p>
+        </p:txBody>
+      </p:sp>
+      <p:sp>
+        <p:nvSpPr>
+          <p:cNvPr id="14" name="Left Brace 13"/>
+          <p:cNvSpPr/>
+          <p:nvPr/>
+        </p:nvSpPr>
+        <p:spPr>
+          <a:xfrm rot="16200000">
+            <a:off x="5287630" y="4512122"/>
+            <a:ext cx="172879" cy="826550"/>
+          </a:xfrm>
+          <a:prstGeom prst="leftBrace">
+            <a:avLst/>
+          </a:prstGeom>
+          <a:ln>
+            <a:solidFill>
+              <a:srgbClr val="8A8C8F"/>
+            </a:solidFill>
+          </a:ln>
+        </p:spPr>
+        <p:style>
+          <a:lnRef idx="1">
+            <a:schemeClr val="accent1"/>
+          </a:lnRef>
+          <a:fillRef idx="0">
+            <a:schemeClr val="accent1"/>
+          </a:fillRef>
+          <a:effectRef idx="0">
+            <a:schemeClr val="accent1"/>
+          </a:effectRef>
+          <a:fontRef idx="minor">
+            <a:schemeClr val="tx1"/>
+          </a:fontRef>
+        </p:style>
+        <p:txBody>
+          <a:bodyPr rtlCol="0" anchor="ctr"/>
+          <a:lstStyle/>
+          <a:p>
+            <a:pPr algn="ctr"/>
+            <a:endParaRPr lang="en-US"/>
+          </a:p>
+        </p:txBody>
+      </p:sp>
+      <p:sp>
+        <p:nvSpPr>
+          <p:cNvPr id="17" name="TextBox 16"/>
+          <p:cNvSpPr txBox="1"/>
+          <p:nvPr/>
+        </p:nvSpPr>
+        <p:spPr>
+          <a:xfrm>
+            <a:off x="5978248" y="4962740"/>
+            <a:ext cx="1916559" cy="923330"/>
+          </a:xfrm>
+          <a:prstGeom prst="rect">
+            <a:avLst/>
+          </a:prstGeom>
+          <a:noFill/>
+        </p:spPr>
+        <p:txBody>
+          <a:bodyPr wrap="square" rtlCol="0">
+            <a:spAutoFit/>
+          </a:bodyPr>
+          <a:lstStyle/>
+          <a:p>
+            <a:pPr algn="ctr"/>
+            <a:r>
+              <a:rPr lang="en-US" b="1">
+                <a:solidFill>
+                  <a:srgbClr val="8A8C8F"/>
+                </a:solidFill>
+              </a:rPr>
+              <a:t>dual</a:t>
+            </a:r>
+            <a:r>
+              <a:rPr lang="en-US">
+                <a:solidFill>
+                  <a:srgbClr val="8A8C8F"/>
+                </a:solidFill>
+              </a:rPr>
+              <a:t/>
+            </a:r>
+            <a:br>
+              <a:rPr lang="en-US">
+                <a:solidFill>
+                  <a:srgbClr val="8A8C8F"/>
+                </a:solidFill>
+              </a:rPr>
+            </a:br>
+            <a:r>
+              <a:rPr lang="en-US">
+                <a:solidFill>
+                  <a:srgbClr val="8A8C8F"/>
+                </a:solidFill>
+              </a:rPr>
+              <a:t>objective</a:t>
+            </a:r>
+            <a:br>
+              <a:rPr lang="en-US">
+                <a:solidFill>
+                  <a:srgbClr val="8A8C8F"/>
+                </a:solidFill>
+              </a:rPr>
+            </a:br>
+            <a:r>
+              <a:rPr lang="en-US">
+                <a:solidFill>
+                  <a:srgbClr val="8A8C8F"/>
+                </a:solidFill>
+              </a:rPr>
+              <a:t>function</a:t>
+            </a:r>
+            <a:endParaRPr lang="en-US" b="1">
+              <a:solidFill>
+                <a:srgbClr val="8A8C8F"/>
+              </a:solidFill>
+            </a:endParaRPr>
+          </a:p>
+        </p:txBody>
+      </p:sp>
+      <p:sp>
+        <p:nvSpPr>
+          <p:cNvPr id="18" name="Left Brace 17"/>
+          <p:cNvSpPr/>
+          <p:nvPr/>
+        </p:nvSpPr>
+        <p:spPr>
+          <a:xfrm rot="16200000">
+            <a:off x="6854266" y="4512122"/>
+            <a:ext cx="172879" cy="826550"/>
+          </a:xfrm>
+          <a:prstGeom prst="leftBrace">
+            <a:avLst/>
+          </a:prstGeom>
+          <a:ln>
+            <a:solidFill>
+              <a:srgbClr val="8A8C8F"/>
+            </a:solidFill>
+          </a:ln>
+        </p:spPr>
+        <p:style>
+          <a:lnRef idx="1">
+            <a:schemeClr val="accent1"/>
+          </a:lnRef>
+          <a:fillRef idx="0">
+            <a:schemeClr val="accent1"/>
+          </a:fillRef>
+          <a:effectRef idx="0">
+            <a:schemeClr val="accent1"/>
+          </a:effectRef>
+          <a:fontRef idx="minor">
+            <a:schemeClr val="tx1"/>
+          </a:fontRef>
+        </p:style>
+        <p:txBody>
+          <a:bodyPr rtlCol="0" anchor="ctr"/>
+          <a:lstStyle/>
+          <a:p>
+            <a:pPr algn="ctr"/>
+            <a:endParaRPr lang="en-US"/>
+          </a:p>
+        </p:txBody>
+      </p:sp>
+    </p:spTree>
+    <p:extLst>
+      <p:ext uri="{BB962C8B-B14F-4D97-AF65-F5344CB8AC3E}">
+        <p14:creationId xmlns:p14="http://schemas.microsoft.com/office/powerpoint/2010/main" val="841581388"/>
+      </p:ext>
+    </p:extLst>
+  </p:cSld>
+  <p:clrMapOvr>
+    <a:masterClrMapping/>
+  </p:clrMapOvr>
+  <p:timing>
+    <p:tnLst>
+      <p:par>
+        <p:cTn id="1" dur="indefinite" restart="never" nodeType="tmRoot"/>
+      </p:par>
+    </p:tnLst>
+  </p:timing>
+</p:sld>
+</file>
+
+<file path=ppt/slides/slide20.xml><?xml version="1.0" encoding="utf-8"?>
 <p:sld xmlns:a="http://schemas.openxmlformats.org/drawingml/2006/main" xmlns:r="http://schemas.openxmlformats.org/officeDocument/2006/relationships" xmlns:p="http://schemas.openxmlformats.org/presentationml/2006/main">
   <p:cSld>
     <p:spTree>
@@ -14269,7 +15116,7 @@
           <p:cNvPr id="2" name="Title 1">
             <a:extLst>
               <a:ext uri="{FF2B5EF4-FFF2-40B4-BE49-F238E27FC236}">
-                <a16:creationId xmlns="" xmlns:a16="http://schemas.microsoft.com/office/drawing/2014/main" id="{BC492351-3FD5-428F-9D50-3BB66AA31E82}"/>
+                <a16:creationId xmlns:a16="http://schemas.microsoft.com/office/drawing/2014/main" xmlns="" id="{BC492351-3FD5-428F-9D50-3BB66AA31E82}"/>
               </a:ext>
             </a:extLst>
           </p:cNvPr>
@@ -14300,7 +15147,7 @@
           <p:cNvPr id="4" name="Picture 3" descr="A picture containing clock&#10;&#10;Description generated with very high confidence">
             <a:extLst>
               <a:ext uri="{FF2B5EF4-FFF2-40B4-BE49-F238E27FC236}">
-                <a16:creationId xmlns="" xmlns:a16="http://schemas.microsoft.com/office/drawing/2014/main" id="{9AFDBF59-0CA0-43E9-B7BB-7722E9982C54}"/>
+                <a16:creationId xmlns:a16="http://schemas.microsoft.com/office/drawing/2014/main" xmlns="" id="{9AFDBF59-0CA0-43E9-B7BB-7722E9982C54}"/>
               </a:ext>
             </a:extLst>
           </p:cNvPr>
@@ -14335,7 +15182,7 @@
           <p:cNvPr id="28" name="TextBox 27">
             <a:extLst>
               <a:ext uri="{FF2B5EF4-FFF2-40B4-BE49-F238E27FC236}">
-                <a16:creationId xmlns="" xmlns:a16="http://schemas.microsoft.com/office/drawing/2014/main" id="{850ED155-9FB4-40E6-9358-599378ED01A9}"/>
+                <a16:creationId xmlns:a16="http://schemas.microsoft.com/office/drawing/2014/main" xmlns="" id="{850ED155-9FB4-40E6-9358-599378ED01A9}"/>
               </a:ext>
             </a:extLst>
           </p:cNvPr>
@@ -14376,7 +15223,7 @@
           <p:cNvPr id="30" name="Picture 12" descr="A close up of a logo&#10;&#10;Description generated with very high confidence">
             <a:extLst>
               <a:ext uri="{FF2B5EF4-FFF2-40B4-BE49-F238E27FC236}">
-                <a16:creationId xmlns="" xmlns:a16="http://schemas.microsoft.com/office/drawing/2014/main" id="{B22845EF-5901-4C71-934D-3685139CD83C}"/>
+                <a16:creationId xmlns:a16="http://schemas.microsoft.com/office/drawing/2014/main" xmlns="" id="{B22845EF-5901-4C71-934D-3685139CD83C}"/>
               </a:ext>
             </a:extLst>
           </p:cNvPr>
@@ -14411,7 +15258,7 @@
           <p:cNvPr id="33" name="Picture 33" descr="A close up of a logo&#10;&#10;Description generated with very high confidence">
             <a:extLst>
               <a:ext uri="{FF2B5EF4-FFF2-40B4-BE49-F238E27FC236}">
-                <a16:creationId xmlns="" xmlns:a16="http://schemas.microsoft.com/office/drawing/2014/main" id="{6B441168-8849-4DBC-B89C-F689BC14F6E9}"/>
+                <a16:creationId xmlns:a16="http://schemas.microsoft.com/office/drawing/2014/main" xmlns="" id="{6B441168-8849-4DBC-B89C-F689BC14F6E9}"/>
               </a:ext>
             </a:extLst>
           </p:cNvPr>
@@ -14441,7 +15288,7 @@
           <p:cNvPr id="35" name="Picture 35" descr="A picture containing flower&#10;&#10;Description generated with very high confidence">
             <a:extLst>
               <a:ext uri="{FF2B5EF4-FFF2-40B4-BE49-F238E27FC236}">
-                <a16:creationId xmlns="" xmlns:a16="http://schemas.microsoft.com/office/drawing/2014/main" id="{733960A3-062E-4857-9276-DEDCEE0ADF8E}"/>
+                <a16:creationId xmlns:a16="http://schemas.microsoft.com/office/drawing/2014/main" xmlns="" id="{733960A3-062E-4857-9276-DEDCEE0ADF8E}"/>
               </a:ext>
             </a:extLst>
           </p:cNvPr>
@@ -14471,7 +15318,7 @@
           <p:cNvPr id="37" name="Picture 37" descr="A picture containing flower&#10;&#10;Description generated with very high confidence">
             <a:extLst>
               <a:ext uri="{FF2B5EF4-FFF2-40B4-BE49-F238E27FC236}">
-                <a16:creationId xmlns="" xmlns:a16="http://schemas.microsoft.com/office/drawing/2014/main" id="{A7E0387A-69EF-47BE-BD30-07750F005C2E}"/>
+                <a16:creationId xmlns:a16="http://schemas.microsoft.com/office/drawing/2014/main" xmlns="" id="{A7E0387A-69EF-47BE-BD30-07750F005C2E}"/>
               </a:ext>
             </a:extLst>
           </p:cNvPr>
@@ -14501,7 +15348,7 @@
           <p:cNvPr id="39" name="Picture 39" descr="A picture containing flower&#10;&#10;Description generated with very high confidence">
             <a:extLst>
               <a:ext uri="{FF2B5EF4-FFF2-40B4-BE49-F238E27FC236}">
-                <a16:creationId xmlns="" xmlns:a16="http://schemas.microsoft.com/office/drawing/2014/main" id="{43241D24-F842-41E7-ADEB-074666405ED0}"/>
+                <a16:creationId xmlns:a16="http://schemas.microsoft.com/office/drawing/2014/main" xmlns="" id="{43241D24-F842-41E7-ADEB-074666405ED0}"/>
               </a:ext>
             </a:extLst>
           </p:cNvPr>
@@ -14531,7 +15378,7 @@
           <p:cNvPr id="41" name="Picture 41" descr="A close up of a logo&#10;&#10;Description generated with very high confidence">
             <a:extLst>
               <a:ext uri="{FF2B5EF4-FFF2-40B4-BE49-F238E27FC236}">
-                <a16:creationId xmlns="" xmlns:a16="http://schemas.microsoft.com/office/drawing/2014/main" id="{3339BAC3-8264-4532-BCC5-AA61AE38A9E3}"/>
+                <a16:creationId xmlns:a16="http://schemas.microsoft.com/office/drawing/2014/main" xmlns="" id="{3339BAC3-8264-4532-BCC5-AA61AE38A9E3}"/>
               </a:ext>
             </a:extLst>
           </p:cNvPr>
@@ -14561,7 +15408,7 @@
           <p:cNvPr id="43" name="Picture 43" descr="A close up of a logo&#10;&#10;Description generated with very high confidence">
             <a:extLst>
               <a:ext uri="{FF2B5EF4-FFF2-40B4-BE49-F238E27FC236}">
-                <a16:creationId xmlns="" xmlns:a16="http://schemas.microsoft.com/office/drawing/2014/main" id="{148CD550-325D-4286-BCEF-CEC14506D799}"/>
+                <a16:creationId xmlns:a16="http://schemas.microsoft.com/office/drawing/2014/main" xmlns="" id="{148CD550-325D-4286-BCEF-CEC14506D799}"/>
               </a:ext>
             </a:extLst>
           </p:cNvPr>
@@ -14621,7 +15468,7 @@
           <p:cNvPr id="18" name="Left Brace 17">
             <a:extLst>
               <a:ext uri="{FF2B5EF4-FFF2-40B4-BE49-F238E27FC236}">
-                <a16:creationId xmlns="" xmlns:a16="http://schemas.microsoft.com/office/drawing/2014/main" id="{878D048C-4583-4231-86E3-AD69D44F351C}"/>
+                <a16:creationId xmlns:a16="http://schemas.microsoft.com/office/drawing/2014/main" xmlns="" id="{878D048C-4583-4231-86E3-AD69D44F351C}"/>
               </a:ext>
             </a:extLst>
           </p:cNvPr>
@@ -14673,7 +15520,7 @@
           <p:cNvPr id="19" name="Left Brace 18">
             <a:extLst>
               <a:ext uri="{FF2B5EF4-FFF2-40B4-BE49-F238E27FC236}">
-                <a16:creationId xmlns="" xmlns:a16="http://schemas.microsoft.com/office/drawing/2014/main" id="{878D048C-4583-4231-86E3-AD69D44F351C}"/>
+                <a16:creationId xmlns:a16="http://schemas.microsoft.com/office/drawing/2014/main" xmlns="" id="{878D048C-4583-4231-86E3-AD69D44F351C}"/>
               </a:ext>
             </a:extLst>
           </p:cNvPr>
@@ -14785,7 +15632,7 @@
           <p:cNvPr id="25" name="Picture 9" descr="A picture containing drawing&#10;&#10;Description generated with very high confidence">
             <a:extLst>
               <a:ext uri="{FF2B5EF4-FFF2-40B4-BE49-F238E27FC236}">
-                <a16:creationId xmlns="" xmlns:a16="http://schemas.microsoft.com/office/drawing/2014/main" id="{02B44993-3D5D-4B1E-B348-A8AA765D22E8}"/>
+                <a16:creationId xmlns:a16="http://schemas.microsoft.com/office/drawing/2014/main" xmlns="" id="{02B44993-3D5D-4B1E-B348-A8AA765D22E8}"/>
               </a:ext>
             </a:extLst>
           </p:cNvPr>
@@ -14815,7 +15662,7 @@
           <p:cNvPr id="26" name="Picture 11" descr="A picture containing object, clock, meter&#10;&#10;Description generated with very high confidence">
             <a:extLst>
               <a:ext uri="{FF2B5EF4-FFF2-40B4-BE49-F238E27FC236}">
-                <a16:creationId xmlns="" xmlns:a16="http://schemas.microsoft.com/office/drawing/2014/main" id="{50B5677A-E1FB-4742-A2BB-B165C8289492}"/>
+                <a16:creationId xmlns:a16="http://schemas.microsoft.com/office/drawing/2014/main" xmlns="" id="{50B5677A-E1FB-4742-A2BB-B165C8289492}"/>
               </a:ext>
             </a:extLst>
           </p:cNvPr>
@@ -15842,671 +16689,7 @@
 </p:sld>
 </file>
 
-<file path=ppt/slides/slide2.xml><?xml version="1.0" encoding="utf-8"?>
-<p:sld xmlns:a="http://schemas.openxmlformats.org/drawingml/2006/main" xmlns:r="http://schemas.openxmlformats.org/officeDocument/2006/relationships" xmlns:p="http://schemas.openxmlformats.org/presentationml/2006/main">
-  <p:cSld>
-    <p:spTree>
-      <p:nvGrpSpPr>
-        <p:cNvPr id="1" name=""/>
-        <p:cNvGrpSpPr/>
-        <p:nvPr/>
-      </p:nvGrpSpPr>
-      <p:grpSpPr>
-        <a:xfrm>
-          <a:off x="0" y="0"/>
-          <a:ext cx="0" cy="0"/>
-          <a:chOff x="0" y="0"/>
-          <a:chExt cx="0" cy="0"/>
-        </a:xfrm>
-      </p:grpSpPr>
-      <p:sp>
-        <p:nvSpPr>
-          <p:cNvPr id="7" name="TextBox 6">
-            <a:extLst>
-              <a:ext uri="{FF2B5EF4-FFF2-40B4-BE49-F238E27FC236}">
-                <a16:creationId xmlns="" xmlns:a16="http://schemas.microsoft.com/office/drawing/2014/main" id="{3C8D1A93-8E34-461B-AE33-3F2AF8EDEDE3}"/>
-              </a:ext>
-            </a:extLst>
-          </p:cNvPr>
-          <p:cNvSpPr txBox="1"/>
-          <p:nvPr/>
-        </p:nvSpPr>
-        <p:spPr>
-          <a:xfrm>
-            <a:off x="2355061" y="528953"/>
-            <a:ext cx="1883508" cy="461665"/>
-          </a:xfrm>
-          <a:prstGeom prst="rect">
-            <a:avLst/>
-          </a:prstGeom>
-          <a:noFill/>
-        </p:spPr>
-        <p:txBody>
-          <a:bodyPr rot="0" spcFirstLastPara="0" vertOverflow="overflow" horzOverflow="overflow" vert="horz" wrap="square" lIns="91440" tIns="45720" rIns="91440" bIns="45720" numCol="1" spcCol="0" rtlCol="0" fromWordArt="0" anchor="t" anchorCtr="0" forceAA="0" compatLnSpc="1">
-            <a:prstTxWarp prst="textNoShape">
-              <a:avLst/>
-            </a:prstTxWarp>
-            <a:spAutoFit/>
-          </a:bodyPr>
-          <a:lstStyle/>
-          <a:p>
-            <a:pPr algn="ctr"/>
-            <a:r>
-              <a:rPr lang="en-US" sz="2400" b="1" dirty="0"/>
-              <a:t>Primal form</a:t>
-            </a:r>
-            <a:endParaRPr lang="en-US" sz="2400" b="1">
-              <a:cs typeface="Calibri"/>
-            </a:endParaRPr>
-          </a:p>
-        </p:txBody>
-      </p:sp>
-      <p:pic>
-        <p:nvPicPr>
-          <p:cNvPr id="12" name="Picture 12">
-            <a:extLst>
-              <a:ext uri="{FF2B5EF4-FFF2-40B4-BE49-F238E27FC236}">
-                <a16:creationId xmlns="" xmlns:a16="http://schemas.microsoft.com/office/drawing/2014/main" id="{BCB28C98-A97C-401C-8299-EB6FC4F8EC07}"/>
-              </a:ext>
-            </a:extLst>
-          </p:cNvPr>
-          <p:cNvPicPr>
-            <a:picLocks noChangeAspect="1"/>
-          </p:cNvPicPr>
-          <p:nvPr/>
-        </p:nvPicPr>
-        <p:blipFill>
-          <a:blip r:embed="rId2">
-            <a:extLst>
-              <a:ext uri="{28A0092B-C50C-407E-A947-70E740481C1C}">
-                <a14:useLocalDpi xmlns:a14="http://schemas.microsoft.com/office/drawing/2010/main" val="0"/>
-              </a:ext>
-            </a:extLst>
-          </a:blip>
-          <a:stretch>
-            <a:fillRect/>
-          </a:stretch>
-        </p:blipFill>
-        <p:spPr>
-          <a:xfrm>
-            <a:off x="1960725" y="936338"/>
-            <a:ext cx="2672180" cy="1806544"/>
-          </a:xfrm>
-          <a:prstGeom prst="rect">
-            <a:avLst/>
-          </a:prstGeom>
-        </p:spPr>
-      </p:pic>
-      <p:sp>
-        <p:nvSpPr>
-          <p:cNvPr id="15" name="TextBox 14">
-            <a:extLst>
-              <a:ext uri="{FF2B5EF4-FFF2-40B4-BE49-F238E27FC236}">
-                <a16:creationId xmlns="" xmlns:a16="http://schemas.microsoft.com/office/drawing/2014/main" id="{1AAE7903-DA0C-486B-BDC7-ADB80C60CE39}"/>
-              </a:ext>
-            </a:extLst>
-          </p:cNvPr>
-          <p:cNvSpPr txBox="1"/>
-          <p:nvPr/>
-        </p:nvSpPr>
-        <p:spPr>
-          <a:xfrm>
-            <a:off x="7353981" y="528953"/>
-            <a:ext cx="1883508" cy="461665"/>
-          </a:xfrm>
-          <a:prstGeom prst="rect">
-            <a:avLst/>
-          </a:prstGeom>
-          <a:noFill/>
-        </p:spPr>
-        <p:txBody>
-          <a:bodyPr rot="0" spcFirstLastPara="0" vertOverflow="overflow" horzOverflow="overflow" vert="horz" wrap="square" lIns="91440" tIns="45720" rIns="91440" bIns="45720" numCol="1" spcCol="0" rtlCol="0" fromWordArt="0" anchor="t" anchorCtr="0" forceAA="0" compatLnSpc="1">
-            <a:prstTxWarp prst="textNoShape">
-              <a:avLst/>
-            </a:prstTxWarp>
-            <a:spAutoFit/>
-          </a:bodyPr>
-          <a:lstStyle/>
-          <a:p>
-            <a:pPr algn="ctr"/>
-            <a:r>
-              <a:rPr lang="en-US" sz="2400" b="1" dirty="0"/>
-              <a:t>Dual form</a:t>
-            </a:r>
-            <a:endParaRPr lang="en-US" dirty="0"/>
-          </a:p>
-        </p:txBody>
-      </p:sp>
-      <p:pic>
-        <p:nvPicPr>
-          <p:cNvPr id="16" name="Picture 16">
-            <a:extLst>
-              <a:ext uri="{FF2B5EF4-FFF2-40B4-BE49-F238E27FC236}">
-                <a16:creationId xmlns="" xmlns:a16="http://schemas.microsoft.com/office/drawing/2014/main" id="{C7C82433-1251-4B07-9C0F-DB83878FB6CB}"/>
-              </a:ext>
-            </a:extLst>
-          </p:cNvPr>
-          <p:cNvPicPr>
-            <a:picLocks noChangeAspect="1"/>
-          </p:cNvPicPr>
-          <p:nvPr/>
-        </p:nvPicPr>
-        <p:blipFill>
-          <a:blip r:embed="rId3">
-            <a:extLst>
-              <a:ext uri="{28A0092B-C50C-407E-A947-70E740481C1C}">
-                <a14:useLocalDpi xmlns:a14="http://schemas.microsoft.com/office/drawing/2010/main" val="0"/>
-              </a:ext>
-            </a:extLst>
-          </a:blip>
-          <a:stretch>
-            <a:fillRect/>
-          </a:stretch>
-        </p:blipFill>
-        <p:spPr>
-          <a:xfrm>
-            <a:off x="6984079" y="866888"/>
-            <a:ext cx="2676525" cy="1784350"/>
-          </a:xfrm>
-          <a:prstGeom prst="rect">
-            <a:avLst/>
-          </a:prstGeom>
-        </p:spPr>
-      </p:pic>
-      <p:sp>
-        <p:nvSpPr>
-          <p:cNvPr id="32" name="TextBox 31">
-            <a:extLst>
-              <a:ext uri="{FF2B5EF4-FFF2-40B4-BE49-F238E27FC236}">
-                <a16:creationId xmlns="" xmlns:a16="http://schemas.microsoft.com/office/drawing/2014/main" id="{95FFBCCC-62A7-4B35-95D9-9DDDAD7F90FD}"/>
-              </a:ext>
-            </a:extLst>
-          </p:cNvPr>
-          <p:cNvSpPr txBox="1"/>
-          <p:nvPr/>
-        </p:nvSpPr>
-        <p:spPr>
-          <a:xfrm>
-            <a:off x="4588269" y="2979203"/>
-            <a:ext cx="3302494" cy="461665"/>
-          </a:xfrm>
-          <a:prstGeom prst="rect">
-            <a:avLst/>
-          </a:prstGeom>
-          <a:noFill/>
-        </p:spPr>
-        <p:txBody>
-          <a:bodyPr rot="0" spcFirstLastPara="0" vertOverflow="overflow" horzOverflow="overflow" vert="horz" wrap="square" lIns="91440" tIns="45720" rIns="91440" bIns="45720" numCol="1" spcCol="0" rtlCol="0" fromWordArt="0" anchor="t" anchorCtr="0" forceAA="0" compatLnSpc="1">
-            <a:prstTxWarp prst="textNoShape">
-              <a:avLst/>
-            </a:prstTxWarp>
-            <a:spAutoFit/>
-          </a:bodyPr>
-          <a:lstStyle/>
-          <a:p>
-            <a:pPr algn="ctr"/>
-            <a:r>
-              <a:rPr lang="en-US" sz="2400" b="1" dirty="0"/>
-              <a:t>Weak duality theorem</a:t>
-            </a:r>
-            <a:endParaRPr lang="en-US" dirty="0"/>
-          </a:p>
-        </p:txBody>
-      </p:sp>
-      <p:pic>
-        <p:nvPicPr>
-          <p:cNvPr id="33" name="Picture 33">
-            <a:extLst>
-              <a:ext uri="{FF2B5EF4-FFF2-40B4-BE49-F238E27FC236}">
-                <a16:creationId xmlns="" xmlns:a16="http://schemas.microsoft.com/office/drawing/2014/main" id="{38088EDE-D1BD-4D90-BC05-DB9DB49BBAAD}"/>
-              </a:ext>
-            </a:extLst>
-          </p:cNvPr>
-          <p:cNvPicPr>
-            <a:picLocks noChangeAspect="1"/>
-          </p:cNvPicPr>
-          <p:nvPr/>
-        </p:nvPicPr>
-        <p:blipFill>
-          <a:blip r:embed="rId4">
-            <a:extLst>
-              <a:ext uri="{28A0092B-C50C-407E-A947-70E740481C1C}">
-                <a14:useLocalDpi xmlns:a14="http://schemas.microsoft.com/office/drawing/2010/main" val="0"/>
-              </a:ext>
-            </a:extLst>
-          </a:blip>
-          <a:stretch>
-            <a:fillRect/>
-          </a:stretch>
-        </p:blipFill>
-        <p:spPr>
-          <a:xfrm>
-            <a:off x="4801314" y="3444263"/>
-            <a:ext cx="2876404" cy="1203481"/>
-          </a:xfrm>
-          <a:prstGeom prst="rect">
-            <a:avLst/>
-          </a:prstGeom>
-          <a:ln>
-            <a:noFill/>
-          </a:ln>
-        </p:spPr>
-      </p:pic>
-      <p:sp>
-        <p:nvSpPr>
-          <p:cNvPr id="3" name="Arrow: Right 2">
-            <a:extLst>
-              <a:ext uri="{FF2B5EF4-FFF2-40B4-BE49-F238E27FC236}">
-                <a16:creationId xmlns="" xmlns:a16="http://schemas.microsoft.com/office/drawing/2014/main" id="{A386E034-963A-452A-BA56-7A5B5FF1099E}"/>
-              </a:ext>
-            </a:extLst>
-          </p:cNvPr>
-          <p:cNvSpPr/>
-          <p:nvPr/>
-        </p:nvSpPr>
-        <p:spPr>
-          <a:xfrm rot="2820000">
-            <a:off x="3850618" y="2925963"/>
-            <a:ext cx="643247" cy="316676"/>
-          </a:xfrm>
-          <a:prstGeom prst="rightArrow">
-            <a:avLst/>
-          </a:prstGeom>
-          <a:solidFill>
-            <a:schemeClr val="bg2"/>
-          </a:solidFill>
-          <a:ln>
-            <a:solidFill>
-              <a:schemeClr val="tx1"/>
-            </a:solidFill>
-          </a:ln>
-        </p:spPr>
-        <p:style>
-          <a:lnRef idx="2">
-            <a:schemeClr val="accent1">
-              <a:shade val="50000"/>
-            </a:schemeClr>
-          </a:lnRef>
-          <a:fillRef idx="1">
-            <a:schemeClr val="accent1"/>
-          </a:fillRef>
-          <a:effectRef idx="0">
-            <a:schemeClr val="accent1"/>
-          </a:effectRef>
-          <a:fontRef idx="minor">
-            <a:schemeClr val="lt1"/>
-          </a:fontRef>
-        </p:style>
-        <p:txBody>
-          <a:bodyPr rtlCol="0" anchor="ctr"/>
-          <a:lstStyle/>
-          <a:p>
-            <a:pPr algn="ctr"/>
-            <a:endParaRPr lang="en-US"/>
-          </a:p>
-        </p:txBody>
-      </p:sp>
-      <p:sp>
-        <p:nvSpPr>
-          <p:cNvPr id="10" name="Arrow: Right 9">
-            <a:extLst>
-              <a:ext uri="{FF2B5EF4-FFF2-40B4-BE49-F238E27FC236}">
-                <a16:creationId xmlns="" xmlns:a16="http://schemas.microsoft.com/office/drawing/2014/main" id="{FC53BB6D-D8F9-4631-B0DB-C5D30F0A1ADE}"/>
-              </a:ext>
-            </a:extLst>
-          </p:cNvPr>
-          <p:cNvSpPr/>
-          <p:nvPr/>
-        </p:nvSpPr>
-        <p:spPr>
-          <a:xfrm rot="18780000" flipH="1">
-            <a:off x="7974112" y="2925963"/>
-            <a:ext cx="643247" cy="316676"/>
-          </a:xfrm>
-          <a:prstGeom prst="rightArrow">
-            <a:avLst/>
-          </a:prstGeom>
-          <a:solidFill>
-            <a:schemeClr val="bg2"/>
-          </a:solidFill>
-          <a:ln>
-            <a:solidFill>
-              <a:schemeClr val="tx1"/>
-            </a:solidFill>
-          </a:ln>
-        </p:spPr>
-        <p:style>
-          <a:lnRef idx="2">
-            <a:schemeClr val="accent1">
-              <a:shade val="50000"/>
-            </a:schemeClr>
-          </a:lnRef>
-          <a:fillRef idx="1">
-            <a:schemeClr val="accent1"/>
-          </a:fillRef>
-          <a:effectRef idx="0">
-            <a:schemeClr val="accent1"/>
-          </a:effectRef>
-          <a:fontRef idx="minor">
-            <a:schemeClr val="lt1"/>
-          </a:fontRef>
-        </p:style>
-        <p:txBody>
-          <a:bodyPr rtlCol="0" anchor="ctr"/>
-          <a:lstStyle/>
-          <a:p>
-            <a:pPr algn="ctr"/>
-            <a:endParaRPr lang="en-US"/>
-          </a:p>
-        </p:txBody>
-      </p:sp>
-      <p:sp>
-        <p:nvSpPr>
-          <p:cNvPr id="4" name="Rectangle 3"/>
-          <p:cNvSpPr/>
-          <p:nvPr/>
-        </p:nvSpPr>
-        <p:spPr>
-          <a:xfrm>
-            <a:off x="4734046" y="3440868"/>
-            <a:ext cx="2952829" cy="1362626"/>
-          </a:xfrm>
-          <a:prstGeom prst="rect">
-            <a:avLst/>
-          </a:prstGeom>
-          <a:noFill/>
-          <a:ln>
-            <a:solidFill>
-              <a:schemeClr val="tx1"/>
-            </a:solidFill>
-          </a:ln>
-        </p:spPr>
-        <p:style>
-          <a:lnRef idx="2">
-            <a:schemeClr val="accent1">
-              <a:shade val="50000"/>
-            </a:schemeClr>
-          </a:lnRef>
-          <a:fillRef idx="1">
-            <a:schemeClr val="accent1"/>
-          </a:fillRef>
-          <a:effectRef idx="0">
-            <a:schemeClr val="accent1"/>
-          </a:effectRef>
-          <a:fontRef idx="minor">
-            <a:schemeClr val="lt1"/>
-          </a:fontRef>
-        </p:style>
-        <p:txBody>
-          <a:bodyPr rtlCol="0" anchor="ctr"/>
-          <a:lstStyle/>
-          <a:p>
-            <a:pPr algn="ctr"/>
-            <a:endParaRPr lang="en-US"/>
-          </a:p>
-        </p:txBody>
-      </p:sp>
-      <p:sp>
-        <p:nvSpPr>
-          <p:cNvPr id="13" name="TextBox 12"/>
-          <p:cNvSpPr txBox="1"/>
-          <p:nvPr/>
-        </p:nvSpPr>
-        <p:spPr>
-          <a:xfrm>
-            <a:off x="4419156" y="4962740"/>
-            <a:ext cx="1916559" cy="923330"/>
-          </a:xfrm>
-          <a:prstGeom prst="rect">
-            <a:avLst/>
-          </a:prstGeom>
-          <a:noFill/>
-        </p:spPr>
-        <p:txBody>
-          <a:bodyPr wrap="square" rtlCol="0">
-            <a:spAutoFit/>
-          </a:bodyPr>
-          <a:lstStyle/>
-          <a:p>
-            <a:pPr algn="ctr"/>
-            <a:r>
-              <a:rPr lang="en-US" b="1">
-                <a:solidFill>
-                  <a:srgbClr val="8A8C8F"/>
-                </a:solidFill>
-              </a:rPr>
-              <a:t>primal</a:t>
-            </a:r>
-            <a:r>
-              <a:rPr lang="en-US">
-                <a:solidFill>
-                  <a:srgbClr val="8A8C8F"/>
-                </a:solidFill>
-              </a:rPr>
-              <a:t/>
-            </a:r>
-            <a:br>
-              <a:rPr lang="en-US">
-                <a:solidFill>
-                  <a:srgbClr val="8A8C8F"/>
-                </a:solidFill>
-              </a:rPr>
-            </a:br>
-            <a:r>
-              <a:rPr lang="en-US">
-                <a:solidFill>
-                  <a:srgbClr val="8A8C8F"/>
-                </a:solidFill>
-              </a:rPr>
-              <a:t>objective</a:t>
-            </a:r>
-            <a:br>
-              <a:rPr lang="en-US">
-                <a:solidFill>
-                  <a:srgbClr val="8A8C8F"/>
-                </a:solidFill>
-              </a:rPr>
-            </a:br>
-            <a:r>
-              <a:rPr lang="en-US">
-                <a:solidFill>
-                  <a:srgbClr val="8A8C8F"/>
-                </a:solidFill>
-              </a:rPr>
-              <a:t>function</a:t>
-            </a:r>
-            <a:endParaRPr lang="en-US" b="1">
-              <a:solidFill>
-                <a:srgbClr val="8A8C8F"/>
-              </a:solidFill>
-            </a:endParaRPr>
-          </a:p>
-        </p:txBody>
-      </p:sp>
-      <p:sp>
-        <p:nvSpPr>
-          <p:cNvPr id="14" name="Left Brace 13"/>
-          <p:cNvSpPr/>
-          <p:nvPr/>
-        </p:nvSpPr>
-        <p:spPr>
-          <a:xfrm rot="16200000">
-            <a:off x="5287630" y="4512122"/>
-            <a:ext cx="172879" cy="826550"/>
-          </a:xfrm>
-          <a:prstGeom prst="leftBrace">
-            <a:avLst/>
-          </a:prstGeom>
-          <a:ln>
-            <a:solidFill>
-              <a:srgbClr val="8A8C8F"/>
-            </a:solidFill>
-          </a:ln>
-        </p:spPr>
-        <p:style>
-          <a:lnRef idx="1">
-            <a:schemeClr val="accent1"/>
-          </a:lnRef>
-          <a:fillRef idx="0">
-            <a:schemeClr val="accent1"/>
-          </a:fillRef>
-          <a:effectRef idx="0">
-            <a:schemeClr val="accent1"/>
-          </a:effectRef>
-          <a:fontRef idx="minor">
-            <a:schemeClr val="tx1"/>
-          </a:fontRef>
-        </p:style>
-        <p:txBody>
-          <a:bodyPr rtlCol="0" anchor="ctr"/>
-          <a:lstStyle/>
-          <a:p>
-            <a:pPr algn="ctr"/>
-            <a:endParaRPr lang="en-US"/>
-          </a:p>
-        </p:txBody>
-      </p:sp>
-      <p:sp>
-        <p:nvSpPr>
-          <p:cNvPr id="17" name="TextBox 16"/>
-          <p:cNvSpPr txBox="1"/>
-          <p:nvPr/>
-        </p:nvSpPr>
-        <p:spPr>
-          <a:xfrm>
-            <a:off x="5978248" y="4962740"/>
-            <a:ext cx="1916559" cy="923330"/>
-          </a:xfrm>
-          <a:prstGeom prst="rect">
-            <a:avLst/>
-          </a:prstGeom>
-          <a:noFill/>
-        </p:spPr>
-        <p:txBody>
-          <a:bodyPr wrap="square" rtlCol="0">
-            <a:spAutoFit/>
-          </a:bodyPr>
-          <a:lstStyle/>
-          <a:p>
-            <a:pPr algn="ctr"/>
-            <a:r>
-              <a:rPr lang="en-US" b="1">
-                <a:solidFill>
-                  <a:srgbClr val="8A8C8F"/>
-                </a:solidFill>
-              </a:rPr>
-              <a:t>dual</a:t>
-            </a:r>
-            <a:r>
-              <a:rPr lang="en-US">
-                <a:solidFill>
-                  <a:srgbClr val="8A8C8F"/>
-                </a:solidFill>
-              </a:rPr>
-              <a:t/>
-            </a:r>
-            <a:br>
-              <a:rPr lang="en-US">
-                <a:solidFill>
-                  <a:srgbClr val="8A8C8F"/>
-                </a:solidFill>
-              </a:rPr>
-            </a:br>
-            <a:r>
-              <a:rPr lang="en-US">
-                <a:solidFill>
-                  <a:srgbClr val="8A8C8F"/>
-                </a:solidFill>
-              </a:rPr>
-              <a:t>objective</a:t>
-            </a:r>
-            <a:br>
-              <a:rPr lang="en-US">
-                <a:solidFill>
-                  <a:srgbClr val="8A8C8F"/>
-                </a:solidFill>
-              </a:rPr>
-            </a:br>
-            <a:r>
-              <a:rPr lang="en-US">
-                <a:solidFill>
-                  <a:srgbClr val="8A8C8F"/>
-                </a:solidFill>
-              </a:rPr>
-              <a:t>function</a:t>
-            </a:r>
-            <a:endParaRPr lang="en-US" b="1">
-              <a:solidFill>
-                <a:srgbClr val="8A8C8F"/>
-              </a:solidFill>
-            </a:endParaRPr>
-          </a:p>
-        </p:txBody>
-      </p:sp>
-      <p:sp>
-        <p:nvSpPr>
-          <p:cNvPr id="18" name="Left Brace 17"/>
-          <p:cNvSpPr/>
-          <p:nvPr/>
-        </p:nvSpPr>
-        <p:spPr>
-          <a:xfrm rot="16200000">
-            <a:off x="6854266" y="4512122"/>
-            <a:ext cx="172879" cy="826550"/>
-          </a:xfrm>
-          <a:prstGeom prst="leftBrace">
-            <a:avLst/>
-          </a:prstGeom>
-          <a:ln>
-            <a:solidFill>
-              <a:srgbClr val="8A8C8F"/>
-            </a:solidFill>
-          </a:ln>
-        </p:spPr>
-        <p:style>
-          <a:lnRef idx="1">
-            <a:schemeClr val="accent1"/>
-          </a:lnRef>
-          <a:fillRef idx="0">
-            <a:schemeClr val="accent1"/>
-          </a:fillRef>
-          <a:effectRef idx="0">
-            <a:schemeClr val="accent1"/>
-          </a:effectRef>
-          <a:fontRef idx="minor">
-            <a:schemeClr val="tx1"/>
-          </a:fontRef>
-        </p:style>
-        <p:txBody>
-          <a:bodyPr rtlCol="0" anchor="ctr"/>
-          <a:lstStyle/>
-          <a:p>
-            <a:pPr algn="ctr"/>
-            <a:endParaRPr lang="en-US"/>
-          </a:p>
-        </p:txBody>
-      </p:sp>
-    </p:spTree>
-    <p:extLst>
-      <p:ext uri="{BB962C8B-B14F-4D97-AF65-F5344CB8AC3E}">
-        <p14:creationId xmlns:p14="http://schemas.microsoft.com/office/powerpoint/2010/main" val="841581388"/>
-      </p:ext>
-    </p:extLst>
-  </p:cSld>
-  <p:clrMapOvr>
-    <a:masterClrMapping/>
-  </p:clrMapOvr>
-  <p:timing>
-    <p:tnLst>
-      <p:par>
-        <p:cTn id="1" dur="indefinite" restart="never" nodeType="tmRoot"/>
-      </p:par>
-    </p:tnLst>
-  </p:timing>
-</p:sld>
-</file>
-
-<file path=ppt/slides/slide20.xml><?xml version="1.0" encoding="utf-8"?>
+<file path=ppt/slides/slide21.xml><?xml version="1.0" encoding="utf-8"?>
 <p:sld xmlns:a="http://schemas.openxmlformats.org/drawingml/2006/main" xmlns:r="http://schemas.openxmlformats.org/officeDocument/2006/relationships" xmlns:p="http://schemas.openxmlformats.org/presentationml/2006/main">
   <p:cSld>
     <p:spTree>
@@ -16528,7 +16711,7 @@
           <p:cNvPr id="2" name="Title 1">
             <a:extLst>
               <a:ext uri="{FF2B5EF4-FFF2-40B4-BE49-F238E27FC236}">
-                <a16:creationId xmlns="" xmlns:a16="http://schemas.microsoft.com/office/drawing/2014/main" id="{99760F66-ED22-4D99-83D9-AF132B641E2C}"/>
+                <a16:creationId xmlns:a16="http://schemas.microsoft.com/office/drawing/2014/main" xmlns="" id="{99760F66-ED22-4D99-83D9-AF132B641E2C}"/>
               </a:ext>
             </a:extLst>
           </p:cNvPr>
@@ -16559,7 +16742,7 @@
           <p:cNvPr id="4" name="Picture 3" descr="A close up of a logo&#10;&#10;Description generated with very high confidence">
             <a:extLst>
               <a:ext uri="{FF2B5EF4-FFF2-40B4-BE49-F238E27FC236}">
-                <a16:creationId xmlns="" xmlns:a16="http://schemas.microsoft.com/office/drawing/2014/main" id="{6E87F861-F9AC-4F21-B0C8-58EB55E95B97}"/>
+                <a16:creationId xmlns:a16="http://schemas.microsoft.com/office/drawing/2014/main" xmlns="" id="{6E87F861-F9AC-4F21-B0C8-58EB55E95B97}"/>
               </a:ext>
             </a:extLst>
           </p:cNvPr>
@@ -16589,7 +16772,7 @@
           <p:cNvPr id="6" name="Picture 5" descr="A picture containing clock&#10;&#10;Description generated with very high confidence">
             <a:extLst>
               <a:ext uri="{FF2B5EF4-FFF2-40B4-BE49-F238E27FC236}">
-                <a16:creationId xmlns="" xmlns:a16="http://schemas.microsoft.com/office/drawing/2014/main" id="{4616AC99-6BB6-4ADE-BDE8-48395933FE5F}"/>
+                <a16:creationId xmlns:a16="http://schemas.microsoft.com/office/drawing/2014/main" xmlns="" id="{4616AC99-6BB6-4ADE-BDE8-48395933FE5F}"/>
               </a:ext>
             </a:extLst>
           </p:cNvPr>
@@ -16619,7 +16802,7 @@
           <p:cNvPr id="8" name="Arrow: Down 7">
             <a:extLst>
               <a:ext uri="{FF2B5EF4-FFF2-40B4-BE49-F238E27FC236}">
-                <a16:creationId xmlns="" xmlns:a16="http://schemas.microsoft.com/office/drawing/2014/main" id="{82AB09DD-DB63-4806-A980-AE0CB9781D42}"/>
+                <a16:creationId xmlns:a16="http://schemas.microsoft.com/office/drawing/2014/main" xmlns="" id="{82AB09DD-DB63-4806-A980-AE0CB9781D42}"/>
               </a:ext>
             </a:extLst>
           </p:cNvPr>
@@ -16673,7 +16856,7 @@
           <p:cNvPr id="3" name="Picture 43" descr="A close up of a logo&#10;&#10;Description generated with very high confidence">
             <a:extLst>
               <a:ext uri="{FF2B5EF4-FFF2-40B4-BE49-F238E27FC236}">
-                <a16:creationId xmlns="" xmlns:a16="http://schemas.microsoft.com/office/drawing/2014/main" id="{1CFBEB4B-4C2C-468C-AD74-3B403A169AA1}"/>
+                <a16:creationId xmlns:a16="http://schemas.microsoft.com/office/drawing/2014/main" xmlns="" id="{1CFBEB4B-4C2C-468C-AD74-3B403A169AA1}"/>
               </a:ext>
             </a:extLst>
           </p:cNvPr>
@@ -16703,7 +16886,7 @@
           <p:cNvPr id="9" name="Picture 9" descr="A picture containing drawing&#10;&#10;Description generated with very high confidence">
             <a:extLst>
               <a:ext uri="{FF2B5EF4-FFF2-40B4-BE49-F238E27FC236}">
-                <a16:creationId xmlns="" xmlns:a16="http://schemas.microsoft.com/office/drawing/2014/main" id="{02B44993-3D5D-4B1E-B348-A8AA765D22E8}"/>
+                <a16:creationId xmlns:a16="http://schemas.microsoft.com/office/drawing/2014/main" xmlns="" id="{02B44993-3D5D-4B1E-B348-A8AA765D22E8}"/>
               </a:ext>
             </a:extLst>
           </p:cNvPr>
@@ -16733,7 +16916,7 @@
           <p:cNvPr id="11" name="Picture 11" descr="A picture containing object, clock, meter&#10;&#10;Description generated with very high confidence">
             <a:extLst>
               <a:ext uri="{FF2B5EF4-FFF2-40B4-BE49-F238E27FC236}">
-                <a16:creationId xmlns="" xmlns:a16="http://schemas.microsoft.com/office/drawing/2014/main" id="{50B5677A-E1FB-4742-A2BB-B165C8289492}"/>
+                <a16:creationId xmlns:a16="http://schemas.microsoft.com/office/drawing/2014/main" xmlns="" id="{50B5677A-E1FB-4742-A2BB-B165C8289492}"/>
               </a:ext>
             </a:extLst>
           </p:cNvPr>
@@ -16972,7 +17155,7 @@
 </p:sld>
 </file>
 
-<file path=ppt/slides/slide21.xml><?xml version="1.0" encoding="utf-8"?>
+<file path=ppt/slides/slide22.xml><?xml version="1.0" encoding="utf-8"?>
 <p:sld xmlns:a="http://schemas.openxmlformats.org/drawingml/2006/main" xmlns:r="http://schemas.openxmlformats.org/officeDocument/2006/relationships" xmlns:p="http://schemas.openxmlformats.org/presentationml/2006/main">
   <p:cSld>
     <p:spTree>
@@ -16994,7 +17177,7 @@
           <p:cNvPr id="2" name="Title 1">
             <a:extLst>
               <a:ext uri="{FF2B5EF4-FFF2-40B4-BE49-F238E27FC236}">
-                <a16:creationId xmlns="" xmlns:a16="http://schemas.microsoft.com/office/drawing/2014/main" id="{99760F66-ED22-4D99-83D9-AF132B641E2C}"/>
+                <a16:creationId xmlns:a16="http://schemas.microsoft.com/office/drawing/2014/main" xmlns="" id="{99760F66-ED22-4D99-83D9-AF132B641E2C}"/>
               </a:ext>
             </a:extLst>
           </p:cNvPr>
@@ -17025,7 +17208,7 @@
           <p:cNvPr id="4" name="Picture 3" descr="A close up of a logo&#10;&#10;Description generated with very high confidence">
             <a:extLst>
               <a:ext uri="{FF2B5EF4-FFF2-40B4-BE49-F238E27FC236}">
-                <a16:creationId xmlns="" xmlns:a16="http://schemas.microsoft.com/office/drawing/2014/main" id="{6E87F861-F9AC-4F21-B0C8-58EB55E95B97}"/>
+                <a16:creationId xmlns:a16="http://schemas.microsoft.com/office/drawing/2014/main" xmlns="" id="{6E87F861-F9AC-4F21-B0C8-58EB55E95B97}"/>
               </a:ext>
             </a:extLst>
           </p:cNvPr>
@@ -17055,7 +17238,7 @@
           <p:cNvPr id="8" name="Arrow: Down 7">
             <a:extLst>
               <a:ext uri="{FF2B5EF4-FFF2-40B4-BE49-F238E27FC236}">
-                <a16:creationId xmlns="" xmlns:a16="http://schemas.microsoft.com/office/drawing/2014/main" id="{82AB09DD-DB63-4806-A980-AE0CB9781D42}"/>
+                <a16:creationId xmlns:a16="http://schemas.microsoft.com/office/drawing/2014/main" xmlns="" id="{82AB09DD-DB63-4806-A980-AE0CB9781D42}"/>
               </a:ext>
             </a:extLst>
           </p:cNvPr>
@@ -17109,7 +17292,7 @@
           <p:cNvPr id="13" name="Picture 13" descr="A close up of a logo&#10;&#10;Description generated with very high confidence">
             <a:extLst>
               <a:ext uri="{FF2B5EF4-FFF2-40B4-BE49-F238E27FC236}">
-                <a16:creationId xmlns="" xmlns:a16="http://schemas.microsoft.com/office/drawing/2014/main" id="{ECAD198D-1469-41D2-8E92-807888FE870D}"/>
+                <a16:creationId xmlns:a16="http://schemas.microsoft.com/office/drawing/2014/main" xmlns="" id="{ECAD198D-1469-41D2-8E92-807888FE870D}"/>
               </a:ext>
             </a:extLst>
           </p:cNvPr>
@@ -17139,7 +17322,7 @@
           <p:cNvPr id="5" name="Picture 6" descr="A close up of a logo&#10;&#10;Description generated with very high confidence">
             <a:extLst>
               <a:ext uri="{FF2B5EF4-FFF2-40B4-BE49-F238E27FC236}">
-                <a16:creationId xmlns="" xmlns:a16="http://schemas.microsoft.com/office/drawing/2014/main" id="{EB8556EE-68CC-40A7-B949-39599FC85FC9}"/>
+                <a16:creationId xmlns:a16="http://schemas.microsoft.com/office/drawing/2014/main" xmlns="" id="{EB8556EE-68CC-40A7-B949-39599FC85FC9}"/>
               </a:ext>
             </a:extLst>
           </p:cNvPr>
@@ -17169,7 +17352,7 @@
           <p:cNvPr id="10" name="Arrow: Up-Down 9">
             <a:extLst>
               <a:ext uri="{FF2B5EF4-FFF2-40B4-BE49-F238E27FC236}">
-                <a16:creationId xmlns="" xmlns:a16="http://schemas.microsoft.com/office/drawing/2014/main" id="{B955B9A0-C9CB-469D-A0ED-46BACD4AF8A9}"/>
+                <a16:creationId xmlns:a16="http://schemas.microsoft.com/office/drawing/2014/main" xmlns="" id="{B955B9A0-C9CB-469D-A0ED-46BACD4AF8A9}"/>
               </a:ext>
             </a:extLst>
           </p:cNvPr>
@@ -17215,7 +17398,7 @@
           <p:cNvPr id="12" name="Picture 5" descr="A close up of a sign&#10;&#10;Description generated with very high confidence">
             <a:extLst>
               <a:ext uri="{FF2B5EF4-FFF2-40B4-BE49-F238E27FC236}">
-                <a16:creationId xmlns="" xmlns:a16="http://schemas.microsoft.com/office/drawing/2014/main" id="{D150EFB3-437B-49AB-B6EA-481CED6C7865}"/>
+                <a16:creationId xmlns:a16="http://schemas.microsoft.com/office/drawing/2014/main" xmlns="" id="{D150EFB3-437B-49AB-B6EA-481CED6C7865}"/>
               </a:ext>
             </a:extLst>
           </p:cNvPr>
@@ -17245,7 +17428,7 @@
           <p:cNvPr id="19" name="TextBox 18">
             <a:extLst>
               <a:ext uri="{FF2B5EF4-FFF2-40B4-BE49-F238E27FC236}">
-                <a16:creationId xmlns="" xmlns:a16="http://schemas.microsoft.com/office/drawing/2014/main" id="{20B2480F-8E9E-46F5-8DB2-C398D4668F0A}"/>
+                <a16:creationId xmlns:a16="http://schemas.microsoft.com/office/drawing/2014/main" xmlns="" id="{20B2480F-8E9E-46F5-8DB2-C398D4668F0A}"/>
               </a:ext>
             </a:extLst>
           </p:cNvPr>
@@ -17293,7 +17476,7 @@
           <p:cNvPr id="20" name="TextBox 19">
             <a:extLst>
               <a:ext uri="{FF2B5EF4-FFF2-40B4-BE49-F238E27FC236}">
-                <a16:creationId xmlns="" xmlns:a16="http://schemas.microsoft.com/office/drawing/2014/main" id="{1F5BE492-E3B4-48FA-9694-8F82B920DAEB}"/>
+                <a16:creationId xmlns:a16="http://schemas.microsoft.com/office/drawing/2014/main" xmlns="" id="{1F5BE492-E3B4-48FA-9694-8F82B920DAEB}"/>
               </a:ext>
             </a:extLst>
           </p:cNvPr>
@@ -17341,7 +17524,7 @@
           <p:cNvPr id="22" name="TextBox 21">
             <a:extLst>
               <a:ext uri="{FF2B5EF4-FFF2-40B4-BE49-F238E27FC236}">
-                <a16:creationId xmlns="" xmlns:a16="http://schemas.microsoft.com/office/drawing/2014/main" id="{DCB07139-45CB-4B60-98DD-E2CBA1E8B558}"/>
+                <a16:creationId xmlns:a16="http://schemas.microsoft.com/office/drawing/2014/main" xmlns="" id="{DCB07139-45CB-4B60-98DD-E2CBA1E8B558}"/>
               </a:ext>
             </a:extLst>
           </p:cNvPr>
@@ -17390,7 +17573,7 @@
           <p:cNvPr id="16" name="Picture 9" descr="A picture containing drawing&#10;&#10;Description generated with very high confidence">
             <a:extLst>
               <a:ext uri="{FF2B5EF4-FFF2-40B4-BE49-F238E27FC236}">
-                <a16:creationId xmlns="" xmlns:a16="http://schemas.microsoft.com/office/drawing/2014/main" id="{02B44993-3D5D-4B1E-B348-A8AA765D22E8}"/>
+                <a16:creationId xmlns:a16="http://schemas.microsoft.com/office/drawing/2014/main" xmlns="" id="{02B44993-3D5D-4B1E-B348-A8AA765D22E8}"/>
               </a:ext>
             </a:extLst>
           </p:cNvPr>
@@ -17420,7 +17603,7 @@
           <p:cNvPr id="17" name="Picture 11" descr="A picture containing object, clock, meter&#10;&#10;Description generated with very high confidence">
             <a:extLst>
               <a:ext uri="{FF2B5EF4-FFF2-40B4-BE49-F238E27FC236}">
-                <a16:creationId xmlns="" xmlns:a16="http://schemas.microsoft.com/office/drawing/2014/main" id="{50B5677A-E1FB-4742-A2BB-B165C8289492}"/>
+                <a16:creationId xmlns:a16="http://schemas.microsoft.com/office/drawing/2014/main" xmlns="" id="{50B5677A-E1FB-4742-A2BB-B165C8289492}"/>
               </a:ext>
             </a:extLst>
           </p:cNvPr>
@@ -17692,7 +17875,7 @@
 </p:sld>
 </file>
 
-<file path=ppt/slides/slide22.xml><?xml version="1.0" encoding="utf-8"?>
+<file path=ppt/slides/slide23.xml><?xml version="1.0" encoding="utf-8"?>
 <p:sld xmlns:a="http://schemas.openxmlformats.org/drawingml/2006/main" xmlns:r="http://schemas.openxmlformats.org/officeDocument/2006/relationships" xmlns:p="http://schemas.openxmlformats.org/presentationml/2006/main">
   <p:cSld>
     <p:spTree>
@@ -17714,7 +17897,7 @@
           <p:cNvPr id="2" name="Title 1">
             <a:extLst>
               <a:ext uri="{FF2B5EF4-FFF2-40B4-BE49-F238E27FC236}">
-                <a16:creationId xmlns="" xmlns:a16="http://schemas.microsoft.com/office/drawing/2014/main" id="{22DAD01F-DC17-4CB9-A59E-3B88FC10ACC0}"/>
+                <a16:creationId xmlns:a16="http://schemas.microsoft.com/office/drawing/2014/main" xmlns="" id="{22DAD01F-DC17-4CB9-A59E-3B88FC10ACC0}"/>
               </a:ext>
             </a:extLst>
           </p:cNvPr>
@@ -17745,7 +17928,7 @@
           <p:cNvPr id="4" name="Picture 6" descr="A close up of a logo&#10;&#10;Description generated with very high confidence">
             <a:extLst>
               <a:ext uri="{FF2B5EF4-FFF2-40B4-BE49-F238E27FC236}">
-                <a16:creationId xmlns="" xmlns:a16="http://schemas.microsoft.com/office/drawing/2014/main" id="{C0330C5C-C655-42A8-BF9C-90E788CC6A92}"/>
+                <a16:creationId xmlns:a16="http://schemas.microsoft.com/office/drawing/2014/main" xmlns="" id="{C0330C5C-C655-42A8-BF9C-90E788CC6A92}"/>
               </a:ext>
             </a:extLst>
           </p:cNvPr>
@@ -17780,7 +17963,7 @@
           <p:cNvPr id="6" name="Picture 9" descr="A picture containing drawing&#10;&#10;Description generated with very high confidence">
             <a:extLst>
               <a:ext uri="{FF2B5EF4-FFF2-40B4-BE49-F238E27FC236}">
-                <a16:creationId xmlns="" xmlns:a16="http://schemas.microsoft.com/office/drawing/2014/main" id="{69BBBA96-ED0F-4961-8C6B-6543A7A55BAE}"/>
+                <a16:creationId xmlns:a16="http://schemas.microsoft.com/office/drawing/2014/main" xmlns="" id="{69BBBA96-ED0F-4961-8C6B-6543A7A55BAE}"/>
               </a:ext>
             </a:extLst>
           </p:cNvPr>
@@ -17813,7 +17996,7 @@
           <p:cNvPr id="8" name="Picture 11" descr="A picture containing object, clock, meter&#10;&#10;Description generated with very high confidence">
             <a:extLst>
               <a:ext uri="{FF2B5EF4-FFF2-40B4-BE49-F238E27FC236}">
-                <a16:creationId xmlns="" xmlns:a16="http://schemas.microsoft.com/office/drawing/2014/main" id="{FF7323CE-66D1-43A5-B3E1-17A59B7D36B4}"/>
+                <a16:creationId xmlns:a16="http://schemas.microsoft.com/office/drawing/2014/main" xmlns="" id="{FF7323CE-66D1-43A5-B3E1-17A59B7D36B4}"/>
               </a:ext>
             </a:extLst>
           </p:cNvPr>
@@ -17846,7 +18029,7 @@
           <p:cNvPr id="9" name="Picture 9" descr="A close up of a logo&#10;&#10;Description generated with very high confidence">
             <a:extLst>
               <a:ext uri="{FF2B5EF4-FFF2-40B4-BE49-F238E27FC236}">
-                <a16:creationId xmlns="" xmlns:a16="http://schemas.microsoft.com/office/drawing/2014/main" id="{FE7DD4F2-A92E-4806-B792-8484FE70F8E3}"/>
+                <a16:creationId xmlns:a16="http://schemas.microsoft.com/office/drawing/2014/main" xmlns="" id="{FE7DD4F2-A92E-4806-B792-8484FE70F8E3}"/>
               </a:ext>
             </a:extLst>
           </p:cNvPr>
@@ -17876,7 +18059,7 @@
           <p:cNvPr id="18" name="Picture 18" descr="A picture containing clock&#10;&#10;Description generated with very high confidence">
             <a:extLst>
               <a:ext uri="{FF2B5EF4-FFF2-40B4-BE49-F238E27FC236}">
-                <a16:creationId xmlns="" xmlns:a16="http://schemas.microsoft.com/office/drawing/2014/main" id="{0554376B-EDEF-4D1D-9EAE-F4D103F6E769}"/>
+                <a16:creationId xmlns:a16="http://schemas.microsoft.com/office/drawing/2014/main" xmlns="" id="{0554376B-EDEF-4D1D-9EAE-F4D103F6E769}"/>
               </a:ext>
             </a:extLst>
           </p:cNvPr>
@@ -17906,7 +18089,7 @@
           <p:cNvPr id="24" name="Picture 24" descr="A picture containing clock, flower&#10;&#10;Description generated with very high confidence">
             <a:extLst>
               <a:ext uri="{FF2B5EF4-FFF2-40B4-BE49-F238E27FC236}">
-                <a16:creationId xmlns="" xmlns:a16="http://schemas.microsoft.com/office/drawing/2014/main" id="{A539457C-5E7D-4840-803E-FB9943A9E863}"/>
+                <a16:creationId xmlns:a16="http://schemas.microsoft.com/office/drawing/2014/main" xmlns="" id="{A539457C-5E7D-4840-803E-FB9943A9E863}"/>
               </a:ext>
             </a:extLst>
           </p:cNvPr>
@@ -17936,7 +18119,7 @@
           <p:cNvPr id="26" name="Picture 26" descr="A picture containing drawing&#10;&#10;Description generated with very high confidence">
             <a:extLst>
               <a:ext uri="{FF2B5EF4-FFF2-40B4-BE49-F238E27FC236}">
-                <a16:creationId xmlns="" xmlns:a16="http://schemas.microsoft.com/office/drawing/2014/main" id="{E9BBDA87-9334-48F6-B549-DF8332853EB8}"/>
+                <a16:creationId xmlns:a16="http://schemas.microsoft.com/office/drawing/2014/main" xmlns="" id="{E9BBDA87-9334-48F6-B549-DF8332853EB8}"/>
               </a:ext>
             </a:extLst>
           </p:cNvPr>
@@ -17966,7 +18149,7 @@
           <p:cNvPr id="28" name="Picture 28" descr="A close up of a logo&#10;&#10;Description generated with high confidence">
             <a:extLst>
               <a:ext uri="{FF2B5EF4-FFF2-40B4-BE49-F238E27FC236}">
-                <a16:creationId xmlns="" xmlns:a16="http://schemas.microsoft.com/office/drawing/2014/main" id="{81E243AB-F66C-4DE2-8AF3-5DB68711DB44}"/>
+                <a16:creationId xmlns:a16="http://schemas.microsoft.com/office/drawing/2014/main" xmlns="" id="{81E243AB-F66C-4DE2-8AF3-5DB68711DB44}"/>
               </a:ext>
             </a:extLst>
           </p:cNvPr>
@@ -17996,7 +18179,7 @@
           <p:cNvPr id="30" name="Picture 30" descr="A picture containing clock, meter&#10;&#10;Description generated with very high confidence">
             <a:extLst>
               <a:ext uri="{FF2B5EF4-FFF2-40B4-BE49-F238E27FC236}">
-                <a16:creationId xmlns="" xmlns:a16="http://schemas.microsoft.com/office/drawing/2014/main" id="{869F45C0-BEFD-4D0A-A30C-E3DE4CED26A1}"/>
+                <a16:creationId xmlns:a16="http://schemas.microsoft.com/office/drawing/2014/main" xmlns="" id="{869F45C0-BEFD-4D0A-A30C-E3DE4CED26A1}"/>
               </a:ext>
             </a:extLst>
           </p:cNvPr>
@@ -18026,7 +18209,7 @@
           <p:cNvPr id="32" name="Picture 32" descr="A close up of a logo&#10;&#10;Description generated with very high confidence">
             <a:extLst>
               <a:ext uri="{FF2B5EF4-FFF2-40B4-BE49-F238E27FC236}">
-                <a16:creationId xmlns="" xmlns:a16="http://schemas.microsoft.com/office/drawing/2014/main" id="{1ACF1988-3C5A-413A-B927-C4F08B32DC61}"/>
+                <a16:creationId xmlns:a16="http://schemas.microsoft.com/office/drawing/2014/main" xmlns="" id="{1ACF1988-3C5A-413A-B927-C4F08B32DC61}"/>
               </a:ext>
             </a:extLst>
           </p:cNvPr>
@@ -18056,7 +18239,7 @@
           <p:cNvPr id="34" name="Picture 34" descr="A close up of a logo&#10;&#10;Description generated with very high confidence">
             <a:extLst>
               <a:ext uri="{FF2B5EF4-FFF2-40B4-BE49-F238E27FC236}">
-                <a16:creationId xmlns="" xmlns:a16="http://schemas.microsoft.com/office/drawing/2014/main" id="{7923B112-21C2-45C5-A791-55128D24522B}"/>
+                <a16:creationId xmlns:a16="http://schemas.microsoft.com/office/drawing/2014/main" xmlns="" id="{7923B112-21C2-45C5-A791-55128D24522B}"/>
               </a:ext>
             </a:extLst>
           </p:cNvPr>
@@ -18086,7 +18269,7 @@
           <p:cNvPr id="38" name="Picture 38" descr="A picture containing clock&#10;&#10;Description generated with very high confidence">
             <a:extLst>
               <a:ext uri="{FF2B5EF4-FFF2-40B4-BE49-F238E27FC236}">
-                <a16:creationId xmlns="" xmlns:a16="http://schemas.microsoft.com/office/drawing/2014/main" id="{DDD232C9-6B70-4425-9087-619A72CFF32A}"/>
+                <a16:creationId xmlns:a16="http://schemas.microsoft.com/office/drawing/2014/main" xmlns="" id="{DDD232C9-6B70-4425-9087-619A72CFF32A}"/>
               </a:ext>
             </a:extLst>
           </p:cNvPr>
@@ -18116,7 +18299,7 @@
           <p:cNvPr id="40" name="Picture 40" descr="A close up of a logo&#10;&#10;Description generated with very high confidence">
             <a:extLst>
               <a:ext uri="{FF2B5EF4-FFF2-40B4-BE49-F238E27FC236}">
-                <a16:creationId xmlns="" xmlns:a16="http://schemas.microsoft.com/office/drawing/2014/main" id="{A85F4AA5-CF6F-417D-96A4-6AD1E292E6A5}"/>
+                <a16:creationId xmlns:a16="http://schemas.microsoft.com/office/drawing/2014/main" xmlns="" id="{A85F4AA5-CF6F-417D-96A4-6AD1E292E6A5}"/>
               </a:ext>
             </a:extLst>
           </p:cNvPr>
@@ -18146,7 +18329,7 @@
           <p:cNvPr id="43" name="Picture 43" descr="A close up of a logo&#10;&#10;Description generated with very high confidence">
             <a:extLst>
               <a:ext uri="{FF2B5EF4-FFF2-40B4-BE49-F238E27FC236}">
-                <a16:creationId xmlns="" xmlns:a16="http://schemas.microsoft.com/office/drawing/2014/main" id="{BAC78DDE-16D4-4F26-B28A-84F4415D8648}"/>
+                <a16:creationId xmlns:a16="http://schemas.microsoft.com/office/drawing/2014/main" xmlns="" id="{BAC78DDE-16D4-4F26-B28A-84F4415D8648}"/>
               </a:ext>
             </a:extLst>
           </p:cNvPr>
@@ -18176,7 +18359,7 @@
           <p:cNvPr id="45" name="Picture 45" descr="A picture containing clock&#10;&#10;Description generated with very high confidence">
             <a:extLst>
               <a:ext uri="{FF2B5EF4-FFF2-40B4-BE49-F238E27FC236}">
-                <a16:creationId xmlns="" xmlns:a16="http://schemas.microsoft.com/office/drawing/2014/main" id="{597ACDCF-1672-40B5-A8BF-D0F2FE28A71F}"/>
+                <a16:creationId xmlns:a16="http://schemas.microsoft.com/office/drawing/2014/main" xmlns="" id="{597ACDCF-1672-40B5-A8BF-D0F2FE28A71F}"/>
               </a:ext>
             </a:extLst>
           </p:cNvPr>
@@ -18206,7 +18389,7 @@
           <p:cNvPr id="47" name="Picture 40" descr="A close up of a logo&#10;&#10;Description generated with very high confidence">
             <a:extLst>
               <a:ext uri="{FF2B5EF4-FFF2-40B4-BE49-F238E27FC236}">
-                <a16:creationId xmlns="" xmlns:a16="http://schemas.microsoft.com/office/drawing/2014/main" id="{C45619DF-F101-4904-A04F-6621105A76DF}"/>
+                <a16:creationId xmlns:a16="http://schemas.microsoft.com/office/drawing/2014/main" xmlns="" id="{C45619DF-F101-4904-A04F-6621105A76DF}"/>
               </a:ext>
             </a:extLst>
           </p:cNvPr>
@@ -18236,7 +18419,7 @@
           <p:cNvPr id="48" name="Arrow: Right 47">
             <a:extLst>
               <a:ext uri="{FF2B5EF4-FFF2-40B4-BE49-F238E27FC236}">
-                <a16:creationId xmlns="" xmlns:a16="http://schemas.microsoft.com/office/drawing/2014/main" id="{2D05F327-8A08-41D8-93AF-95C1FFD2CEA2}"/>
+                <a16:creationId xmlns:a16="http://schemas.microsoft.com/office/drawing/2014/main" xmlns="" id="{2D05F327-8A08-41D8-93AF-95C1FFD2CEA2}"/>
               </a:ext>
             </a:extLst>
           </p:cNvPr>
@@ -18296,7 +18479,7 @@
           <p:cNvPr id="49" name="Arrow: Right 48">
             <a:extLst>
               <a:ext uri="{FF2B5EF4-FFF2-40B4-BE49-F238E27FC236}">
-                <a16:creationId xmlns="" xmlns:a16="http://schemas.microsoft.com/office/drawing/2014/main" id="{12342E48-7442-40ED-B882-627321DA0B53}"/>
+                <a16:creationId xmlns:a16="http://schemas.microsoft.com/office/drawing/2014/main" xmlns="" id="{12342E48-7442-40ED-B882-627321DA0B53}"/>
               </a:ext>
             </a:extLst>
           </p:cNvPr>
@@ -18356,7 +18539,7 @@
           <p:cNvPr id="50" name="Arrow: Right 49">
             <a:extLst>
               <a:ext uri="{FF2B5EF4-FFF2-40B4-BE49-F238E27FC236}">
-                <a16:creationId xmlns="" xmlns:a16="http://schemas.microsoft.com/office/drawing/2014/main" id="{67754761-3E3A-47A7-9447-7C60AA0E0358}"/>
+                <a16:creationId xmlns:a16="http://schemas.microsoft.com/office/drawing/2014/main" xmlns="" id="{67754761-3E3A-47A7-9447-7C60AA0E0358}"/>
               </a:ext>
             </a:extLst>
           </p:cNvPr>
@@ -19038,7 +19221,7 @@
 </p:sld>
 </file>
 
-<file path=ppt/slides/slide23.xml><?xml version="1.0" encoding="utf-8"?>
+<file path=ppt/slides/slide24.xml><?xml version="1.0" encoding="utf-8"?>
 <p:sld xmlns:a="http://schemas.openxmlformats.org/drawingml/2006/main" xmlns:r="http://schemas.openxmlformats.org/officeDocument/2006/relationships" xmlns:p="http://schemas.openxmlformats.org/presentationml/2006/main">
   <p:cSld>
     <p:spTree>
@@ -19060,7 +19243,7 @@
           <p:cNvPr id="2" name="Title 1">
             <a:extLst>
               <a:ext uri="{FF2B5EF4-FFF2-40B4-BE49-F238E27FC236}">
-                <a16:creationId xmlns="" xmlns:a16="http://schemas.microsoft.com/office/drawing/2014/main" id="{22DAD01F-DC17-4CB9-A59E-3B88FC10ACC0}"/>
+                <a16:creationId xmlns:a16="http://schemas.microsoft.com/office/drawing/2014/main" xmlns="" id="{22DAD01F-DC17-4CB9-A59E-3B88FC10ACC0}"/>
               </a:ext>
             </a:extLst>
           </p:cNvPr>
@@ -19091,7 +19274,7 @@
           <p:cNvPr id="4" name="Picture 6" descr="A close up of a logo&#10;&#10;Description generated with very high confidence">
             <a:extLst>
               <a:ext uri="{FF2B5EF4-FFF2-40B4-BE49-F238E27FC236}">
-                <a16:creationId xmlns="" xmlns:a16="http://schemas.microsoft.com/office/drawing/2014/main" id="{C0330C5C-C655-42A8-BF9C-90E788CC6A92}"/>
+                <a16:creationId xmlns:a16="http://schemas.microsoft.com/office/drawing/2014/main" xmlns="" id="{C0330C5C-C655-42A8-BF9C-90E788CC6A92}"/>
               </a:ext>
             </a:extLst>
           </p:cNvPr>
@@ -19126,7 +19309,7 @@
           <p:cNvPr id="6" name="Picture 9" descr="A picture containing drawing&#10;&#10;Description generated with very high confidence">
             <a:extLst>
               <a:ext uri="{FF2B5EF4-FFF2-40B4-BE49-F238E27FC236}">
-                <a16:creationId xmlns="" xmlns:a16="http://schemas.microsoft.com/office/drawing/2014/main" id="{69BBBA96-ED0F-4961-8C6B-6543A7A55BAE}"/>
+                <a16:creationId xmlns:a16="http://schemas.microsoft.com/office/drawing/2014/main" xmlns="" id="{69BBBA96-ED0F-4961-8C6B-6543A7A55BAE}"/>
               </a:ext>
             </a:extLst>
           </p:cNvPr>
@@ -19159,7 +19342,7 @@
           <p:cNvPr id="8" name="Picture 11" descr="A picture containing object, clock, meter&#10;&#10;Description generated with very high confidence">
             <a:extLst>
               <a:ext uri="{FF2B5EF4-FFF2-40B4-BE49-F238E27FC236}">
-                <a16:creationId xmlns="" xmlns:a16="http://schemas.microsoft.com/office/drawing/2014/main" id="{FF7323CE-66D1-43A5-B3E1-17A59B7D36B4}"/>
+                <a16:creationId xmlns:a16="http://schemas.microsoft.com/office/drawing/2014/main" xmlns="" id="{FF7323CE-66D1-43A5-B3E1-17A59B7D36B4}"/>
               </a:ext>
             </a:extLst>
           </p:cNvPr>
@@ -19192,7 +19375,7 @@
           <p:cNvPr id="43" name="Picture 43" descr="A close up of a logo&#10;&#10;Description generated with very high confidence">
             <a:extLst>
               <a:ext uri="{FF2B5EF4-FFF2-40B4-BE49-F238E27FC236}">
-                <a16:creationId xmlns="" xmlns:a16="http://schemas.microsoft.com/office/drawing/2014/main" id="{BAC78DDE-16D4-4F26-B28A-84F4415D8648}"/>
+                <a16:creationId xmlns:a16="http://schemas.microsoft.com/office/drawing/2014/main" xmlns="" id="{BAC78DDE-16D4-4F26-B28A-84F4415D8648}"/>
               </a:ext>
             </a:extLst>
           </p:cNvPr>
@@ -19222,7 +19405,7 @@
           <p:cNvPr id="45" name="Picture 45" descr="A picture containing clock&#10;&#10;Description generated with very high confidence">
             <a:extLst>
               <a:ext uri="{FF2B5EF4-FFF2-40B4-BE49-F238E27FC236}">
-                <a16:creationId xmlns="" xmlns:a16="http://schemas.microsoft.com/office/drawing/2014/main" id="{597ACDCF-1672-40B5-A8BF-D0F2FE28A71F}"/>
+                <a16:creationId xmlns:a16="http://schemas.microsoft.com/office/drawing/2014/main" xmlns="" id="{597ACDCF-1672-40B5-A8BF-D0F2FE28A71F}"/>
               </a:ext>
             </a:extLst>
           </p:cNvPr>
@@ -19252,7 +19435,7 @@
           <p:cNvPr id="47" name="Picture 40" descr="A close up of a logo&#10;&#10;Description generated with very high confidence">
             <a:extLst>
               <a:ext uri="{FF2B5EF4-FFF2-40B4-BE49-F238E27FC236}">
-                <a16:creationId xmlns="" xmlns:a16="http://schemas.microsoft.com/office/drawing/2014/main" id="{C45619DF-F101-4904-A04F-6621105A76DF}"/>
+                <a16:creationId xmlns:a16="http://schemas.microsoft.com/office/drawing/2014/main" xmlns="" id="{C45619DF-F101-4904-A04F-6621105A76DF}"/>
               </a:ext>
             </a:extLst>
           </p:cNvPr>
@@ -19282,7 +19465,7 @@
           <p:cNvPr id="5" name="Picture 6" descr="A close up of a logo&#10;&#10;Description generated with very high confidence">
             <a:extLst>
               <a:ext uri="{FF2B5EF4-FFF2-40B4-BE49-F238E27FC236}">
-                <a16:creationId xmlns="" xmlns:a16="http://schemas.microsoft.com/office/drawing/2014/main" id="{BDB7C2E2-E916-4966-8640-B17B4BE28F3F}"/>
+                <a16:creationId xmlns:a16="http://schemas.microsoft.com/office/drawing/2014/main" xmlns="" id="{BDB7C2E2-E916-4966-8640-B17B4BE28F3F}"/>
               </a:ext>
             </a:extLst>
           </p:cNvPr>
@@ -19312,7 +19495,7 @@
           <p:cNvPr id="10" name="Picture 11" descr="A close up of a logo&#10;&#10;Description generated with very high confidence">
             <a:extLst>
               <a:ext uri="{FF2B5EF4-FFF2-40B4-BE49-F238E27FC236}">
-                <a16:creationId xmlns="" xmlns:a16="http://schemas.microsoft.com/office/drawing/2014/main" id="{775D7EFD-73DC-464B-8B91-4E49077509A6}"/>
+                <a16:creationId xmlns:a16="http://schemas.microsoft.com/office/drawing/2014/main" xmlns="" id="{775D7EFD-73DC-464B-8B91-4E49077509A6}"/>
               </a:ext>
             </a:extLst>
           </p:cNvPr>
@@ -19342,7 +19525,7 @@
           <p:cNvPr id="13" name="Picture 13" descr="A picture containing object, clock&#10;&#10;Description generated with very high confidence">
             <a:extLst>
               <a:ext uri="{FF2B5EF4-FFF2-40B4-BE49-F238E27FC236}">
-                <a16:creationId xmlns="" xmlns:a16="http://schemas.microsoft.com/office/drawing/2014/main" id="{5D923562-CC12-4447-985D-D04FC150126A}"/>
+                <a16:creationId xmlns:a16="http://schemas.microsoft.com/office/drawing/2014/main" xmlns="" id="{5D923562-CC12-4447-985D-D04FC150126A}"/>
               </a:ext>
             </a:extLst>
           </p:cNvPr>
@@ -19372,7 +19555,7 @@
           <p:cNvPr id="15" name="Picture 15" descr="A picture containing drawing&#10;&#10;Description generated with very high confidence">
             <a:extLst>
               <a:ext uri="{FF2B5EF4-FFF2-40B4-BE49-F238E27FC236}">
-                <a16:creationId xmlns="" xmlns:a16="http://schemas.microsoft.com/office/drawing/2014/main" id="{B93A8413-1715-41F4-9B7A-755CE9CFF50E}"/>
+                <a16:creationId xmlns:a16="http://schemas.microsoft.com/office/drawing/2014/main" xmlns="" id="{B93A8413-1715-41F4-9B7A-755CE9CFF50E}"/>
               </a:ext>
             </a:extLst>
           </p:cNvPr>
@@ -19402,7 +19585,7 @@
           <p:cNvPr id="19" name="Picture 19" descr="A close up of a logo&#10;&#10;Description generated with very high confidence">
             <a:extLst>
               <a:ext uri="{FF2B5EF4-FFF2-40B4-BE49-F238E27FC236}">
-                <a16:creationId xmlns="" xmlns:a16="http://schemas.microsoft.com/office/drawing/2014/main" id="{BF193353-5A74-4226-BBC8-CE1F5810E6E0}"/>
+                <a16:creationId xmlns:a16="http://schemas.microsoft.com/office/drawing/2014/main" xmlns="" id="{BF193353-5A74-4226-BBC8-CE1F5810E6E0}"/>
               </a:ext>
             </a:extLst>
           </p:cNvPr>
@@ -19432,7 +19615,7 @@
           <p:cNvPr id="21" name="TextBox 20">
             <a:extLst>
               <a:ext uri="{FF2B5EF4-FFF2-40B4-BE49-F238E27FC236}">
-                <a16:creationId xmlns="" xmlns:a16="http://schemas.microsoft.com/office/drawing/2014/main" id="{EB90B60B-55B1-438E-94CD-FD27D4371DD6}"/>
+                <a16:creationId xmlns:a16="http://schemas.microsoft.com/office/drawing/2014/main" xmlns="" id="{EB90B60B-55B1-438E-94CD-FD27D4371DD6}"/>
               </a:ext>
             </a:extLst>
           </p:cNvPr>
@@ -19471,7 +19654,7 @@
           <p:cNvPr id="22" name="Picture 16" descr="A close up of a logo&#10;&#10;Description generated with very high confidence">
             <a:extLst>
               <a:ext uri="{FF2B5EF4-FFF2-40B4-BE49-F238E27FC236}">
-                <a16:creationId xmlns="" xmlns:a16="http://schemas.microsoft.com/office/drawing/2014/main" id="{4B263D8A-1697-4233-B5A8-A0666187F79A}"/>
+                <a16:creationId xmlns:a16="http://schemas.microsoft.com/office/drawing/2014/main" xmlns="" id="{4B263D8A-1697-4233-B5A8-A0666187F79A}"/>
               </a:ext>
             </a:extLst>
           </p:cNvPr>
@@ -19506,7 +19689,7 @@
           <p:cNvPr id="25" name="Right Brace 24">
             <a:extLst>
               <a:ext uri="{FF2B5EF4-FFF2-40B4-BE49-F238E27FC236}">
-                <a16:creationId xmlns="" xmlns:a16="http://schemas.microsoft.com/office/drawing/2014/main" id="{B123DDFB-BA27-413F-8F72-48EF2FDDE207}"/>
+                <a16:creationId xmlns:a16="http://schemas.microsoft.com/office/drawing/2014/main" xmlns="" id="{B123DDFB-BA27-413F-8F72-48EF2FDDE207}"/>
               </a:ext>
             </a:extLst>
           </p:cNvPr>
@@ -19558,7 +19741,7 @@
           <p:cNvPr id="41" name="Right Brace 40">
             <a:extLst>
               <a:ext uri="{FF2B5EF4-FFF2-40B4-BE49-F238E27FC236}">
-                <a16:creationId xmlns="" xmlns:a16="http://schemas.microsoft.com/office/drawing/2014/main" id="{8D8C0313-13A4-4FAA-9612-4D1FC8C80DFF}"/>
+                <a16:creationId xmlns:a16="http://schemas.microsoft.com/office/drawing/2014/main" xmlns="" id="{8D8C0313-13A4-4FAA-9612-4D1FC8C80DFF}"/>
               </a:ext>
             </a:extLst>
           </p:cNvPr>
@@ -19610,7 +19793,7 @@
           <p:cNvPr id="27" name="Picture 28" descr="A close up of a sign&#10;&#10;Description generated with high confidence">
             <a:extLst>
               <a:ext uri="{FF2B5EF4-FFF2-40B4-BE49-F238E27FC236}">
-                <a16:creationId xmlns="" xmlns:a16="http://schemas.microsoft.com/office/drawing/2014/main" id="{A9F7282D-9E32-4A50-84EA-BE35636CF009}"/>
+                <a16:creationId xmlns:a16="http://schemas.microsoft.com/office/drawing/2014/main" xmlns="" id="{A9F7282D-9E32-4A50-84EA-BE35636CF009}"/>
               </a:ext>
             </a:extLst>
           </p:cNvPr>
@@ -19640,7 +19823,7 @@
           <p:cNvPr id="31" name="Picture 32" descr="A close up of a logo&#10;&#10;Description generated with very high confidence">
             <a:extLst>
               <a:ext uri="{FF2B5EF4-FFF2-40B4-BE49-F238E27FC236}">
-                <a16:creationId xmlns="" xmlns:a16="http://schemas.microsoft.com/office/drawing/2014/main" id="{7D7F121C-1B9A-47CF-A882-FA34E6A6E361}"/>
+                <a16:creationId xmlns:a16="http://schemas.microsoft.com/office/drawing/2014/main" xmlns="" id="{7D7F121C-1B9A-47CF-A882-FA34E6A6E361}"/>
               </a:ext>
             </a:extLst>
           </p:cNvPr>
@@ -19670,7 +19853,7 @@
           <p:cNvPr id="36" name="Picture 38" descr="A close up of a logo&#10;&#10;Description generated with very high confidence">
             <a:extLst>
               <a:ext uri="{FF2B5EF4-FFF2-40B4-BE49-F238E27FC236}">
-                <a16:creationId xmlns="" xmlns:a16="http://schemas.microsoft.com/office/drawing/2014/main" id="{420FFD42-44DD-44E8-A92B-9618CCA5334E}"/>
+                <a16:creationId xmlns:a16="http://schemas.microsoft.com/office/drawing/2014/main" xmlns="" id="{420FFD42-44DD-44E8-A92B-9618CCA5334E}"/>
               </a:ext>
             </a:extLst>
           </p:cNvPr>
@@ -19700,7 +19883,7 @@
           <p:cNvPr id="42" name="TextBox 41">
             <a:extLst>
               <a:ext uri="{FF2B5EF4-FFF2-40B4-BE49-F238E27FC236}">
-                <a16:creationId xmlns="" xmlns:a16="http://schemas.microsoft.com/office/drawing/2014/main" id="{4A1648FC-A785-47A2-972E-144548C6A37A}"/>
+                <a16:creationId xmlns:a16="http://schemas.microsoft.com/office/drawing/2014/main" xmlns="" id="{4A1648FC-A785-47A2-972E-144548C6A37A}"/>
               </a:ext>
             </a:extLst>
           </p:cNvPr>
@@ -19763,7 +19946,7 @@
           <p:cNvPr id="23" name="Arrow: Right 47">
             <a:extLst>
               <a:ext uri="{FF2B5EF4-FFF2-40B4-BE49-F238E27FC236}">
-                <a16:creationId xmlns="" xmlns:a16="http://schemas.microsoft.com/office/drawing/2014/main" id="{2D05F327-8A08-41D8-93AF-95C1FFD2CEA2}"/>
+                <a16:creationId xmlns:a16="http://schemas.microsoft.com/office/drawing/2014/main" xmlns="" id="{2D05F327-8A08-41D8-93AF-95C1FFD2CEA2}"/>
               </a:ext>
             </a:extLst>
           </p:cNvPr>
@@ -19823,7 +20006,7 @@
           <p:cNvPr id="24" name="Arrow: Right 47">
             <a:extLst>
               <a:ext uri="{FF2B5EF4-FFF2-40B4-BE49-F238E27FC236}">
-                <a16:creationId xmlns="" xmlns:a16="http://schemas.microsoft.com/office/drawing/2014/main" id="{2D05F327-8A08-41D8-93AF-95C1FFD2CEA2}"/>
+                <a16:creationId xmlns:a16="http://schemas.microsoft.com/office/drawing/2014/main" xmlns="" id="{2D05F327-8A08-41D8-93AF-95C1FFD2CEA2}"/>
               </a:ext>
             </a:extLst>
           </p:cNvPr>
@@ -19883,7 +20066,7 @@
           <p:cNvPr id="26" name="Arrow: Right 47">
             <a:extLst>
               <a:ext uri="{FF2B5EF4-FFF2-40B4-BE49-F238E27FC236}">
-                <a16:creationId xmlns="" xmlns:a16="http://schemas.microsoft.com/office/drawing/2014/main" id="{2D05F327-8A08-41D8-93AF-95C1FFD2CEA2}"/>
+                <a16:creationId xmlns:a16="http://schemas.microsoft.com/office/drawing/2014/main" xmlns="" id="{2D05F327-8A08-41D8-93AF-95C1FFD2CEA2}"/>
               </a:ext>
             </a:extLst>
           </p:cNvPr>
@@ -20704,7 +20887,7 @@
 </p:sld>
 </file>
 
-<file path=ppt/slides/slide24.xml><?xml version="1.0" encoding="utf-8"?>
+<file path=ppt/slides/slide25.xml><?xml version="1.0" encoding="utf-8"?>
 <p:sld xmlns:a="http://schemas.openxmlformats.org/drawingml/2006/main" xmlns:r="http://schemas.openxmlformats.org/officeDocument/2006/relationships" xmlns:p="http://schemas.openxmlformats.org/presentationml/2006/main">
   <p:cSld>
     <p:spTree>
@@ -20726,7 +20909,7 @@
           <p:cNvPr id="4" name="Picture 6" descr="A close up of a logo&#10;&#10;Description generated with very high confidence">
             <a:extLst>
               <a:ext uri="{FF2B5EF4-FFF2-40B4-BE49-F238E27FC236}">
-                <a16:creationId xmlns="" xmlns:a16="http://schemas.microsoft.com/office/drawing/2014/main" id="{C0330C5C-C655-42A8-BF9C-90E788CC6A92}"/>
+                <a16:creationId xmlns:a16="http://schemas.microsoft.com/office/drawing/2014/main" xmlns="" id="{C0330C5C-C655-42A8-BF9C-90E788CC6A92}"/>
               </a:ext>
             </a:extLst>
           </p:cNvPr>
@@ -20761,7 +20944,7 @@
           <p:cNvPr id="6" name="Picture 9" descr="A picture containing drawing&#10;&#10;Description generated with very high confidence">
             <a:extLst>
               <a:ext uri="{FF2B5EF4-FFF2-40B4-BE49-F238E27FC236}">
-                <a16:creationId xmlns="" xmlns:a16="http://schemas.microsoft.com/office/drawing/2014/main" id="{69BBBA96-ED0F-4961-8C6B-6543A7A55BAE}"/>
+                <a16:creationId xmlns:a16="http://schemas.microsoft.com/office/drawing/2014/main" xmlns="" id="{69BBBA96-ED0F-4961-8C6B-6543A7A55BAE}"/>
               </a:ext>
             </a:extLst>
           </p:cNvPr>
@@ -20794,7 +20977,7 @@
           <p:cNvPr id="8" name="Picture 11" descr="A picture containing object, clock, meter&#10;&#10;Description generated with very high confidence">
             <a:extLst>
               <a:ext uri="{FF2B5EF4-FFF2-40B4-BE49-F238E27FC236}">
-                <a16:creationId xmlns="" xmlns:a16="http://schemas.microsoft.com/office/drawing/2014/main" id="{FF7323CE-66D1-43A5-B3E1-17A59B7D36B4}"/>
+                <a16:creationId xmlns:a16="http://schemas.microsoft.com/office/drawing/2014/main" xmlns="" id="{FF7323CE-66D1-43A5-B3E1-17A59B7D36B4}"/>
               </a:ext>
             </a:extLst>
           </p:cNvPr>
@@ -20827,7 +21010,7 @@
           <p:cNvPr id="9" name="Picture 9" descr="A close up of a logo&#10;&#10;Description generated with very high confidence">
             <a:extLst>
               <a:ext uri="{FF2B5EF4-FFF2-40B4-BE49-F238E27FC236}">
-                <a16:creationId xmlns="" xmlns:a16="http://schemas.microsoft.com/office/drawing/2014/main" id="{FE7DD4F2-A92E-4806-B792-8484FE70F8E3}"/>
+                <a16:creationId xmlns:a16="http://schemas.microsoft.com/office/drawing/2014/main" xmlns="" id="{FE7DD4F2-A92E-4806-B792-8484FE70F8E3}"/>
               </a:ext>
             </a:extLst>
           </p:cNvPr>
@@ -20857,7 +21040,7 @@
           <p:cNvPr id="18" name="Picture 18" descr="A picture containing clock&#10;&#10;Description generated with very high confidence">
             <a:extLst>
               <a:ext uri="{FF2B5EF4-FFF2-40B4-BE49-F238E27FC236}">
-                <a16:creationId xmlns="" xmlns:a16="http://schemas.microsoft.com/office/drawing/2014/main" id="{0554376B-EDEF-4D1D-9EAE-F4D103F6E769}"/>
+                <a16:creationId xmlns:a16="http://schemas.microsoft.com/office/drawing/2014/main" xmlns="" id="{0554376B-EDEF-4D1D-9EAE-F4D103F6E769}"/>
               </a:ext>
             </a:extLst>
           </p:cNvPr>
@@ -20887,7 +21070,7 @@
           <p:cNvPr id="24" name="Picture 24" descr="A picture containing clock, flower&#10;&#10;Description generated with very high confidence">
             <a:extLst>
               <a:ext uri="{FF2B5EF4-FFF2-40B4-BE49-F238E27FC236}">
-                <a16:creationId xmlns="" xmlns:a16="http://schemas.microsoft.com/office/drawing/2014/main" id="{A539457C-5E7D-4840-803E-FB9943A9E863}"/>
+                <a16:creationId xmlns:a16="http://schemas.microsoft.com/office/drawing/2014/main" xmlns="" id="{A539457C-5E7D-4840-803E-FB9943A9E863}"/>
               </a:ext>
             </a:extLst>
           </p:cNvPr>
@@ -20917,7 +21100,7 @@
           <p:cNvPr id="26" name="Picture 26" descr="A picture containing drawing&#10;&#10;Description generated with very high confidence">
             <a:extLst>
               <a:ext uri="{FF2B5EF4-FFF2-40B4-BE49-F238E27FC236}">
-                <a16:creationId xmlns="" xmlns:a16="http://schemas.microsoft.com/office/drawing/2014/main" id="{E9BBDA87-9334-48F6-B549-DF8332853EB8}"/>
+                <a16:creationId xmlns:a16="http://schemas.microsoft.com/office/drawing/2014/main" xmlns="" id="{E9BBDA87-9334-48F6-B549-DF8332853EB8}"/>
               </a:ext>
             </a:extLst>
           </p:cNvPr>
@@ -20947,7 +21130,7 @@
           <p:cNvPr id="30" name="Picture 30" descr="A picture containing clock, meter&#10;&#10;Description generated with very high confidence">
             <a:extLst>
               <a:ext uri="{FF2B5EF4-FFF2-40B4-BE49-F238E27FC236}">
-                <a16:creationId xmlns="" xmlns:a16="http://schemas.microsoft.com/office/drawing/2014/main" id="{869F45C0-BEFD-4D0A-A30C-E3DE4CED26A1}"/>
+                <a16:creationId xmlns:a16="http://schemas.microsoft.com/office/drawing/2014/main" xmlns="" id="{869F45C0-BEFD-4D0A-A30C-E3DE4CED26A1}"/>
               </a:ext>
             </a:extLst>
           </p:cNvPr>
@@ -20977,7 +21160,7 @@
           <p:cNvPr id="32" name="Picture 32" descr="A close up of a logo&#10;&#10;Description generated with very high confidence">
             <a:extLst>
               <a:ext uri="{FF2B5EF4-FFF2-40B4-BE49-F238E27FC236}">
-                <a16:creationId xmlns="" xmlns:a16="http://schemas.microsoft.com/office/drawing/2014/main" id="{1ACF1988-3C5A-413A-B927-C4F08B32DC61}"/>
+                <a16:creationId xmlns:a16="http://schemas.microsoft.com/office/drawing/2014/main" xmlns="" id="{1ACF1988-3C5A-413A-B927-C4F08B32DC61}"/>
               </a:ext>
             </a:extLst>
           </p:cNvPr>
@@ -21007,7 +21190,7 @@
           <p:cNvPr id="48" name="Arrow: Right 47">
             <a:extLst>
               <a:ext uri="{FF2B5EF4-FFF2-40B4-BE49-F238E27FC236}">
-                <a16:creationId xmlns="" xmlns:a16="http://schemas.microsoft.com/office/drawing/2014/main" id="{2D05F327-8A08-41D8-93AF-95C1FFD2CEA2}"/>
+                <a16:creationId xmlns:a16="http://schemas.microsoft.com/office/drawing/2014/main" xmlns="" id="{2D05F327-8A08-41D8-93AF-95C1FFD2CEA2}"/>
               </a:ext>
             </a:extLst>
           </p:cNvPr>
@@ -21067,7 +21250,7 @@
           <p:cNvPr id="49" name="Arrow: Right 48">
             <a:extLst>
               <a:ext uri="{FF2B5EF4-FFF2-40B4-BE49-F238E27FC236}">
-                <a16:creationId xmlns="" xmlns:a16="http://schemas.microsoft.com/office/drawing/2014/main" id="{12342E48-7442-40ED-B882-627321DA0B53}"/>
+                <a16:creationId xmlns:a16="http://schemas.microsoft.com/office/drawing/2014/main" xmlns="" id="{12342E48-7442-40ED-B882-627321DA0B53}"/>
               </a:ext>
             </a:extLst>
           </p:cNvPr>
@@ -21127,7 +21310,7 @@
           <p:cNvPr id="7" name="Picture 9" descr="A picture containing drawing, clock&#10;&#10;Description generated with very high confidence">
             <a:extLst>
               <a:ext uri="{FF2B5EF4-FFF2-40B4-BE49-F238E27FC236}">
-                <a16:creationId xmlns="" xmlns:a16="http://schemas.microsoft.com/office/drawing/2014/main" id="{E3BBF243-DE79-4A22-BEF9-948645E23353}"/>
+                <a16:creationId xmlns:a16="http://schemas.microsoft.com/office/drawing/2014/main" xmlns="" id="{E3BBF243-DE79-4A22-BEF9-948645E23353}"/>
               </a:ext>
             </a:extLst>
           </p:cNvPr>
@@ -21157,7 +21340,7 @@
           <p:cNvPr id="11" name="Picture 11" descr="A close up of a logo&#10;&#10;Description generated with very high confidence">
             <a:extLst>
               <a:ext uri="{FF2B5EF4-FFF2-40B4-BE49-F238E27FC236}">
-                <a16:creationId xmlns="" xmlns:a16="http://schemas.microsoft.com/office/drawing/2014/main" id="{D8A39830-8EDF-46BA-BE71-70D4C02DC930}"/>
+                <a16:creationId xmlns:a16="http://schemas.microsoft.com/office/drawing/2014/main" xmlns="" id="{D8A39830-8EDF-46BA-BE71-70D4C02DC930}"/>
               </a:ext>
             </a:extLst>
           </p:cNvPr>
@@ -21478,7 +21661,7 @@
 </p:sld>
 </file>
 
-<file path=ppt/slides/slide25.xml><?xml version="1.0" encoding="utf-8"?>
+<file path=ppt/slides/slide26.xml><?xml version="1.0" encoding="utf-8"?>
 <p:sld xmlns:a="http://schemas.openxmlformats.org/drawingml/2006/main" xmlns:r="http://schemas.openxmlformats.org/officeDocument/2006/relationships" xmlns:p="http://schemas.openxmlformats.org/presentationml/2006/main">
   <p:cSld>
     <p:spTree>
@@ -21500,7 +21683,7 @@
           <p:cNvPr id="2" name="Title 1">
             <a:extLst>
               <a:ext uri="{FF2B5EF4-FFF2-40B4-BE49-F238E27FC236}">
-                <a16:creationId xmlns="" xmlns:a16="http://schemas.microsoft.com/office/drawing/2014/main" id="{22DAD01F-DC17-4CB9-A59E-3B88FC10ACC0}"/>
+                <a16:creationId xmlns:a16="http://schemas.microsoft.com/office/drawing/2014/main" xmlns="" id="{22DAD01F-DC17-4CB9-A59E-3B88FC10ACC0}"/>
               </a:ext>
             </a:extLst>
           </p:cNvPr>
@@ -21531,7 +21714,7 @@
           <p:cNvPr id="4" name="Picture 6" descr="A close up of a logo&#10;&#10;Description generated with very high confidence">
             <a:extLst>
               <a:ext uri="{FF2B5EF4-FFF2-40B4-BE49-F238E27FC236}">
-                <a16:creationId xmlns="" xmlns:a16="http://schemas.microsoft.com/office/drawing/2014/main" id="{C0330C5C-C655-42A8-BF9C-90E788CC6A92}"/>
+                <a16:creationId xmlns:a16="http://schemas.microsoft.com/office/drawing/2014/main" xmlns="" id="{C0330C5C-C655-42A8-BF9C-90E788CC6A92}"/>
               </a:ext>
             </a:extLst>
           </p:cNvPr>
@@ -21566,7 +21749,7 @@
           <p:cNvPr id="6" name="Picture 9" descr="A picture containing drawing&#10;&#10;Description generated with very high confidence">
             <a:extLst>
               <a:ext uri="{FF2B5EF4-FFF2-40B4-BE49-F238E27FC236}">
-                <a16:creationId xmlns="" xmlns:a16="http://schemas.microsoft.com/office/drawing/2014/main" id="{69BBBA96-ED0F-4961-8C6B-6543A7A55BAE}"/>
+                <a16:creationId xmlns:a16="http://schemas.microsoft.com/office/drawing/2014/main" xmlns="" id="{69BBBA96-ED0F-4961-8C6B-6543A7A55BAE}"/>
               </a:ext>
             </a:extLst>
           </p:cNvPr>
@@ -21599,7 +21782,7 @@
           <p:cNvPr id="8" name="Picture 11" descr="A picture containing object, clock, meter&#10;&#10;Description generated with very high confidence">
             <a:extLst>
               <a:ext uri="{FF2B5EF4-FFF2-40B4-BE49-F238E27FC236}">
-                <a16:creationId xmlns="" xmlns:a16="http://schemas.microsoft.com/office/drawing/2014/main" id="{FF7323CE-66D1-43A5-B3E1-17A59B7D36B4}"/>
+                <a16:creationId xmlns:a16="http://schemas.microsoft.com/office/drawing/2014/main" xmlns="" id="{FF7323CE-66D1-43A5-B3E1-17A59B7D36B4}"/>
               </a:ext>
             </a:extLst>
           </p:cNvPr>
@@ -21632,7 +21815,7 @@
           <p:cNvPr id="36" name="Picture 38" descr="A close up of a logo&#10;&#10;Description generated with very high confidence">
             <a:extLst>
               <a:ext uri="{FF2B5EF4-FFF2-40B4-BE49-F238E27FC236}">
-                <a16:creationId xmlns="" xmlns:a16="http://schemas.microsoft.com/office/drawing/2014/main" id="{420FFD42-44DD-44E8-A92B-9618CCA5334E}"/>
+                <a16:creationId xmlns:a16="http://schemas.microsoft.com/office/drawing/2014/main" xmlns="" id="{420FFD42-44DD-44E8-A92B-9618CCA5334E}"/>
               </a:ext>
             </a:extLst>
           </p:cNvPr>
@@ -21662,7 +21845,7 @@
           <p:cNvPr id="42" name="TextBox 41">
             <a:extLst>
               <a:ext uri="{FF2B5EF4-FFF2-40B4-BE49-F238E27FC236}">
-                <a16:creationId xmlns="" xmlns:a16="http://schemas.microsoft.com/office/drawing/2014/main" id="{4A1648FC-A785-47A2-972E-144548C6A37A}"/>
+                <a16:creationId xmlns:a16="http://schemas.microsoft.com/office/drawing/2014/main" xmlns="" id="{4A1648FC-A785-47A2-972E-144548C6A37A}"/>
               </a:ext>
             </a:extLst>
           </p:cNvPr>
@@ -21725,7 +21908,7 @@
           <p:cNvPr id="3" name="Picture 6" descr="A close up of a logo&#10;&#10;Description generated with very high confidence">
             <a:extLst>
               <a:ext uri="{FF2B5EF4-FFF2-40B4-BE49-F238E27FC236}">
-                <a16:creationId xmlns="" xmlns:a16="http://schemas.microsoft.com/office/drawing/2014/main" id="{EB0483D7-19D7-4ABE-BBD1-92C485E92A96}"/>
+                <a16:creationId xmlns:a16="http://schemas.microsoft.com/office/drawing/2014/main" xmlns="" id="{EB0483D7-19D7-4ABE-BBD1-92C485E92A96}"/>
               </a:ext>
             </a:extLst>
           </p:cNvPr>
@@ -21755,7 +21938,7 @@
           <p:cNvPr id="14" name="Picture 15" descr="A picture containing drawing&#10;&#10;Description generated with very high confidence">
             <a:extLst>
               <a:ext uri="{FF2B5EF4-FFF2-40B4-BE49-F238E27FC236}">
-                <a16:creationId xmlns="" xmlns:a16="http://schemas.microsoft.com/office/drawing/2014/main" id="{67173B02-00E6-431E-B1D9-2ED1D4D3BC15}"/>
+                <a16:creationId xmlns:a16="http://schemas.microsoft.com/office/drawing/2014/main" xmlns="" id="{67173B02-00E6-431E-B1D9-2ED1D4D3BC15}"/>
               </a:ext>
             </a:extLst>
           </p:cNvPr>
@@ -21785,7 +21968,7 @@
           <p:cNvPr id="17" name="Picture 17" descr="A close up of a sign&#10;&#10;Description generated with high confidence">
             <a:extLst>
               <a:ext uri="{FF2B5EF4-FFF2-40B4-BE49-F238E27FC236}">
-                <a16:creationId xmlns="" xmlns:a16="http://schemas.microsoft.com/office/drawing/2014/main" id="{0A8A96EA-BC25-47CB-9481-2730C59E39A6}"/>
+                <a16:creationId xmlns:a16="http://schemas.microsoft.com/office/drawing/2014/main" xmlns="" id="{0A8A96EA-BC25-47CB-9481-2730C59E39A6}"/>
               </a:ext>
             </a:extLst>
           </p:cNvPr>
@@ -21815,7 +21998,7 @@
           <p:cNvPr id="20" name="Picture 22" descr="A close up of a logo&#10;&#10;Description generated with very high confidence">
             <a:extLst>
               <a:ext uri="{FF2B5EF4-FFF2-40B4-BE49-F238E27FC236}">
-                <a16:creationId xmlns="" xmlns:a16="http://schemas.microsoft.com/office/drawing/2014/main" id="{37451824-955B-48FC-A9FB-296A676691EB}"/>
+                <a16:creationId xmlns:a16="http://schemas.microsoft.com/office/drawing/2014/main" xmlns="" id="{37451824-955B-48FC-A9FB-296A676691EB}"/>
               </a:ext>
             </a:extLst>
           </p:cNvPr>
@@ -21845,7 +22028,7 @@
           <p:cNvPr id="30" name="TextBox 29">
             <a:extLst>
               <a:ext uri="{FF2B5EF4-FFF2-40B4-BE49-F238E27FC236}">
-                <a16:creationId xmlns="" xmlns:a16="http://schemas.microsoft.com/office/drawing/2014/main" id="{BE57CFEE-F67A-4F41-9B77-19FF3D26D989}"/>
+                <a16:creationId xmlns:a16="http://schemas.microsoft.com/office/drawing/2014/main" xmlns="" id="{BE57CFEE-F67A-4F41-9B77-19FF3D26D989}"/>
               </a:ext>
             </a:extLst>
           </p:cNvPr>
@@ -21884,7 +22067,7 @@
           <p:cNvPr id="32" name="Picture 16" descr="A close up of a logo&#10;&#10;Description generated with very high confidence">
             <a:extLst>
               <a:ext uri="{FF2B5EF4-FFF2-40B4-BE49-F238E27FC236}">
-                <a16:creationId xmlns="" xmlns:a16="http://schemas.microsoft.com/office/drawing/2014/main" id="{B6710F19-314C-4D01-AF28-99CAA07A72BD}"/>
+                <a16:creationId xmlns:a16="http://schemas.microsoft.com/office/drawing/2014/main" xmlns="" id="{B6710F19-314C-4D01-AF28-99CAA07A72BD}"/>
               </a:ext>
             </a:extLst>
           </p:cNvPr>
@@ -21919,7 +22102,7 @@
           <p:cNvPr id="39" name="Picture 48">
             <a:extLst>
               <a:ext uri="{FF2B5EF4-FFF2-40B4-BE49-F238E27FC236}">
-                <a16:creationId xmlns="" xmlns:a16="http://schemas.microsoft.com/office/drawing/2014/main" id="{A41ED3DF-A72D-4512-BA28-3C8620D02B18}"/>
+                <a16:creationId xmlns:a16="http://schemas.microsoft.com/office/drawing/2014/main" xmlns="" id="{A41ED3DF-A72D-4512-BA28-3C8620D02B18}"/>
               </a:ext>
             </a:extLst>
           </p:cNvPr>
@@ -21960,7 +22143,7 @@
           <p:cNvPr id="50" name="Left Brace 49">
             <a:extLst>
               <a:ext uri="{FF2B5EF4-FFF2-40B4-BE49-F238E27FC236}">
-                <a16:creationId xmlns="" xmlns:a16="http://schemas.microsoft.com/office/drawing/2014/main" id="{B724A079-B0F7-4EA5-BD89-9E8660E7138E}"/>
+                <a16:creationId xmlns:a16="http://schemas.microsoft.com/office/drawing/2014/main" xmlns="" id="{B724A079-B0F7-4EA5-BD89-9E8660E7138E}"/>
               </a:ext>
             </a:extLst>
           </p:cNvPr>
@@ -22012,7 +22195,7 @@
           <p:cNvPr id="51" name="Left Brace 50">
             <a:extLst>
               <a:ext uri="{FF2B5EF4-FFF2-40B4-BE49-F238E27FC236}">
-                <a16:creationId xmlns="" xmlns:a16="http://schemas.microsoft.com/office/drawing/2014/main" id="{5CC00877-2B2F-4FF7-9F4E-CADACF95078F}"/>
+                <a16:creationId xmlns:a16="http://schemas.microsoft.com/office/drawing/2014/main" xmlns="" id="{5CC00877-2B2F-4FF7-9F4E-CADACF95078F}"/>
               </a:ext>
             </a:extLst>
           </p:cNvPr>
@@ -22064,7 +22247,7 @@
           <p:cNvPr id="52" name="Left Brace 51">
             <a:extLst>
               <a:ext uri="{FF2B5EF4-FFF2-40B4-BE49-F238E27FC236}">
-                <a16:creationId xmlns="" xmlns:a16="http://schemas.microsoft.com/office/drawing/2014/main" id="{13618B25-73AF-47A7-BEAF-393C5782156E}"/>
+                <a16:creationId xmlns:a16="http://schemas.microsoft.com/office/drawing/2014/main" xmlns="" id="{13618B25-73AF-47A7-BEAF-393C5782156E}"/>
               </a:ext>
             </a:extLst>
           </p:cNvPr>
@@ -22116,7 +22299,7 @@
           <p:cNvPr id="53" name="Left Brace 52">
             <a:extLst>
               <a:ext uri="{FF2B5EF4-FFF2-40B4-BE49-F238E27FC236}">
-                <a16:creationId xmlns="" xmlns:a16="http://schemas.microsoft.com/office/drawing/2014/main" id="{B0FCB8FB-0BF8-4D3B-A796-DF6C215E4800}"/>
+                <a16:creationId xmlns:a16="http://schemas.microsoft.com/office/drawing/2014/main" xmlns="" id="{B0FCB8FB-0BF8-4D3B-A796-DF6C215E4800}"/>
               </a:ext>
             </a:extLst>
           </p:cNvPr>
@@ -22168,7 +22351,7 @@
           <p:cNvPr id="54" name="Left Brace 53">
             <a:extLst>
               <a:ext uri="{FF2B5EF4-FFF2-40B4-BE49-F238E27FC236}">
-                <a16:creationId xmlns="" xmlns:a16="http://schemas.microsoft.com/office/drawing/2014/main" id="{878D048C-4583-4231-86E3-AD69D44F351C}"/>
+                <a16:creationId xmlns:a16="http://schemas.microsoft.com/office/drawing/2014/main" xmlns="" id="{878D048C-4583-4231-86E3-AD69D44F351C}"/>
               </a:ext>
             </a:extLst>
           </p:cNvPr>
@@ -22220,7 +22403,7 @@
           <p:cNvPr id="56" name="Left Brace 55">
             <a:extLst>
               <a:ext uri="{FF2B5EF4-FFF2-40B4-BE49-F238E27FC236}">
-                <a16:creationId xmlns="" xmlns:a16="http://schemas.microsoft.com/office/drawing/2014/main" id="{AC0A0AA7-85B9-4F8B-8302-7F14B47D63C8}"/>
+                <a16:creationId xmlns:a16="http://schemas.microsoft.com/office/drawing/2014/main" xmlns="" id="{AC0A0AA7-85B9-4F8B-8302-7F14B47D63C8}"/>
               </a:ext>
             </a:extLst>
           </p:cNvPr>
@@ -22272,7 +22455,7 @@
           <p:cNvPr id="57" name="TextBox 56">
             <a:extLst>
               <a:ext uri="{FF2B5EF4-FFF2-40B4-BE49-F238E27FC236}">
-                <a16:creationId xmlns="" xmlns:a16="http://schemas.microsoft.com/office/drawing/2014/main" id="{B9237312-2A37-4DA7-80C8-DD6DE0CA3F10}"/>
+                <a16:creationId xmlns:a16="http://schemas.microsoft.com/office/drawing/2014/main" xmlns="" id="{B9237312-2A37-4DA7-80C8-DD6DE0CA3F10}"/>
               </a:ext>
             </a:extLst>
           </p:cNvPr>
@@ -22311,7 +22494,7 @@
           <p:cNvPr id="58" name="Picture 58" descr="A close up of a logo&#10;&#10;Description generated with very high confidence">
             <a:extLst>
               <a:ext uri="{FF2B5EF4-FFF2-40B4-BE49-F238E27FC236}">
-                <a16:creationId xmlns="" xmlns:a16="http://schemas.microsoft.com/office/drawing/2014/main" id="{3B49DE5A-D97D-4BC4-A2BD-FA203356C5E4}"/>
+                <a16:creationId xmlns:a16="http://schemas.microsoft.com/office/drawing/2014/main" xmlns="" id="{3B49DE5A-D97D-4BC4-A2BD-FA203356C5E4}"/>
               </a:ext>
             </a:extLst>
           </p:cNvPr>
@@ -22341,7 +22524,7 @@
           <p:cNvPr id="60" name="Picture 60" descr="A picture containing object, clock&#10;&#10;Description generated with very high confidence">
             <a:extLst>
               <a:ext uri="{FF2B5EF4-FFF2-40B4-BE49-F238E27FC236}">
-                <a16:creationId xmlns="" xmlns:a16="http://schemas.microsoft.com/office/drawing/2014/main" id="{8DE5578F-2C71-4470-805B-58B6F36E89D7}"/>
+                <a16:creationId xmlns:a16="http://schemas.microsoft.com/office/drawing/2014/main" xmlns="" id="{8DE5578F-2C71-4470-805B-58B6F36E89D7}"/>
               </a:ext>
             </a:extLst>
           </p:cNvPr>
@@ -22371,7 +22554,7 @@
           <p:cNvPr id="62" name="Picture 62" descr="A picture containing drawing&#10;&#10;Description generated with very high confidence">
             <a:extLst>
               <a:ext uri="{FF2B5EF4-FFF2-40B4-BE49-F238E27FC236}">
-                <a16:creationId xmlns="" xmlns:a16="http://schemas.microsoft.com/office/drawing/2014/main" id="{E4E6676D-610B-47E8-8C2C-B0A327A4AC8D}"/>
+                <a16:creationId xmlns:a16="http://schemas.microsoft.com/office/drawing/2014/main" xmlns="" id="{E4E6676D-610B-47E8-8C2C-B0A327A4AC8D}"/>
               </a:ext>
             </a:extLst>
           </p:cNvPr>
@@ -22401,7 +22584,7 @@
           <p:cNvPr id="65" name="Picture 19" descr="A close up of a logo&#10;&#10;Description generated with very high confidence">
             <a:extLst>
               <a:ext uri="{FF2B5EF4-FFF2-40B4-BE49-F238E27FC236}">
-                <a16:creationId xmlns="" xmlns:a16="http://schemas.microsoft.com/office/drawing/2014/main" id="{7C31043C-B453-4648-893A-8B3CC0ADF1DB}"/>
+                <a16:creationId xmlns:a16="http://schemas.microsoft.com/office/drawing/2014/main" xmlns="" id="{7C31043C-B453-4648-893A-8B3CC0ADF1DB}"/>
               </a:ext>
             </a:extLst>
           </p:cNvPr>
@@ -22431,7 +22614,7 @@
           <p:cNvPr id="26" name="Arrow: Right 47">
             <a:extLst>
               <a:ext uri="{FF2B5EF4-FFF2-40B4-BE49-F238E27FC236}">
-                <a16:creationId xmlns="" xmlns:a16="http://schemas.microsoft.com/office/drawing/2014/main" id="{2D05F327-8A08-41D8-93AF-95C1FFD2CEA2}"/>
+                <a16:creationId xmlns:a16="http://schemas.microsoft.com/office/drawing/2014/main" xmlns="" id="{2D05F327-8A08-41D8-93AF-95C1FFD2CEA2}"/>
               </a:ext>
             </a:extLst>
           </p:cNvPr>
@@ -22671,7 +22854,7 @@
           <p:cNvPr id="34" name="Arrow: Right 48">
             <a:extLst>
               <a:ext uri="{FF2B5EF4-FFF2-40B4-BE49-F238E27FC236}">
-                <a16:creationId xmlns="" xmlns:a16="http://schemas.microsoft.com/office/drawing/2014/main" id="{12342E48-7442-40ED-B882-627321DA0B53}"/>
+                <a16:creationId xmlns:a16="http://schemas.microsoft.com/office/drawing/2014/main" xmlns="" id="{12342E48-7442-40ED-B882-627321DA0B53}"/>
               </a:ext>
             </a:extLst>
           </p:cNvPr>
@@ -22731,7 +22914,7 @@
           <p:cNvPr id="35" name="Arrow: Right 48">
             <a:extLst>
               <a:ext uri="{FF2B5EF4-FFF2-40B4-BE49-F238E27FC236}">
-                <a16:creationId xmlns="" xmlns:a16="http://schemas.microsoft.com/office/drawing/2014/main" id="{12342E48-7442-40ED-B882-627321DA0B53}"/>
+                <a16:creationId xmlns:a16="http://schemas.microsoft.com/office/drawing/2014/main" xmlns="" id="{12342E48-7442-40ED-B882-627321DA0B53}"/>
               </a:ext>
             </a:extLst>
           </p:cNvPr>
@@ -22791,7 +22974,7 @@
           <p:cNvPr id="37" name="Right Brace 36">
             <a:extLst>
               <a:ext uri="{FF2B5EF4-FFF2-40B4-BE49-F238E27FC236}">
-                <a16:creationId xmlns="" xmlns:a16="http://schemas.microsoft.com/office/drawing/2014/main" id="{B123DDFB-BA27-413F-8F72-48EF2FDDE207}"/>
+                <a16:creationId xmlns:a16="http://schemas.microsoft.com/office/drawing/2014/main" xmlns="" id="{B123DDFB-BA27-413F-8F72-48EF2FDDE207}"/>
               </a:ext>
             </a:extLst>
           </p:cNvPr>
@@ -22843,7 +23026,7 @@
           <p:cNvPr id="38" name="Right Brace 37">
             <a:extLst>
               <a:ext uri="{FF2B5EF4-FFF2-40B4-BE49-F238E27FC236}">
-                <a16:creationId xmlns="" xmlns:a16="http://schemas.microsoft.com/office/drawing/2014/main" id="{8D8C0313-13A4-4FAA-9612-4D1FC8C80DFF}"/>
+                <a16:creationId xmlns:a16="http://schemas.microsoft.com/office/drawing/2014/main" xmlns="" id="{8D8C0313-13A4-4FAA-9612-4D1FC8C80DFF}"/>
               </a:ext>
             </a:extLst>
           </p:cNvPr>
@@ -22895,7 +23078,7 @@
           <p:cNvPr id="40" name="Picture 28" descr="A close up of a sign&#10;&#10;Description generated with high confidence">
             <a:extLst>
               <a:ext uri="{FF2B5EF4-FFF2-40B4-BE49-F238E27FC236}">
-                <a16:creationId xmlns="" xmlns:a16="http://schemas.microsoft.com/office/drawing/2014/main" id="{A9F7282D-9E32-4A50-84EA-BE35636CF009}"/>
+                <a16:creationId xmlns:a16="http://schemas.microsoft.com/office/drawing/2014/main" xmlns="" id="{A9F7282D-9E32-4A50-84EA-BE35636CF009}"/>
               </a:ext>
             </a:extLst>
           </p:cNvPr>
@@ -22925,7 +23108,7 @@
           <p:cNvPr id="41" name="Picture 32" descr="A close up of a logo&#10;&#10;Description generated with very high confidence">
             <a:extLst>
               <a:ext uri="{FF2B5EF4-FFF2-40B4-BE49-F238E27FC236}">
-                <a16:creationId xmlns="" xmlns:a16="http://schemas.microsoft.com/office/drawing/2014/main" id="{7D7F121C-1B9A-47CF-A882-FA34E6A6E361}"/>
+                <a16:creationId xmlns:a16="http://schemas.microsoft.com/office/drawing/2014/main" xmlns="" id="{7D7F121C-1B9A-47CF-A882-FA34E6A6E361}"/>
               </a:ext>
             </a:extLst>
           </p:cNvPr>
@@ -24062,7 +24245,7 @@
 </p:sld>
 </file>
 
-<file path=ppt/slides/slide26.xml><?xml version="1.0" encoding="utf-8"?>
+<file path=ppt/slides/slide27.xml><?xml version="1.0" encoding="utf-8"?>
 <p:sld xmlns:a="http://schemas.openxmlformats.org/drawingml/2006/main" xmlns:r="http://schemas.openxmlformats.org/officeDocument/2006/relationships" xmlns:p="http://schemas.openxmlformats.org/presentationml/2006/main">
   <p:cSld>
     <p:spTree>
@@ -24106,7 +24289,7 @@
           <p:cNvPr id="4" name="Picture 3" descr="A close up of a logo&#10;&#10;Description generated with very high confidence">
             <a:extLst>
               <a:ext uri="{FF2B5EF4-FFF2-40B4-BE49-F238E27FC236}">
-                <a16:creationId xmlns="" xmlns:a16="http://schemas.microsoft.com/office/drawing/2014/main" id="{6E87F861-F9AC-4F21-B0C8-58EB55E95B97}"/>
+                <a16:creationId xmlns:a16="http://schemas.microsoft.com/office/drawing/2014/main" xmlns="" id="{6E87F861-F9AC-4F21-B0C8-58EB55E95B97}"/>
               </a:ext>
             </a:extLst>
           </p:cNvPr>
@@ -24136,7 +24319,7 @@
           <p:cNvPr id="6" name="Arrow: Down 7">
             <a:extLst>
               <a:ext uri="{FF2B5EF4-FFF2-40B4-BE49-F238E27FC236}">
-                <a16:creationId xmlns="" xmlns:a16="http://schemas.microsoft.com/office/drawing/2014/main" id="{82AB09DD-DB63-4806-A980-AE0CB9781D42}"/>
+                <a16:creationId xmlns:a16="http://schemas.microsoft.com/office/drawing/2014/main" xmlns="" id="{82AB09DD-DB63-4806-A980-AE0CB9781D42}"/>
               </a:ext>
             </a:extLst>
           </p:cNvPr>
@@ -24190,7 +24373,7 @@
           <p:cNvPr id="12" name="TextBox 11">
             <a:extLst>
               <a:ext uri="{FF2B5EF4-FFF2-40B4-BE49-F238E27FC236}">
-                <a16:creationId xmlns="" xmlns:a16="http://schemas.microsoft.com/office/drawing/2014/main" id="{02939EE3-25E8-4AA1-A0EF-AEA68207BAAD}"/>
+                <a16:creationId xmlns:a16="http://schemas.microsoft.com/office/drawing/2014/main" xmlns="" id="{02939EE3-25E8-4AA1-A0EF-AEA68207BAAD}"/>
               </a:ext>
             </a:extLst>
           </p:cNvPr>
@@ -24313,7 +24496,7 @@
           <p:cNvPr id="21" name="Arrow: Down 7">
             <a:extLst>
               <a:ext uri="{FF2B5EF4-FFF2-40B4-BE49-F238E27FC236}">
-                <a16:creationId xmlns="" xmlns:a16="http://schemas.microsoft.com/office/drawing/2014/main" id="{82AB09DD-DB63-4806-A980-AE0CB9781D42}"/>
+                <a16:creationId xmlns:a16="http://schemas.microsoft.com/office/drawing/2014/main" xmlns="" id="{82AB09DD-DB63-4806-A980-AE0CB9781D42}"/>
               </a:ext>
             </a:extLst>
           </p:cNvPr>
@@ -24367,7 +24550,7 @@
           <p:cNvPr id="27" name="Arrow: Down 7">
             <a:extLst>
               <a:ext uri="{FF2B5EF4-FFF2-40B4-BE49-F238E27FC236}">
-                <a16:creationId xmlns="" xmlns:a16="http://schemas.microsoft.com/office/drawing/2014/main" id="{82AB09DD-DB63-4806-A980-AE0CB9781D42}"/>
+                <a16:creationId xmlns:a16="http://schemas.microsoft.com/office/drawing/2014/main" xmlns="" id="{82AB09DD-DB63-4806-A980-AE0CB9781D42}"/>
               </a:ext>
             </a:extLst>
           </p:cNvPr>
@@ -24555,7 +24738,7 @@
           <p:cNvPr id="34" name="TextBox 33">
             <a:extLst>
               <a:ext uri="{FF2B5EF4-FFF2-40B4-BE49-F238E27FC236}">
-                <a16:creationId xmlns="" xmlns:a16="http://schemas.microsoft.com/office/drawing/2014/main" id="{E8C512F0-66D0-4B8A-B0A7-993EEF9E5139}"/>
+                <a16:creationId xmlns:a16="http://schemas.microsoft.com/office/drawing/2014/main" xmlns="" id="{E8C512F0-66D0-4B8A-B0A7-993EEF9E5139}"/>
               </a:ext>
             </a:extLst>
           </p:cNvPr>
@@ -24614,7 +24797,7 @@
           <p:cNvPr id="35" name="TextBox 34">
             <a:extLst>
               <a:ext uri="{FF2B5EF4-FFF2-40B4-BE49-F238E27FC236}">
-                <a16:creationId xmlns="" xmlns:a16="http://schemas.microsoft.com/office/drawing/2014/main" id="{7E86E019-DB97-4D67-8777-EE3CB4990CA9}"/>
+                <a16:creationId xmlns:a16="http://schemas.microsoft.com/office/drawing/2014/main" xmlns="" id="{7E86E019-DB97-4D67-8777-EE3CB4990CA9}"/>
               </a:ext>
             </a:extLst>
           </p:cNvPr>
@@ -24673,7 +24856,7 @@
           <p:cNvPr id="38" name="Arrow: Right 13">
             <a:extLst>
               <a:ext uri="{FF2B5EF4-FFF2-40B4-BE49-F238E27FC236}">
-                <a16:creationId xmlns="" xmlns:a16="http://schemas.microsoft.com/office/drawing/2014/main" id="{169BB430-EBE9-48D3-BBC7-66B17AF3C24B}"/>
+                <a16:creationId xmlns:a16="http://schemas.microsoft.com/office/drawing/2014/main" xmlns="" id="{169BB430-EBE9-48D3-BBC7-66B17AF3C24B}"/>
               </a:ext>
             </a:extLst>
           </p:cNvPr>
@@ -24717,7 +24900,7 @@
           <p:cNvPr id="39" name="Arrow: Right 13">
             <a:extLst>
               <a:ext uri="{FF2B5EF4-FFF2-40B4-BE49-F238E27FC236}">
-                <a16:creationId xmlns="" xmlns:a16="http://schemas.microsoft.com/office/drawing/2014/main" id="{169BB430-EBE9-48D3-BBC7-66B17AF3C24B}"/>
+                <a16:creationId xmlns:a16="http://schemas.microsoft.com/office/drawing/2014/main" xmlns="" id="{169BB430-EBE9-48D3-BBC7-66B17AF3C24B}"/>
               </a:ext>
             </a:extLst>
           </p:cNvPr>
@@ -24761,7 +24944,7 @@
           <p:cNvPr id="17" name="Picture 13" descr="A close up of a logo&#10;&#10;Description generated with very high confidence">
             <a:extLst>
               <a:ext uri="{FF2B5EF4-FFF2-40B4-BE49-F238E27FC236}">
-                <a16:creationId xmlns="" xmlns:a16="http://schemas.microsoft.com/office/drawing/2014/main" id="{ECAD198D-1469-41D2-8E92-807888FE870D}"/>
+                <a16:creationId xmlns:a16="http://schemas.microsoft.com/office/drawing/2014/main" xmlns="" id="{ECAD198D-1469-41D2-8E92-807888FE870D}"/>
               </a:ext>
             </a:extLst>
           </p:cNvPr>
@@ -25245,7 +25428,7 @@
 </p:sld>
 </file>
 
-<file path=ppt/slides/slide27.xml><?xml version="1.0" encoding="utf-8"?>
+<file path=ppt/slides/slide28.xml><?xml version="1.0" encoding="utf-8"?>
 <p:sld xmlns:a="http://schemas.openxmlformats.org/drawingml/2006/main" xmlns:r="http://schemas.openxmlformats.org/officeDocument/2006/relationships" xmlns:p="http://schemas.openxmlformats.org/presentationml/2006/main">
   <p:cSld>
     <p:spTree>
@@ -25289,7 +25472,7 @@
           <p:cNvPr id="4" name="Picture 3" descr="A close up of a logo&#10;&#10;Description generated with very high confidence">
             <a:extLst>
               <a:ext uri="{FF2B5EF4-FFF2-40B4-BE49-F238E27FC236}">
-                <a16:creationId xmlns="" xmlns:a16="http://schemas.microsoft.com/office/drawing/2014/main" id="{6E87F861-F9AC-4F21-B0C8-58EB55E95B97}"/>
+                <a16:creationId xmlns:a16="http://schemas.microsoft.com/office/drawing/2014/main" xmlns="" id="{6E87F861-F9AC-4F21-B0C8-58EB55E95B97}"/>
               </a:ext>
             </a:extLst>
           </p:cNvPr>
@@ -25319,7 +25502,7 @@
           <p:cNvPr id="6" name="Arrow: Down 7">
             <a:extLst>
               <a:ext uri="{FF2B5EF4-FFF2-40B4-BE49-F238E27FC236}">
-                <a16:creationId xmlns="" xmlns:a16="http://schemas.microsoft.com/office/drawing/2014/main" id="{82AB09DD-DB63-4806-A980-AE0CB9781D42}"/>
+                <a16:creationId xmlns:a16="http://schemas.microsoft.com/office/drawing/2014/main" xmlns="" id="{82AB09DD-DB63-4806-A980-AE0CB9781D42}"/>
               </a:ext>
             </a:extLst>
           </p:cNvPr>
@@ -25403,7 +25586,7 @@
           <p:cNvPr id="15" name="Picture 7" descr="A close up of a logo&#10;&#10;Description generated with very high confidence">
             <a:extLst>
               <a:ext uri="{FF2B5EF4-FFF2-40B4-BE49-F238E27FC236}">
-                <a16:creationId xmlns="" xmlns:a16="http://schemas.microsoft.com/office/drawing/2014/main" id="{CCA1FA7B-C942-4986-AB3B-54E0615F8F08}"/>
+                <a16:creationId xmlns:a16="http://schemas.microsoft.com/office/drawing/2014/main" xmlns="" id="{CCA1FA7B-C942-4986-AB3B-54E0615F8F08}"/>
               </a:ext>
             </a:extLst>
           </p:cNvPr>
@@ -25433,7 +25616,7 @@
           <p:cNvPr id="16" name="Arrow: Down 9">
             <a:extLst>
               <a:ext uri="{FF2B5EF4-FFF2-40B4-BE49-F238E27FC236}">
-                <a16:creationId xmlns="" xmlns:a16="http://schemas.microsoft.com/office/drawing/2014/main" id="{74C91D1A-CCF6-4DE0-B080-D77210A893FD}"/>
+                <a16:creationId xmlns:a16="http://schemas.microsoft.com/office/drawing/2014/main" xmlns="" id="{74C91D1A-CCF6-4DE0-B080-D77210A893FD}"/>
               </a:ext>
             </a:extLst>
           </p:cNvPr>
@@ -25487,7 +25670,7 @@
           <p:cNvPr id="17" name="TextBox 16">
             <a:extLst>
               <a:ext uri="{FF2B5EF4-FFF2-40B4-BE49-F238E27FC236}">
-                <a16:creationId xmlns="" xmlns:a16="http://schemas.microsoft.com/office/drawing/2014/main" id="{EBD1E537-F5C7-43D5-8C6F-6CFA11A95BD2}"/>
+                <a16:creationId xmlns:a16="http://schemas.microsoft.com/office/drawing/2014/main" xmlns="" id="{EBD1E537-F5C7-43D5-8C6F-6CFA11A95BD2}"/>
               </a:ext>
             </a:extLst>
           </p:cNvPr>
@@ -25777,7 +25960,7 @@
 </p:sld>
 </file>
 
-<file path=ppt/slides/slide28.xml><?xml version="1.0" encoding="utf-8"?>
+<file path=ppt/slides/slide29.xml><?xml version="1.0" encoding="utf-8"?>
 <p:sld xmlns:a="http://schemas.openxmlformats.org/drawingml/2006/main" xmlns:r="http://schemas.openxmlformats.org/officeDocument/2006/relationships" xmlns:p="http://schemas.openxmlformats.org/presentationml/2006/main">
   <p:cSld>
     <p:spTree>
@@ -25821,7 +26004,7 @@
           <p:cNvPr id="15" name="Picture 7" descr="A close up of a logo&#10;&#10;Description generated with very high confidence">
             <a:extLst>
               <a:ext uri="{FF2B5EF4-FFF2-40B4-BE49-F238E27FC236}">
-                <a16:creationId xmlns="" xmlns:a16="http://schemas.microsoft.com/office/drawing/2014/main" id="{CCA1FA7B-C942-4986-AB3B-54E0615F8F08}"/>
+                <a16:creationId xmlns:a16="http://schemas.microsoft.com/office/drawing/2014/main" xmlns="" id="{CCA1FA7B-C942-4986-AB3B-54E0615F8F08}"/>
               </a:ext>
             </a:extLst>
           </p:cNvPr>
@@ -26022,7 +26205,512 @@
 </p:sld>
 </file>
 
-<file path=ppt/slides/slide29.xml><?xml version="1.0" encoding="utf-8"?>
+<file path=ppt/slides/slide3.xml><?xml version="1.0" encoding="utf-8"?>
+<p:sld xmlns:a="http://schemas.openxmlformats.org/drawingml/2006/main" xmlns:r="http://schemas.openxmlformats.org/officeDocument/2006/relationships" xmlns:p="http://schemas.openxmlformats.org/presentationml/2006/main">
+  <p:cSld>
+    <p:spTree>
+      <p:nvGrpSpPr>
+        <p:cNvPr id="1" name=""/>
+        <p:cNvGrpSpPr/>
+        <p:nvPr/>
+      </p:nvGrpSpPr>
+      <p:grpSpPr>
+        <a:xfrm>
+          <a:off x="0" y="0"/>
+          <a:ext cx="0" cy="0"/>
+          <a:chOff x="0" y="0"/>
+          <a:chExt cx="0" cy="0"/>
+        </a:xfrm>
+      </p:grpSpPr>
+      <p:sp>
+        <p:nvSpPr>
+          <p:cNvPr id="2" name="Title 1">
+            <a:extLst>
+              <a:ext uri="{FF2B5EF4-FFF2-40B4-BE49-F238E27FC236}">
+                <a16:creationId xmlns:a16="http://schemas.microsoft.com/office/drawing/2014/main" xmlns="" id="{9B3E31B1-1524-4917-9285-17E913845064}"/>
+              </a:ext>
+            </a:extLst>
+          </p:cNvPr>
+          <p:cNvSpPr>
+            <a:spLocks noGrp="1"/>
+          </p:cNvSpPr>
+          <p:nvPr>
+            <p:ph type="title"/>
+          </p:nvPr>
+        </p:nvSpPr>
+        <p:spPr/>
+        <p:txBody>
+          <a:bodyPr/>
+          <a:lstStyle/>
+          <a:p>
+            <a:r>
+              <a:rPr lang="en-US" dirty="0">
+                <a:cs typeface="Calibri Light"/>
+              </a:rPr>
+              <a:t>Proof of weak duality</a:t>
+            </a:r>
+            <a:endParaRPr lang="en-US" dirty="0"/>
+          </a:p>
+        </p:txBody>
+      </p:sp>
+      <p:sp>
+        <p:nvSpPr>
+          <p:cNvPr id="7" name="TextBox 6">
+            <a:extLst>
+              <a:ext uri="{FF2B5EF4-FFF2-40B4-BE49-F238E27FC236}">
+                <a16:creationId xmlns:a16="http://schemas.microsoft.com/office/drawing/2014/main" xmlns="" id="{3C8D1A93-8E34-461B-AE33-3F2AF8EDEDE3}"/>
+              </a:ext>
+            </a:extLst>
+          </p:cNvPr>
+          <p:cNvSpPr txBox="1"/>
+          <p:nvPr/>
+        </p:nvSpPr>
+        <p:spPr>
+          <a:xfrm>
+            <a:off x="1863969" y="1810238"/>
+            <a:ext cx="1883508" cy="461665"/>
+          </a:xfrm>
+          <a:prstGeom prst="rect">
+            <a:avLst/>
+          </a:prstGeom>
+          <a:noFill/>
+        </p:spPr>
+        <p:txBody>
+          <a:bodyPr rot="0" spcFirstLastPara="0" vertOverflow="overflow" horzOverflow="overflow" vert="horz" wrap="square" lIns="91440" tIns="45720" rIns="91440" bIns="45720" numCol="1" spcCol="0" rtlCol="0" fromWordArt="0" anchor="t" anchorCtr="0" forceAA="0" compatLnSpc="1">
+            <a:prstTxWarp prst="textNoShape">
+              <a:avLst/>
+            </a:prstTxWarp>
+            <a:spAutoFit/>
+          </a:bodyPr>
+          <a:lstStyle/>
+          <a:p>
+            <a:r>
+              <a:rPr lang="en-US" sz="2400" b="1" dirty="0"/>
+              <a:t>Primal form</a:t>
+            </a:r>
+            <a:endParaRPr lang="en-US" sz="2400" b="1">
+              <a:cs typeface="Calibri"/>
+            </a:endParaRPr>
+          </a:p>
+        </p:txBody>
+      </p:sp>
+      <p:pic>
+        <p:nvPicPr>
+          <p:cNvPr id="12" name="Picture 12" descr="A close up of a logo&#10;&#10;Description generated with very high confidence">
+            <a:extLst>
+              <a:ext uri="{FF2B5EF4-FFF2-40B4-BE49-F238E27FC236}">
+                <a16:creationId xmlns:a16="http://schemas.microsoft.com/office/drawing/2014/main" xmlns="" id="{BCB28C98-A97C-401C-8299-EB6FC4F8EC07}"/>
+              </a:ext>
+            </a:extLst>
+          </p:cNvPr>
+          <p:cNvPicPr>
+            <a:picLocks noChangeAspect="1"/>
+          </p:cNvPicPr>
+          <p:nvPr/>
+        </p:nvPicPr>
+        <p:blipFill>
+          <a:blip r:embed="rId2"/>
+          <a:stretch>
+            <a:fillRect/>
+          </a:stretch>
+        </p:blipFill>
+        <p:spPr>
+          <a:xfrm>
+            <a:off x="1081049" y="2124205"/>
+            <a:ext cx="2672180" cy="1977241"/>
+          </a:xfrm>
+          <a:prstGeom prst="rect">
+            <a:avLst/>
+          </a:prstGeom>
+        </p:spPr>
+      </p:pic>
+      <p:sp>
+        <p:nvSpPr>
+          <p:cNvPr id="15" name="TextBox 14">
+            <a:extLst>
+              <a:ext uri="{FF2B5EF4-FFF2-40B4-BE49-F238E27FC236}">
+                <a16:creationId xmlns:a16="http://schemas.microsoft.com/office/drawing/2014/main" xmlns="" id="{1AAE7903-DA0C-486B-BDC7-ADB80C60CE39}"/>
+              </a:ext>
+            </a:extLst>
+          </p:cNvPr>
+          <p:cNvSpPr txBox="1"/>
+          <p:nvPr/>
+        </p:nvSpPr>
+        <p:spPr>
+          <a:xfrm>
+            <a:off x="6807199" y="1810237"/>
+            <a:ext cx="1883508" cy="461665"/>
+          </a:xfrm>
+          <a:prstGeom prst="rect">
+            <a:avLst/>
+          </a:prstGeom>
+          <a:noFill/>
+        </p:spPr>
+        <p:txBody>
+          <a:bodyPr rot="0" spcFirstLastPara="0" vertOverflow="overflow" horzOverflow="overflow" vert="horz" wrap="square" lIns="91440" tIns="45720" rIns="91440" bIns="45720" numCol="1" spcCol="0" rtlCol="0" fromWordArt="0" anchor="t" anchorCtr="0" forceAA="0" compatLnSpc="1">
+            <a:prstTxWarp prst="textNoShape">
+              <a:avLst/>
+            </a:prstTxWarp>
+            <a:spAutoFit/>
+          </a:bodyPr>
+          <a:lstStyle/>
+          <a:p>
+            <a:r>
+              <a:rPr lang="en-US" sz="2400" b="1" dirty="0"/>
+              <a:t>Dual form</a:t>
+            </a:r>
+            <a:endParaRPr lang="en-US" dirty="0"/>
+          </a:p>
+        </p:txBody>
+      </p:sp>
+      <p:pic>
+        <p:nvPicPr>
+          <p:cNvPr id="16" name="Picture 16" descr="A close up of a logo&#10;&#10;Description generated with very high confidence">
+            <a:extLst>
+              <a:ext uri="{FF2B5EF4-FFF2-40B4-BE49-F238E27FC236}">
+                <a16:creationId xmlns:a16="http://schemas.microsoft.com/office/drawing/2014/main" xmlns="" id="{C7C82433-1251-4B07-9C0F-DB83878FB6CB}"/>
+              </a:ext>
+            </a:extLst>
+          </p:cNvPr>
+          <p:cNvPicPr>
+            <a:picLocks noChangeAspect="1"/>
+          </p:cNvPicPr>
+          <p:nvPr/>
+        </p:nvPicPr>
+        <p:blipFill>
+          <a:blip r:embed="rId3"/>
+          <a:stretch>
+            <a:fillRect/>
+          </a:stretch>
+        </p:blipFill>
+        <p:spPr>
+          <a:xfrm>
+            <a:off x="6103622" y="2198426"/>
+            <a:ext cx="2676525" cy="1828800"/>
+          </a:xfrm>
+          <a:prstGeom prst="rect">
+            <a:avLst/>
+          </a:prstGeom>
+        </p:spPr>
+      </p:pic>
+      <p:pic>
+        <p:nvPicPr>
+          <p:cNvPr id="6" name="Picture 5"/>
+          <p:cNvPicPr>
+            <a:picLocks noChangeAspect="1"/>
+          </p:cNvPicPr>
+          <p:nvPr/>
+        </p:nvPicPr>
+        <p:blipFill>
+          <a:blip r:embed="rId4">
+            <a:extLst>
+              <a:ext uri="{28A0092B-C50C-407E-A947-70E740481C1C}">
+                <a14:useLocalDpi xmlns:a14="http://schemas.microsoft.com/office/drawing/2010/main" val="0"/>
+              </a:ext>
+            </a:extLst>
+          </a:blip>
+          <a:stretch>
+            <a:fillRect/>
+          </a:stretch>
+        </p:blipFill>
+        <p:spPr>
+          <a:xfrm>
+            <a:off x="9223737" y="4793278"/>
+            <a:ext cx="2540000" cy="939800"/>
+          </a:xfrm>
+          <a:prstGeom prst="rect">
+            <a:avLst/>
+          </a:prstGeom>
+        </p:spPr>
+      </p:pic>
+      <p:pic>
+        <p:nvPicPr>
+          <p:cNvPr id="9" name="Picture 8"/>
+          <p:cNvPicPr>
+            <a:picLocks noChangeAspect="1"/>
+          </p:cNvPicPr>
+          <p:nvPr/>
+        </p:nvPicPr>
+        <p:blipFill>
+          <a:blip r:embed="rId5">
+            <a:extLst>
+              <a:ext uri="{28A0092B-C50C-407E-A947-70E740481C1C}">
+                <a14:useLocalDpi xmlns:a14="http://schemas.microsoft.com/office/drawing/2010/main" val="0"/>
+              </a:ext>
+            </a:extLst>
+          </a:blip>
+          <a:stretch>
+            <a:fillRect/>
+          </a:stretch>
+        </p:blipFill>
+        <p:spPr>
+          <a:xfrm>
+            <a:off x="5834443" y="4069182"/>
+            <a:ext cx="4673600" cy="1104900"/>
+          </a:xfrm>
+          <a:prstGeom prst="rect">
+            <a:avLst/>
+          </a:prstGeom>
+        </p:spPr>
+      </p:pic>
+      <p:pic>
+        <p:nvPicPr>
+          <p:cNvPr id="17" name="Picture 16"/>
+          <p:cNvPicPr>
+            <a:picLocks noChangeAspect="1"/>
+          </p:cNvPicPr>
+          <p:nvPr/>
+        </p:nvPicPr>
+        <p:blipFill>
+          <a:blip r:embed="rId6">
+            <a:extLst>
+              <a:ext uri="{28A0092B-C50C-407E-A947-70E740481C1C}">
+                <a14:useLocalDpi xmlns:a14="http://schemas.microsoft.com/office/drawing/2010/main" val="0"/>
+              </a:ext>
+            </a:extLst>
+          </a:blip>
+          <a:stretch>
+            <a:fillRect/>
+          </a:stretch>
+        </p:blipFill>
+        <p:spPr>
+          <a:xfrm>
+            <a:off x="5827370" y="5514869"/>
+            <a:ext cx="1473200" cy="939800"/>
+          </a:xfrm>
+          <a:prstGeom prst="rect">
+            <a:avLst/>
+          </a:prstGeom>
+        </p:spPr>
+      </p:pic>
+      <p:pic>
+        <p:nvPicPr>
+          <p:cNvPr id="20" name="Picture 19"/>
+          <p:cNvPicPr>
+            <a:picLocks noChangeAspect="1"/>
+          </p:cNvPicPr>
+          <p:nvPr/>
+        </p:nvPicPr>
+        <p:blipFill>
+          <a:blip r:embed="rId4">
+            <a:extLst>
+              <a:ext uri="{28A0092B-C50C-407E-A947-70E740481C1C}">
+                <a14:useLocalDpi xmlns:a14="http://schemas.microsoft.com/office/drawing/2010/main" val="0"/>
+              </a:ext>
+            </a:extLst>
+          </a:blip>
+          <a:stretch>
+            <a:fillRect/>
+          </a:stretch>
+        </p:blipFill>
+        <p:spPr>
+          <a:xfrm>
+            <a:off x="9223737" y="5562045"/>
+            <a:ext cx="2540000" cy="939800"/>
+          </a:xfrm>
+          <a:prstGeom prst="rect">
+            <a:avLst/>
+          </a:prstGeom>
+        </p:spPr>
+      </p:pic>
+      <p:pic>
+        <p:nvPicPr>
+          <p:cNvPr id="19" name="Picture 18"/>
+          <p:cNvPicPr>
+            <a:picLocks noChangeAspect="1"/>
+          </p:cNvPicPr>
+          <p:nvPr/>
+        </p:nvPicPr>
+        <p:blipFill rotWithShape="1">
+          <a:blip r:embed="rId7">
+            <a:extLst>
+              <a:ext uri="{28A0092B-C50C-407E-A947-70E740481C1C}">
+                <a14:useLocalDpi xmlns:a14="http://schemas.microsoft.com/office/drawing/2010/main" val="0"/>
+              </a:ext>
+            </a:extLst>
+          </a:blip>
+          <a:srcRect r="6513"/>
+          <a:stretch/>
+        </p:blipFill>
+        <p:spPr>
+          <a:xfrm>
+            <a:off x="368526" y="4143402"/>
+            <a:ext cx="5330880" cy="914400"/>
+          </a:xfrm>
+          <a:prstGeom prst="rect">
+            <a:avLst/>
+          </a:prstGeom>
+        </p:spPr>
+      </p:pic>
+      <p:pic>
+        <p:nvPicPr>
+          <p:cNvPr id="21" name="Picture 20"/>
+          <p:cNvPicPr>
+            <a:picLocks noChangeAspect="1"/>
+          </p:cNvPicPr>
+          <p:nvPr/>
+        </p:nvPicPr>
+        <p:blipFill rotWithShape="1">
+          <a:blip r:embed="rId8">
+            <a:extLst>
+              <a:ext uri="{28A0092B-C50C-407E-A947-70E740481C1C}">
+                <a14:useLocalDpi xmlns:a14="http://schemas.microsoft.com/office/drawing/2010/main" val="0"/>
+              </a:ext>
+            </a:extLst>
+          </a:blip>
+          <a:srcRect r="6295"/>
+          <a:stretch/>
+        </p:blipFill>
+        <p:spPr>
+          <a:xfrm>
+            <a:off x="368525" y="4870086"/>
+            <a:ext cx="5141024" cy="914400"/>
+          </a:xfrm>
+          <a:prstGeom prst="rect">
+            <a:avLst/>
+          </a:prstGeom>
+        </p:spPr>
+      </p:pic>
+      <p:pic>
+        <p:nvPicPr>
+          <p:cNvPr id="22" name="Picture 21"/>
+          <p:cNvPicPr>
+            <a:picLocks noChangeAspect="1"/>
+          </p:cNvPicPr>
+          <p:nvPr/>
+        </p:nvPicPr>
+        <p:blipFill rotWithShape="1">
+          <a:blip r:embed="rId9">
+            <a:extLst>
+              <a:ext uri="{28A0092B-C50C-407E-A947-70E740481C1C}">
+                <a14:useLocalDpi xmlns:a14="http://schemas.microsoft.com/office/drawing/2010/main" val="0"/>
+              </a:ext>
+            </a:extLst>
+          </a:blip>
+          <a:srcRect r="6031"/>
+          <a:stretch/>
+        </p:blipFill>
+        <p:spPr>
+          <a:xfrm>
+            <a:off x="435590" y="5813501"/>
+            <a:ext cx="4222821" cy="616293"/>
+          </a:xfrm>
+          <a:prstGeom prst="rect">
+            <a:avLst/>
+          </a:prstGeom>
+        </p:spPr>
+      </p:pic>
+      <p:pic>
+        <p:nvPicPr>
+          <p:cNvPr id="23" name="Picture 22"/>
+          <p:cNvPicPr>
+            <a:picLocks noChangeAspect="1"/>
+          </p:cNvPicPr>
+          <p:nvPr/>
+        </p:nvPicPr>
+        <p:blipFill>
+          <a:blip r:embed="rId10">
+            <a:extLst>
+              <a:ext uri="{28A0092B-C50C-407E-A947-70E740481C1C}">
+                <a14:useLocalDpi xmlns:a14="http://schemas.microsoft.com/office/drawing/2010/main" val="0"/>
+              </a:ext>
+            </a:extLst>
+          </a:blip>
+          <a:stretch>
+            <a:fillRect/>
+          </a:stretch>
+        </p:blipFill>
+        <p:spPr>
+          <a:xfrm>
+            <a:off x="5562600" y="4295802"/>
+            <a:ext cx="533400" cy="762000"/>
+          </a:xfrm>
+          <a:prstGeom prst="rect">
+            <a:avLst/>
+          </a:prstGeom>
+        </p:spPr>
+      </p:pic>
+      <p:pic>
+        <p:nvPicPr>
+          <p:cNvPr id="26" name="Picture 25"/>
+          <p:cNvPicPr>
+            <a:picLocks noChangeAspect="1"/>
+          </p:cNvPicPr>
+          <p:nvPr/>
+        </p:nvPicPr>
+        <p:blipFill>
+          <a:blip r:embed="rId10">
+            <a:extLst>
+              <a:ext uri="{28A0092B-C50C-407E-A947-70E740481C1C}">
+                <a14:useLocalDpi xmlns:a14="http://schemas.microsoft.com/office/drawing/2010/main" val="0"/>
+              </a:ext>
+            </a:extLst>
+          </a:blip>
+          <a:stretch>
+            <a:fillRect/>
+          </a:stretch>
+        </p:blipFill>
+        <p:spPr>
+          <a:xfrm>
+            <a:off x="5562600" y="5004426"/>
+            <a:ext cx="533400" cy="762000"/>
+          </a:xfrm>
+          <a:prstGeom prst="rect">
+            <a:avLst/>
+          </a:prstGeom>
+        </p:spPr>
+      </p:pic>
+      <p:pic>
+        <p:nvPicPr>
+          <p:cNvPr id="27" name="Picture 26"/>
+          <p:cNvPicPr>
+            <a:picLocks noChangeAspect="1"/>
+          </p:cNvPicPr>
+          <p:nvPr/>
+        </p:nvPicPr>
+        <p:blipFill>
+          <a:blip r:embed="rId10">
+            <a:extLst>
+              <a:ext uri="{28A0092B-C50C-407E-A947-70E740481C1C}">
+                <a14:useLocalDpi xmlns:a14="http://schemas.microsoft.com/office/drawing/2010/main" val="0"/>
+              </a:ext>
+            </a:extLst>
+          </a:blip>
+          <a:stretch>
+            <a:fillRect/>
+          </a:stretch>
+        </p:blipFill>
+        <p:spPr>
+          <a:xfrm>
+            <a:off x="5560670" y="5723819"/>
+            <a:ext cx="533400" cy="762000"/>
+          </a:xfrm>
+          <a:prstGeom prst="rect">
+            <a:avLst/>
+          </a:prstGeom>
+        </p:spPr>
+      </p:pic>
+    </p:spTree>
+    <p:extLst>
+      <p:ext uri="{BB962C8B-B14F-4D97-AF65-F5344CB8AC3E}">
+        <p14:creationId xmlns:p14="http://schemas.microsoft.com/office/powerpoint/2010/main" val="803012776"/>
+      </p:ext>
+    </p:extLst>
+  </p:cSld>
+  <p:clrMapOvr>
+    <a:masterClrMapping/>
+  </p:clrMapOvr>
+  <p:timing>
+    <p:tnLst>
+      <p:par>
+        <p:cTn id="1" dur="indefinite" restart="never" nodeType="tmRoot"/>
+      </p:par>
+    </p:tnLst>
+  </p:timing>
+</p:sld>
+</file>
+
+<file path=ppt/slides/slide30.xml><?xml version="1.0" encoding="utf-8"?>
 <p:sld xmlns:a="http://schemas.openxmlformats.org/drawingml/2006/main" xmlns:r="http://schemas.openxmlformats.org/officeDocument/2006/relationships" xmlns:p="http://schemas.openxmlformats.org/presentationml/2006/main">
   <p:cSld>
     <p:spTree>
@@ -26066,7 +26754,7 @@
           <p:cNvPr id="15" name="Picture 7" descr="A close up of a logo&#10;&#10;Description generated with very high confidence">
             <a:extLst>
               <a:ext uri="{FF2B5EF4-FFF2-40B4-BE49-F238E27FC236}">
-                <a16:creationId xmlns="" xmlns:a16="http://schemas.microsoft.com/office/drawing/2014/main" id="{CCA1FA7B-C942-4986-AB3B-54E0615F8F08}"/>
+                <a16:creationId xmlns:a16="http://schemas.microsoft.com/office/drawing/2014/main" xmlns="" id="{CCA1FA7B-C942-4986-AB3B-54E0615F8F08}"/>
               </a:ext>
             </a:extLst>
           </p:cNvPr>
@@ -26306,7 +26994,7 @@
           <p:cNvPr id="18" name="Picture 7" descr="A close up of a logo&#10;&#10;Description generated with very high confidence">
             <a:extLst>
               <a:ext uri="{FF2B5EF4-FFF2-40B4-BE49-F238E27FC236}">
-                <a16:creationId xmlns="" xmlns:a16="http://schemas.microsoft.com/office/drawing/2014/main" id="{CCA1FA7B-C942-4986-AB3B-54E0615F8F08}"/>
+                <a16:creationId xmlns:a16="http://schemas.microsoft.com/office/drawing/2014/main" xmlns="" id="{CCA1FA7B-C942-4986-AB3B-54E0615F8F08}"/>
               </a:ext>
             </a:extLst>
           </p:cNvPr>
@@ -26396,7 +27084,7 @@
           <p:cNvPr id="24" name="Arrow: Down 7">
             <a:extLst>
               <a:ext uri="{FF2B5EF4-FFF2-40B4-BE49-F238E27FC236}">
-                <a16:creationId xmlns="" xmlns:a16="http://schemas.microsoft.com/office/drawing/2014/main" id="{82AB09DD-DB63-4806-A980-AE0CB9781D42}"/>
+                <a16:creationId xmlns:a16="http://schemas.microsoft.com/office/drawing/2014/main" xmlns="" id="{82AB09DD-DB63-4806-A980-AE0CB9781D42}"/>
               </a:ext>
             </a:extLst>
           </p:cNvPr>
@@ -26450,7 +27138,7 @@
           <p:cNvPr id="25" name="Arrow: Down 7">
             <a:extLst>
               <a:ext uri="{FF2B5EF4-FFF2-40B4-BE49-F238E27FC236}">
-                <a16:creationId xmlns="" xmlns:a16="http://schemas.microsoft.com/office/drawing/2014/main" id="{82AB09DD-DB63-4806-A980-AE0CB9781D42}"/>
+                <a16:creationId xmlns:a16="http://schemas.microsoft.com/office/drawing/2014/main" xmlns="" id="{82AB09DD-DB63-4806-A980-AE0CB9781D42}"/>
               </a:ext>
             </a:extLst>
           </p:cNvPr>
@@ -26627,512 +27315,7 @@
 </p:sld>
 </file>
 
-<file path=ppt/slides/slide3.xml><?xml version="1.0" encoding="utf-8"?>
-<p:sld xmlns:a="http://schemas.openxmlformats.org/drawingml/2006/main" xmlns:r="http://schemas.openxmlformats.org/officeDocument/2006/relationships" xmlns:p="http://schemas.openxmlformats.org/presentationml/2006/main">
-  <p:cSld>
-    <p:spTree>
-      <p:nvGrpSpPr>
-        <p:cNvPr id="1" name=""/>
-        <p:cNvGrpSpPr/>
-        <p:nvPr/>
-      </p:nvGrpSpPr>
-      <p:grpSpPr>
-        <a:xfrm>
-          <a:off x="0" y="0"/>
-          <a:ext cx="0" cy="0"/>
-          <a:chOff x="0" y="0"/>
-          <a:chExt cx="0" cy="0"/>
-        </a:xfrm>
-      </p:grpSpPr>
-      <p:sp>
-        <p:nvSpPr>
-          <p:cNvPr id="2" name="Title 1">
-            <a:extLst>
-              <a:ext uri="{FF2B5EF4-FFF2-40B4-BE49-F238E27FC236}">
-                <a16:creationId xmlns="" xmlns:a16="http://schemas.microsoft.com/office/drawing/2014/main" id="{9B3E31B1-1524-4917-9285-17E913845064}"/>
-              </a:ext>
-            </a:extLst>
-          </p:cNvPr>
-          <p:cNvSpPr>
-            <a:spLocks noGrp="1"/>
-          </p:cNvSpPr>
-          <p:nvPr>
-            <p:ph type="title"/>
-          </p:nvPr>
-        </p:nvSpPr>
-        <p:spPr/>
-        <p:txBody>
-          <a:bodyPr/>
-          <a:lstStyle/>
-          <a:p>
-            <a:r>
-              <a:rPr lang="en-US" dirty="0">
-                <a:cs typeface="Calibri Light"/>
-              </a:rPr>
-              <a:t>Proof of weak duality</a:t>
-            </a:r>
-            <a:endParaRPr lang="en-US" dirty="0"/>
-          </a:p>
-        </p:txBody>
-      </p:sp>
-      <p:sp>
-        <p:nvSpPr>
-          <p:cNvPr id="7" name="TextBox 6">
-            <a:extLst>
-              <a:ext uri="{FF2B5EF4-FFF2-40B4-BE49-F238E27FC236}">
-                <a16:creationId xmlns="" xmlns:a16="http://schemas.microsoft.com/office/drawing/2014/main" id="{3C8D1A93-8E34-461B-AE33-3F2AF8EDEDE3}"/>
-              </a:ext>
-            </a:extLst>
-          </p:cNvPr>
-          <p:cNvSpPr txBox="1"/>
-          <p:nvPr/>
-        </p:nvSpPr>
-        <p:spPr>
-          <a:xfrm>
-            <a:off x="1863969" y="1810238"/>
-            <a:ext cx="1883508" cy="461665"/>
-          </a:xfrm>
-          <a:prstGeom prst="rect">
-            <a:avLst/>
-          </a:prstGeom>
-          <a:noFill/>
-        </p:spPr>
-        <p:txBody>
-          <a:bodyPr rot="0" spcFirstLastPara="0" vertOverflow="overflow" horzOverflow="overflow" vert="horz" wrap="square" lIns="91440" tIns="45720" rIns="91440" bIns="45720" numCol="1" spcCol="0" rtlCol="0" fromWordArt="0" anchor="t" anchorCtr="0" forceAA="0" compatLnSpc="1">
-            <a:prstTxWarp prst="textNoShape">
-              <a:avLst/>
-            </a:prstTxWarp>
-            <a:spAutoFit/>
-          </a:bodyPr>
-          <a:lstStyle/>
-          <a:p>
-            <a:r>
-              <a:rPr lang="en-US" sz="2400" b="1" dirty="0"/>
-              <a:t>Primal form</a:t>
-            </a:r>
-            <a:endParaRPr lang="en-US" sz="2400" b="1">
-              <a:cs typeface="Calibri"/>
-            </a:endParaRPr>
-          </a:p>
-        </p:txBody>
-      </p:sp>
-      <p:pic>
-        <p:nvPicPr>
-          <p:cNvPr id="12" name="Picture 12" descr="A close up of a logo&#10;&#10;Description generated with very high confidence">
-            <a:extLst>
-              <a:ext uri="{FF2B5EF4-FFF2-40B4-BE49-F238E27FC236}">
-                <a16:creationId xmlns="" xmlns:a16="http://schemas.microsoft.com/office/drawing/2014/main" id="{BCB28C98-A97C-401C-8299-EB6FC4F8EC07}"/>
-              </a:ext>
-            </a:extLst>
-          </p:cNvPr>
-          <p:cNvPicPr>
-            <a:picLocks noChangeAspect="1"/>
-          </p:cNvPicPr>
-          <p:nvPr/>
-        </p:nvPicPr>
-        <p:blipFill>
-          <a:blip r:embed="rId2"/>
-          <a:stretch>
-            <a:fillRect/>
-          </a:stretch>
-        </p:blipFill>
-        <p:spPr>
-          <a:xfrm>
-            <a:off x="1081049" y="2124205"/>
-            <a:ext cx="2672180" cy="1977241"/>
-          </a:xfrm>
-          <a:prstGeom prst="rect">
-            <a:avLst/>
-          </a:prstGeom>
-        </p:spPr>
-      </p:pic>
-      <p:sp>
-        <p:nvSpPr>
-          <p:cNvPr id="15" name="TextBox 14">
-            <a:extLst>
-              <a:ext uri="{FF2B5EF4-FFF2-40B4-BE49-F238E27FC236}">
-                <a16:creationId xmlns="" xmlns:a16="http://schemas.microsoft.com/office/drawing/2014/main" id="{1AAE7903-DA0C-486B-BDC7-ADB80C60CE39}"/>
-              </a:ext>
-            </a:extLst>
-          </p:cNvPr>
-          <p:cNvSpPr txBox="1"/>
-          <p:nvPr/>
-        </p:nvSpPr>
-        <p:spPr>
-          <a:xfrm>
-            <a:off x="6807199" y="1810237"/>
-            <a:ext cx="1883508" cy="461665"/>
-          </a:xfrm>
-          <a:prstGeom prst="rect">
-            <a:avLst/>
-          </a:prstGeom>
-          <a:noFill/>
-        </p:spPr>
-        <p:txBody>
-          <a:bodyPr rot="0" spcFirstLastPara="0" vertOverflow="overflow" horzOverflow="overflow" vert="horz" wrap="square" lIns="91440" tIns="45720" rIns="91440" bIns="45720" numCol="1" spcCol="0" rtlCol="0" fromWordArt="0" anchor="t" anchorCtr="0" forceAA="0" compatLnSpc="1">
-            <a:prstTxWarp prst="textNoShape">
-              <a:avLst/>
-            </a:prstTxWarp>
-            <a:spAutoFit/>
-          </a:bodyPr>
-          <a:lstStyle/>
-          <a:p>
-            <a:r>
-              <a:rPr lang="en-US" sz="2400" b="1" dirty="0"/>
-              <a:t>Dual form</a:t>
-            </a:r>
-            <a:endParaRPr lang="en-US" dirty="0"/>
-          </a:p>
-        </p:txBody>
-      </p:sp>
-      <p:pic>
-        <p:nvPicPr>
-          <p:cNvPr id="16" name="Picture 16" descr="A close up of a logo&#10;&#10;Description generated with very high confidence">
-            <a:extLst>
-              <a:ext uri="{FF2B5EF4-FFF2-40B4-BE49-F238E27FC236}">
-                <a16:creationId xmlns="" xmlns:a16="http://schemas.microsoft.com/office/drawing/2014/main" id="{C7C82433-1251-4B07-9C0F-DB83878FB6CB}"/>
-              </a:ext>
-            </a:extLst>
-          </p:cNvPr>
-          <p:cNvPicPr>
-            <a:picLocks noChangeAspect="1"/>
-          </p:cNvPicPr>
-          <p:nvPr/>
-        </p:nvPicPr>
-        <p:blipFill>
-          <a:blip r:embed="rId3"/>
-          <a:stretch>
-            <a:fillRect/>
-          </a:stretch>
-        </p:blipFill>
-        <p:spPr>
-          <a:xfrm>
-            <a:off x="6103622" y="2198426"/>
-            <a:ext cx="2676525" cy="1828800"/>
-          </a:xfrm>
-          <a:prstGeom prst="rect">
-            <a:avLst/>
-          </a:prstGeom>
-        </p:spPr>
-      </p:pic>
-      <p:pic>
-        <p:nvPicPr>
-          <p:cNvPr id="6" name="Picture 5"/>
-          <p:cNvPicPr>
-            <a:picLocks noChangeAspect="1"/>
-          </p:cNvPicPr>
-          <p:nvPr/>
-        </p:nvPicPr>
-        <p:blipFill>
-          <a:blip r:embed="rId4">
-            <a:extLst>
-              <a:ext uri="{28A0092B-C50C-407E-A947-70E740481C1C}">
-                <a14:useLocalDpi xmlns:a14="http://schemas.microsoft.com/office/drawing/2010/main" val="0"/>
-              </a:ext>
-            </a:extLst>
-          </a:blip>
-          <a:stretch>
-            <a:fillRect/>
-          </a:stretch>
-        </p:blipFill>
-        <p:spPr>
-          <a:xfrm>
-            <a:off x="9223737" y="4793278"/>
-            <a:ext cx="2540000" cy="939800"/>
-          </a:xfrm>
-          <a:prstGeom prst="rect">
-            <a:avLst/>
-          </a:prstGeom>
-        </p:spPr>
-      </p:pic>
-      <p:pic>
-        <p:nvPicPr>
-          <p:cNvPr id="9" name="Picture 8"/>
-          <p:cNvPicPr>
-            <a:picLocks noChangeAspect="1"/>
-          </p:cNvPicPr>
-          <p:nvPr/>
-        </p:nvPicPr>
-        <p:blipFill>
-          <a:blip r:embed="rId5">
-            <a:extLst>
-              <a:ext uri="{28A0092B-C50C-407E-A947-70E740481C1C}">
-                <a14:useLocalDpi xmlns:a14="http://schemas.microsoft.com/office/drawing/2010/main" val="0"/>
-              </a:ext>
-            </a:extLst>
-          </a:blip>
-          <a:stretch>
-            <a:fillRect/>
-          </a:stretch>
-        </p:blipFill>
-        <p:spPr>
-          <a:xfrm>
-            <a:off x="5834443" y="4069182"/>
-            <a:ext cx="4673600" cy="1104900"/>
-          </a:xfrm>
-          <a:prstGeom prst="rect">
-            <a:avLst/>
-          </a:prstGeom>
-        </p:spPr>
-      </p:pic>
-      <p:pic>
-        <p:nvPicPr>
-          <p:cNvPr id="17" name="Picture 16"/>
-          <p:cNvPicPr>
-            <a:picLocks noChangeAspect="1"/>
-          </p:cNvPicPr>
-          <p:nvPr/>
-        </p:nvPicPr>
-        <p:blipFill>
-          <a:blip r:embed="rId6">
-            <a:extLst>
-              <a:ext uri="{28A0092B-C50C-407E-A947-70E740481C1C}">
-                <a14:useLocalDpi xmlns:a14="http://schemas.microsoft.com/office/drawing/2010/main" val="0"/>
-              </a:ext>
-            </a:extLst>
-          </a:blip>
-          <a:stretch>
-            <a:fillRect/>
-          </a:stretch>
-        </p:blipFill>
-        <p:spPr>
-          <a:xfrm>
-            <a:off x="5827370" y="5514869"/>
-            <a:ext cx="1473200" cy="939800"/>
-          </a:xfrm>
-          <a:prstGeom prst="rect">
-            <a:avLst/>
-          </a:prstGeom>
-        </p:spPr>
-      </p:pic>
-      <p:pic>
-        <p:nvPicPr>
-          <p:cNvPr id="20" name="Picture 19"/>
-          <p:cNvPicPr>
-            <a:picLocks noChangeAspect="1"/>
-          </p:cNvPicPr>
-          <p:nvPr/>
-        </p:nvPicPr>
-        <p:blipFill>
-          <a:blip r:embed="rId4">
-            <a:extLst>
-              <a:ext uri="{28A0092B-C50C-407E-A947-70E740481C1C}">
-                <a14:useLocalDpi xmlns:a14="http://schemas.microsoft.com/office/drawing/2010/main" val="0"/>
-              </a:ext>
-            </a:extLst>
-          </a:blip>
-          <a:stretch>
-            <a:fillRect/>
-          </a:stretch>
-        </p:blipFill>
-        <p:spPr>
-          <a:xfrm>
-            <a:off x="9223737" y="5562045"/>
-            <a:ext cx="2540000" cy="939800"/>
-          </a:xfrm>
-          <a:prstGeom prst="rect">
-            <a:avLst/>
-          </a:prstGeom>
-        </p:spPr>
-      </p:pic>
-      <p:pic>
-        <p:nvPicPr>
-          <p:cNvPr id="19" name="Picture 18"/>
-          <p:cNvPicPr>
-            <a:picLocks noChangeAspect="1"/>
-          </p:cNvPicPr>
-          <p:nvPr/>
-        </p:nvPicPr>
-        <p:blipFill rotWithShape="1">
-          <a:blip r:embed="rId7">
-            <a:extLst>
-              <a:ext uri="{28A0092B-C50C-407E-A947-70E740481C1C}">
-                <a14:useLocalDpi xmlns:a14="http://schemas.microsoft.com/office/drawing/2010/main" val="0"/>
-              </a:ext>
-            </a:extLst>
-          </a:blip>
-          <a:srcRect r="6513"/>
-          <a:stretch/>
-        </p:blipFill>
-        <p:spPr>
-          <a:xfrm>
-            <a:off x="368526" y="4143402"/>
-            <a:ext cx="5330880" cy="914400"/>
-          </a:xfrm>
-          <a:prstGeom prst="rect">
-            <a:avLst/>
-          </a:prstGeom>
-        </p:spPr>
-      </p:pic>
-      <p:pic>
-        <p:nvPicPr>
-          <p:cNvPr id="21" name="Picture 20"/>
-          <p:cNvPicPr>
-            <a:picLocks noChangeAspect="1"/>
-          </p:cNvPicPr>
-          <p:nvPr/>
-        </p:nvPicPr>
-        <p:blipFill rotWithShape="1">
-          <a:blip r:embed="rId8">
-            <a:extLst>
-              <a:ext uri="{28A0092B-C50C-407E-A947-70E740481C1C}">
-                <a14:useLocalDpi xmlns:a14="http://schemas.microsoft.com/office/drawing/2010/main" val="0"/>
-              </a:ext>
-            </a:extLst>
-          </a:blip>
-          <a:srcRect r="6295"/>
-          <a:stretch/>
-        </p:blipFill>
-        <p:spPr>
-          <a:xfrm>
-            <a:off x="368525" y="4870086"/>
-            <a:ext cx="5141024" cy="914400"/>
-          </a:xfrm>
-          <a:prstGeom prst="rect">
-            <a:avLst/>
-          </a:prstGeom>
-        </p:spPr>
-      </p:pic>
-      <p:pic>
-        <p:nvPicPr>
-          <p:cNvPr id="22" name="Picture 21"/>
-          <p:cNvPicPr>
-            <a:picLocks noChangeAspect="1"/>
-          </p:cNvPicPr>
-          <p:nvPr/>
-        </p:nvPicPr>
-        <p:blipFill rotWithShape="1">
-          <a:blip r:embed="rId9">
-            <a:extLst>
-              <a:ext uri="{28A0092B-C50C-407E-A947-70E740481C1C}">
-                <a14:useLocalDpi xmlns:a14="http://schemas.microsoft.com/office/drawing/2010/main" val="0"/>
-              </a:ext>
-            </a:extLst>
-          </a:blip>
-          <a:srcRect r="6031"/>
-          <a:stretch/>
-        </p:blipFill>
-        <p:spPr>
-          <a:xfrm>
-            <a:off x="435590" y="5813501"/>
-            <a:ext cx="4222821" cy="616293"/>
-          </a:xfrm>
-          <a:prstGeom prst="rect">
-            <a:avLst/>
-          </a:prstGeom>
-        </p:spPr>
-      </p:pic>
-      <p:pic>
-        <p:nvPicPr>
-          <p:cNvPr id="23" name="Picture 22"/>
-          <p:cNvPicPr>
-            <a:picLocks noChangeAspect="1"/>
-          </p:cNvPicPr>
-          <p:nvPr/>
-        </p:nvPicPr>
-        <p:blipFill>
-          <a:blip r:embed="rId10">
-            <a:extLst>
-              <a:ext uri="{28A0092B-C50C-407E-A947-70E740481C1C}">
-                <a14:useLocalDpi xmlns:a14="http://schemas.microsoft.com/office/drawing/2010/main" val="0"/>
-              </a:ext>
-            </a:extLst>
-          </a:blip>
-          <a:stretch>
-            <a:fillRect/>
-          </a:stretch>
-        </p:blipFill>
-        <p:spPr>
-          <a:xfrm>
-            <a:off x="5562600" y="4295802"/>
-            <a:ext cx="533400" cy="762000"/>
-          </a:xfrm>
-          <a:prstGeom prst="rect">
-            <a:avLst/>
-          </a:prstGeom>
-        </p:spPr>
-      </p:pic>
-      <p:pic>
-        <p:nvPicPr>
-          <p:cNvPr id="26" name="Picture 25"/>
-          <p:cNvPicPr>
-            <a:picLocks noChangeAspect="1"/>
-          </p:cNvPicPr>
-          <p:nvPr/>
-        </p:nvPicPr>
-        <p:blipFill>
-          <a:blip r:embed="rId10">
-            <a:extLst>
-              <a:ext uri="{28A0092B-C50C-407E-A947-70E740481C1C}">
-                <a14:useLocalDpi xmlns:a14="http://schemas.microsoft.com/office/drawing/2010/main" val="0"/>
-              </a:ext>
-            </a:extLst>
-          </a:blip>
-          <a:stretch>
-            <a:fillRect/>
-          </a:stretch>
-        </p:blipFill>
-        <p:spPr>
-          <a:xfrm>
-            <a:off x="5562600" y="5004426"/>
-            <a:ext cx="533400" cy="762000"/>
-          </a:xfrm>
-          <a:prstGeom prst="rect">
-            <a:avLst/>
-          </a:prstGeom>
-        </p:spPr>
-      </p:pic>
-      <p:pic>
-        <p:nvPicPr>
-          <p:cNvPr id="27" name="Picture 26"/>
-          <p:cNvPicPr>
-            <a:picLocks noChangeAspect="1"/>
-          </p:cNvPicPr>
-          <p:nvPr/>
-        </p:nvPicPr>
-        <p:blipFill>
-          <a:blip r:embed="rId10">
-            <a:extLst>
-              <a:ext uri="{28A0092B-C50C-407E-A947-70E740481C1C}">
-                <a14:useLocalDpi xmlns:a14="http://schemas.microsoft.com/office/drawing/2010/main" val="0"/>
-              </a:ext>
-            </a:extLst>
-          </a:blip>
-          <a:stretch>
-            <a:fillRect/>
-          </a:stretch>
-        </p:blipFill>
-        <p:spPr>
-          <a:xfrm>
-            <a:off x="5560670" y="5723819"/>
-            <a:ext cx="533400" cy="762000"/>
-          </a:xfrm>
-          <a:prstGeom prst="rect">
-            <a:avLst/>
-          </a:prstGeom>
-        </p:spPr>
-      </p:pic>
-    </p:spTree>
-    <p:extLst>
-      <p:ext uri="{BB962C8B-B14F-4D97-AF65-F5344CB8AC3E}">
-        <p14:creationId xmlns:p14="http://schemas.microsoft.com/office/powerpoint/2010/main" val="803012776"/>
-      </p:ext>
-    </p:extLst>
-  </p:cSld>
-  <p:clrMapOvr>
-    <a:masterClrMapping/>
-  </p:clrMapOvr>
-  <p:timing>
-    <p:tnLst>
-      <p:par>
-        <p:cTn id="1" dur="indefinite" restart="never" nodeType="tmRoot"/>
-      </p:par>
-    </p:tnLst>
-  </p:timing>
-</p:sld>
-</file>
-
-<file path=ppt/slides/slide30.xml><?xml version="1.0" encoding="utf-8"?>
+<file path=ppt/slides/slide31.xml><?xml version="1.0" encoding="utf-8"?>
 <p:sld xmlns:a="http://schemas.openxmlformats.org/drawingml/2006/main" xmlns:r="http://schemas.openxmlformats.org/officeDocument/2006/relationships" xmlns:p="http://schemas.openxmlformats.org/presentationml/2006/main">
   <p:cSld>
     <p:spTree>
@@ -28020,7 +28203,7 @@
 </p:sld>
 </file>
 
-<file path=ppt/slides/slide31.xml><?xml version="1.0" encoding="utf-8"?>
+<file path=ppt/slides/slide32.xml><?xml version="1.0" encoding="utf-8"?>
 <p:sld xmlns:a="http://schemas.openxmlformats.org/drawingml/2006/main" xmlns:r="http://schemas.openxmlformats.org/officeDocument/2006/relationships" xmlns:p="http://schemas.openxmlformats.org/presentationml/2006/main">
   <p:cSld>
     <p:spTree>
@@ -28680,7 +28863,7 @@
 </p:sld>
 </file>
 
-<file path=ppt/slides/slide32.xml><?xml version="1.0" encoding="utf-8"?>
+<file path=ppt/slides/slide33.xml><?xml version="1.0" encoding="utf-8"?>
 <p:sld xmlns:a="http://schemas.openxmlformats.org/drawingml/2006/main" xmlns:r="http://schemas.openxmlformats.org/officeDocument/2006/relationships" xmlns:p="http://schemas.openxmlformats.org/presentationml/2006/main">
   <p:cSld>
     <p:spTree>
@@ -28921,7 +29104,7 @@
           <p:cNvPr id="2" name="Title 1">
             <a:extLst>
               <a:ext uri="{FF2B5EF4-FFF2-40B4-BE49-F238E27FC236}">
-                <a16:creationId xmlns="" xmlns:a16="http://schemas.microsoft.com/office/drawing/2014/main" id="{9B3E31B1-1524-4917-9285-17E913845064}"/>
+                <a16:creationId xmlns:a16="http://schemas.microsoft.com/office/drawing/2014/main" xmlns="" id="{9B3E31B1-1524-4917-9285-17E913845064}"/>
               </a:ext>
             </a:extLst>
           </p:cNvPr>
@@ -28952,7 +29135,7 @@
           <p:cNvPr id="7" name="TextBox 6">
             <a:extLst>
               <a:ext uri="{FF2B5EF4-FFF2-40B4-BE49-F238E27FC236}">
-                <a16:creationId xmlns="" xmlns:a16="http://schemas.microsoft.com/office/drawing/2014/main" id="{3C8D1A93-8E34-461B-AE33-3F2AF8EDEDE3}"/>
+                <a16:creationId xmlns:a16="http://schemas.microsoft.com/office/drawing/2014/main" xmlns="" id="{3C8D1A93-8E34-461B-AE33-3F2AF8EDEDE3}"/>
               </a:ext>
             </a:extLst>
           </p:cNvPr>
@@ -28961,7 +29144,7 @@
         </p:nvSpPr>
         <p:spPr>
           <a:xfrm>
-            <a:off x="1863969" y="1810238"/>
+            <a:off x="1099431" y="1810237"/>
             <a:ext cx="1883508" cy="461665"/>
           </a:xfrm>
           <a:prstGeom prst="rect">
@@ -28993,7 +29176,7 @@
           <p:cNvPr id="12" name="Picture 12" descr="A close up of a logo&#10;&#10;Description generated with very high confidence">
             <a:extLst>
               <a:ext uri="{FF2B5EF4-FFF2-40B4-BE49-F238E27FC236}">
-                <a16:creationId xmlns="" xmlns:a16="http://schemas.microsoft.com/office/drawing/2014/main" id="{BCB28C98-A97C-401C-8299-EB6FC4F8EC07}"/>
+                <a16:creationId xmlns:a16="http://schemas.microsoft.com/office/drawing/2014/main" xmlns="" id="{BCB28C98-A97C-401C-8299-EB6FC4F8EC07}"/>
               </a:ext>
             </a:extLst>
           </p:cNvPr>
@@ -29023,7 +29206,7 @@
           <p:cNvPr id="15" name="TextBox 14">
             <a:extLst>
               <a:ext uri="{FF2B5EF4-FFF2-40B4-BE49-F238E27FC236}">
-                <a16:creationId xmlns="" xmlns:a16="http://schemas.microsoft.com/office/drawing/2014/main" id="{1AAE7903-DA0C-486B-BDC7-ADB80C60CE39}"/>
+                <a16:creationId xmlns:a16="http://schemas.microsoft.com/office/drawing/2014/main" xmlns="" id="{1AAE7903-DA0C-486B-BDC7-ADB80C60CE39}"/>
               </a:ext>
             </a:extLst>
           </p:cNvPr>
@@ -29062,7 +29245,7 @@
           <p:cNvPr id="16" name="Picture 16" descr="A close up of a logo&#10;&#10;Description generated with very high confidence">
             <a:extLst>
               <a:ext uri="{FF2B5EF4-FFF2-40B4-BE49-F238E27FC236}">
-                <a16:creationId xmlns="" xmlns:a16="http://schemas.microsoft.com/office/drawing/2014/main" id="{C7C82433-1251-4B07-9C0F-DB83878FB6CB}"/>
+                <a16:creationId xmlns:a16="http://schemas.microsoft.com/office/drawing/2014/main" xmlns="" id="{C7C82433-1251-4B07-9C0F-DB83878FB6CB}"/>
               </a:ext>
             </a:extLst>
           </p:cNvPr>
@@ -29092,7 +29275,7 @@
           <p:cNvPr id="32" name="TextBox 31">
             <a:extLst>
               <a:ext uri="{FF2B5EF4-FFF2-40B4-BE49-F238E27FC236}">
-                <a16:creationId xmlns="" xmlns:a16="http://schemas.microsoft.com/office/drawing/2014/main" id="{95FFBCCC-62A7-4B35-95D9-9DDDAD7F90FD}"/>
+                <a16:creationId xmlns:a16="http://schemas.microsoft.com/office/drawing/2014/main" xmlns="" id="{95FFBCCC-62A7-4B35-95D9-9DDDAD7F90FD}"/>
               </a:ext>
             </a:extLst>
           </p:cNvPr>
@@ -29131,7 +29314,7 @@
           <p:cNvPr id="33" name="Picture 33" descr="A close up of a logo&#10;&#10;Description generated with very high confidence">
             <a:extLst>
               <a:ext uri="{FF2B5EF4-FFF2-40B4-BE49-F238E27FC236}">
-                <a16:creationId xmlns="" xmlns:a16="http://schemas.microsoft.com/office/drawing/2014/main" id="{38088EDE-D1BD-4D90-BC05-DB9DB49BBAAD}"/>
+                <a16:creationId xmlns:a16="http://schemas.microsoft.com/office/drawing/2014/main" xmlns="" id="{38088EDE-D1BD-4D90-BC05-DB9DB49BBAAD}"/>
               </a:ext>
             </a:extLst>
           </p:cNvPr>
@@ -29166,7 +29349,7 @@
           <p:cNvPr id="3" name="Arrow: Right 2">
             <a:extLst>
               <a:ext uri="{FF2B5EF4-FFF2-40B4-BE49-F238E27FC236}">
-                <a16:creationId xmlns="" xmlns:a16="http://schemas.microsoft.com/office/drawing/2014/main" id="{A386E034-963A-452A-BA56-7A5B5FF1099E}"/>
+                <a16:creationId xmlns:a16="http://schemas.microsoft.com/office/drawing/2014/main" xmlns="" id="{A386E034-963A-452A-BA56-7A5B5FF1099E}"/>
               </a:ext>
             </a:extLst>
           </p:cNvPr>
@@ -29212,7 +29395,7 @@
           <p:cNvPr id="10" name="Arrow: Right 9">
             <a:extLst>
               <a:ext uri="{FF2B5EF4-FFF2-40B4-BE49-F238E27FC236}">
-                <a16:creationId xmlns="" xmlns:a16="http://schemas.microsoft.com/office/drawing/2014/main" id="{FC53BB6D-D8F9-4631-B0DB-C5D30F0A1ADE}"/>
+                <a16:creationId xmlns:a16="http://schemas.microsoft.com/office/drawing/2014/main" xmlns="" id="{FC53BB6D-D8F9-4631-B0DB-C5D30F0A1ADE}"/>
               </a:ext>
             </a:extLst>
           </p:cNvPr>
@@ -29295,7 +29478,7 @@
           <p:cNvPr id="2" name="Title 1">
             <a:extLst>
               <a:ext uri="{FF2B5EF4-FFF2-40B4-BE49-F238E27FC236}">
-                <a16:creationId xmlns="" xmlns:a16="http://schemas.microsoft.com/office/drawing/2014/main" id="{0F79825B-3723-4872-BC1F-C4E6A23AD3AC}"/>
+                <a16:creationId xmlns:a16="http://schemas.microsoft.com/office/drawing/2014/main" xmlns="" id="{0F79825B-3723-4872-BC1F-C4E6A23AD3AC}"/>
               </a:ext>
             </a:extLst>
           </p:cNvPr>
@@ -29326,7 +29509,7 @@
           <p:cNvPr id="7" name="Picture 7" descr="A close up of a logo&#10;&#10;Description generated with very high confidence">
             <a:extLst>
               <a:ext uri="{FF2B5EF4-FFF2-40B4-BE49-F238E27FC236}">
-                <a16:creationId xmlns="" xmlns:a16="http://schemas.microsoft.com/office/drawing/2014/main" id="{80B0312D-5F8E-47B4-92BF-FA66F656751D}"/>
+                <a16:creationId xmlns:a16="http://schemas.microsoft.com/office/drawing/2014/main" xmlns="" id="{80B0312D-5F8E-47B4-92BF-FA66F656751D}"/>
               </a:ext>
             </a:extLst>
           </p:cNvPr>
@@ -29359,7 +29542,7 @@
           <p:cNvPr id="13" name="TextBox 12">
             <a:extLst>
               <a:ext uri="{FF2B5EF4-FFF2-40B4-BE49-F238E27FC236}">
-                <a16:creationId xmlns="" xmlns:a16="http://schemas.microsoft.com/office/drawing/2014/main" id="{92238BA9-76D0-4E8E-B5FA-9F7DB40CA3C5}"/>
+                <a16:creationId xmlns:a16="http://schemas.microsoft.com/office/drawing/2014/main" xmlns="" id="{92238BA9-76D0-4E8E-B5FA-9F7DB40CA3C5}"/>
               </a:ext>
             </a:extLst>
           </p:cNvPr>
@@ -29368,7 +29551,7 @@
         </p:nvSpPr>
         <p:spPr>
           <a:xfrm>
-            <a:off x="834774" y="3304550"/>
+            <a:off x="9631677" y="1374759"/>
             <a:ext cx="1883508" cy="461665"/>
           </a:xfrm>
           <a:prstGeom prst="rect">
@@ -29402,7 +29585,7 @@
           <p:cNvPr id="19" name="Picture 19">
             <a:extLst>
               <a:ext uri="{FF2B5EF4-FFF2-40B4-BE49-F238E27FC236}">
-                <a16:creationId xmlns="" xmlns:a16="http://schemas.microsoft.com/office/drawing/2014/main" id="{F5FA65D8-C04D-46E6-9FC6-23843A758732}"/>
+                <a16:creationId xmlns:a16="http://schemas.microsoft.com/office/drawing/2014/main" xmlns="" id="{F5FA65D8-C04D-46E6-9FC6-23843A758732}"/>
               </a:ext>
             </a:extLst>
           </p:cNvPr>
@@ -29419,7 +29602,7 @@
         </p:blipFill>
         <p:spPr>
           <a:xfrm>
-            <a:off x="11581014" y="4959185"/>
+            <a:off x="6876396" y="3766107"/>
             <a:ext cx="438150" cy="571500"/>
           </a:xfrm>
           <a:prstGeom prst="rect">
@@ -29429,10 +29612,10 @@
       </p:pic>
       <p:pic>
         <p:nvPicPr>
-          <p:cNvPr id="24" name="Picture 24" descr="A close up of a logo&#10;&#10;Description generated with very high confidence">
+          <p:cNvPr id="58" name="Picture 58" descr="A picture containing traffic&#10;&#10;Description generated with very high confidence">
             <a:extLst>
               <a:ext uri="{FF2B5EF4-FFF2-40B4-BE49-F238E27FC236}">
-                <a16:creationId xmlns="" xmlns:a16="http://schemas.microsoft.com/office/drawing/2014/main" id="{E75973BA-2F48-4595-8A40-76F9628582C1}"/>
+                <a16:creationId xmlns:a16="http://schemas.microsoft.com/office/drawing/2014/main" xmlns="" id="{561102FE-26B9-45F1-9736-025A946AD7B5}"/>
               </a:ext>
             </a:extLst>
           </p:cNvPr>
@@ -29441,136 +29624,15 @@
           </p:cNvPicPr>
           <p:nvPr/>
         </p:nvPicPr>
-        <p:blipFill>
+        <p:blipFill rotWithShape="1">
           <a:blip r:embed="rId4"/>
-          <a:stretch>
-            <a:fillRect/>
-          </a:stretch>
+          <a:srcRect r="60805"/>
+          <a:stretch/>
         </p:blipFill>
         <p:spPr>
           <a:xfrm>
-            <a:off x="7382592" y="4491532"/>
-            <a:ext cx="819150" cy="695325"/>
-          </a:xfrm>
-          <a:prstGeom prst="rect">
-            <a:avLst/>
-          </a:prstGeom>
-        </p:spPr>
-      </p:pic>
-      <p:pic>
-        <p:nvPicPr>
-          <p:cNvPr id="41" name="Picture 41" descr="A picture containing drawing&#10;&#10;Description generated with very high confidence">
-            <a:extLst>
-              <a:ext uri="{FF2B5EF4-FFF2-40B4-BE49-F238E27FC236}">
-                <a16:creationId xmlns="" xmlns:a16="http://schemas.microsoft.com/office/drawing/2014/main" id="{31E1483B-7194-4F70-B546-9D57F1B81B91}"/>
-              </a:ext>
-            </a:extLst>
-          </p:cNvPr>
-          <p:cNvPicPr>
-            <a:picLocks noChangeAspect="1"/>
-          </p:cNvPicPr>
-          <p:nvPr/>
-        </p:nvPicPr>
-        <p:blipFill>
-          <a:blip r:embed="rId5"/>
-          <a:stretch>
-            <a:fillRect/>
-          </a:stretch>
-        </p:blipFill>
-        <p:spPr>
-          <a:xfrm>
-            <a:off x="419594" y="3672445"/>
-            <a:ext cx="5662550" cy="690747"/>
-          </a:xfrm>
-          <a:prstGeom prst="rect">
-            <a:avLst/>
-          </a:prstGeom>
-        </p:spPr>
-      </p:pic>
-      <p:pic>
-        <p:nvPicPr>
-          <p:cNvPr id="49" name="Picture 49" descr="A picture containing clock, drawing, flower&#10;&#10;Description generated with very high confidence">
-            <a:extLst>
-              <a:ext uri="{FF2B5EF4-FFF2-40B4-BE49-F238E27FC236}">
-                <a16:creationId xmlns="" xmlns:a16="http://schemas.microsoft.com/office/drawing/2014/main" id="{E47A10BC-72DE-41B7-9EBD-B24B82C7CB84}"/>
-              </a:ext>
-            </a:extLst>
-          </p:cNvPr>
-          <p:cNvPicPr>
-            <a:picLocks noChangeAspect="1"/>
-          </p:cNvPicPr>
-          <p:nvPr/>
-        </p:nvPicPr>
-        <p:blipFill>
-          <a:blip r:embed="rId6"/>
-          <a:stretch>
-            <a:fillRect/>
-          </a:stretch>
-        </p:blipFill>
-        <p:spPr>
-          <a:xfrm>
-            <a:off x="279838" y="4198408"/>
-            <a:ext cx="2409825" cy="857250"/>
-          </a:xfrm>
-          <a:prstGeom prst="rect">
-            <a:avLst/>
-          </a:prstGeom>
-        </p:spPr>
-      </p:pic>
-      <p:pic>
-        <p:nvPicPr>
-          <p:cNvPr id="51" name="Picture 51" descr="A picture containing food, drawing&#10;&#10;Description generated with very high confidence">
-            <a:extLst>
-              <a:ext uri="{FF2B5EF4-FFF2-40B4-BE49-F238E27FC236}">
-                <a16:creationId xmlns="" xmlns:a16="http://schemas.microsoft.com/office/drawing/2014/main" id="{6971AD3C-9B53-470A-8695-765A33542705}"/>
-              </a:ext>
-            </a:extLst>
-          </p:cNvPr>
-          <p:cNvPicPr>
-            <a:picLocks noChangeAspect="1"/>
-          </p:cNvPicPr>
-          <p:nvPr/>
-        </p:nvPicPr>
-        <p:blipFill>
-          <a:blip r:embed="rId7"/>
-          <a:stretch>
-            <a:fillRect/>
-          </a:stretch>
-        </p:blipFill>
-        <p:spPr>
-          <a:xfrm>
-            <a:off x="281385" y="4827984"/>
-            <a:ext cx="5296392" cy="864796"/>
-          </a:xfrm>
-          <a:prstGeom prst="rect">
-            <a:avLst/>
-          </a:prstGeom>
-        </p:spPr>
-      </p:pic>
-      <p:pic>
-        <p:nvPicPr>
-          <p:cNvPr id="58" name="Picture 58" descr="A picture containing traffic&#10;&#10;Description generated with very high confidence">
-            <a:extLst>
-              <a:ext uri="{FF2B5EF4-FFF2-40B4-BE49-F238E27FC236}">
-                <a16:creationId xmlns="" xmlns:a16="http://schemas.microsoft.com/office/drawing/2014/main" id="{561102FE-26B9-45F1-9736-025A946AD7B5}"/>
-              </a:ext>
-            </a:extLst>
-          </p:cNvPr>
-          <p:cNvPicPr>
-            <a:picLocks noChangeAspect="1"/>
-          </p:cNvPicPr>
-          <p:nvPr/>
-        </p:nvPicPr>
-        <p:blipFill>
-          <a:blip r:embed="rId8"/>
-          <a:stretch>
-            <a:fillRect/>
-          </a:stretch>
-        </p:blipFill>
-        <p:spPr>
-          <a:xfrm>
-            <a:off x="9505826" y="4506376"/>
-            <a:ext cx="1809750" cy="695325"/>
+            <a:off x="5351416" y="3344754"/>
+            <a:ext cx="709333" cy="695325"/>
           </a:xfrm>
           <a:prstGeom prst="rect">
             <a:avLst/>
@@ -29585,7 +29647,7 @@
         </p:nvSpPr>
         <p:spPr>
           <a:xfrm>
-            <a:off x="8214208" y="3601345"/>
+            <a:off x="8589520" y="663338"/>
             <a:ext cx="214687" cy="2384706"/>
           </a:xfrm>
           <a:prstGeom prst="rect">
@@ -29640,7 +29702,7 @@
           <p:cNvPr id="61" name="Picture 61">
             <a:extLst>
               <a:ext uri="{FF2B5EF4-FFF2-40B4-BE49-F238E27FC236}">
-                <a16:creationId xmlns="" xmlns:a16="http://schemas.microsoft.com/office/drawing/2014/main" id="{395E44A0-5BF1-4541-8A51-BFC69EE47E4F}"/>
+                <a16:creationId xmlns:a16="http://schemas.microsoft.com/office/drawing/2014/main" xmlns="" id="{395E44A0-5BF1-4541-8A51-BFC69EE47E4F}"/>
               </a:ext>
             </a:extLst>
           </p:cNvPr>
@@ -29650,14 +29712,1093 @@
           <p:nvPr/>
         </p:nvPicPr>
         <p:blipFill>
-          <a:blip r:embed="rId9"/>
+          <a:blip r:embed="rId5"/>
           <a:stretch>
             <a:fillRect/>
           </a:stretch>
         </p:blipFill>
         <p:spPr>
           <a:xfrm>
-            <a:off x="8344701" y="3550411"/>
+            <a:off x="8720013" y="612404"/>
+            <a:ext cx="1571625" cy="342900"/>
+          </a:xfrm>
+          <a:prstGeom prst="rect">
+            <a:avLst/>
+          </a:prstGeom>
+        </p:spPr>
+      </p:pic>
+      <p:cxnSp>
+        <p:nvCxnSpPr>
+          <p:cNvPr id="18" name="Straight Arrow Connector 17">
+            <a:extLst>
+              <a:ext uri="{FF2B5EF4-FFF2-40B4-BE49-F238E27FC236}">
+                <a16:creationId xmlns:a16="http://schemas.microsoft.com/office/drawing/2014/main" xmlns="" id="{1A9D56D8-0796-41CA-BDAE-A54AEFA6AB4A}"/>
+              </a:ext>
+            </a:extLst>
+          </p:cNvPr>
+          <p:cNvCxnSpPr/>
+          <p:nvPr/>
+        </p:nvCxnSpPr>
+        <p:spPr>
+          <a:xfrm flipV="1">
+            <a:off x="1461372" y="4052598"/>
+            <a:ext cx="5417126" cy="5937"/>
+          </a:xfrm>
+          <a:prstGeom prst="straightConnector1">
+            <a:avLst/>
+          </a:prstGeom>
+          <a:ln>
+            <a:solidFill>
+              <a:schemeClr val="tx1"/>
+            </a:solidFill>
+            <a:tailEnd type="triangle"/>
+          </a:ln>
+        </p:spPr>
+        <p:style>
+          <a:lnRef idx="1">
+            <a:schemeClr val="accent1"/>
+          </a:lnRef>
+          <a:fillRef idx="0">
+            <a:schemeClr val="accent1"/>
+          </a:fillRef>
+          <a:effectRef idx="0">
+            <a:schemeClr val="accent1"/>
+          </a:effectRef>
+          <a:fontRef idx="minor">
+            <a:schemeClr val="tx1"/>
+          </a:fontRef>
+        </p:style>
+      </p:cxnSp>
+      <p:sp>
+        <p:nvSpPr>
+          <p:cNvPr id="32" name="Oval 31">
+            <a:extLst>
+              <a:ext uri="{FF2B5EF4-FFF2-40B4-BE49-F238E27FC236}">
+                <a16:creationId xmlns:a16="http://schemas.microsoft.com/office/drawing/2014/main" xmlns="" id="{087D8941-8777-474C-A035-46A42D21194B}"/>
+              </a:ext>
+            </a:extLst>
+          </p:cNvPr>
+          <p:cNvSpPr/>
+          <p:nvPr/>
+        </p:nvSpPr>
+        <p:spPr>
+          <a:xfrm>
+            <a:off x="5631862" y="3967740"/>
+            <a:ext cx="148442" cy="168234"/>
+          </a:xfrm>
+          <a:prstGeom prst="ellipse">
+            <a:avLst/>
+          </a:prstGeom>
+          <a:solidFill>
+            <a:srgbClr val="C00000"/>
+          </a:solidFill>
+          <a:ln>
+            <a:solidFill>
+              <a:srgbClr val="C00000"/>
+            </a:solidFill>
+          </a:ln>
+        </p:spPr>
+        <p:style>
+          <a:lnRef idx="2">
+            <a:schemeClr val="accent1">
+              <a:shade val="50000"/>
+            </a:schemeClr>
+          </a:lnRef>
+          <a:fillRef idx="1">
+            <a:schemeClr val="accent1"/>
+          </a:fillRef>
+          <a:effectRef idx="0">
+            <a:schemeClr val="accent1"/>
+          </a:effectRef>
+          <a:fontRef idx="minor">
+            <a:schemeClr val="lt1"/>
+          </a:fontRef>
+        </p:style>
+        <p:txBody>
+          <a:bodyPr rtlCol="0" anchor="ctr"/>
+          <a:lstStyle/>
+          <a:p>
+            <a:pPr algn="ctr"/>
+            <a:endParaRPr lang="en-US"/>
+          </a:p>
+        </p:txBody>
+      </p:sp>
+      <p:sp>
+        <p:nvSpPr>
+          <p:cNvPr id="4" name="Rectangle 3"/>
+          <p:cNvSpPr/>
+          <p:nvPr/>
+        </p:nvSpPr>
+        <p:spPr>
+          <a:xfrm>
+            <a:off x="1455699" y="4479400"/>
+            <a:ext cx="5766666" cy="2018483"/>
+          </a:xfrm>
+          <a:prstGeom prst="rect">
+            <a:avLst/>
+          </a:prstGeom>
+          <a:noFill/>
+          <a:ln>
+            <a:solidFill>
+              <a:schemeClr val="tx1"/>
+            </a:solidFill>
+          </a:ln>
+        </p:spPr>
+        <p:style>
+          <a:lnRef idx="2">
+            <a:schemeClr val="accent1">
+              <a:shade val="50000"/>
+            </a:schemeClr>
+          </a:lnRef>
+          <a:fillRef idx="1">
+            <a:schemeClr val="accent1"/>
+          </a:fillRef>
+          <a:effectRef idx="0">
+            <a:schemeClr val="accent1"/>
+          </a:effectRef>
+          <a:fontRef idx="minor">
+            <a:schemeClr val="lt1"/>
+          </a:fontRef>
+        </p:style>
+        <p:txBody>
+          <a:bodyPr rtlCol="0" anchor="ctr"/>
+          <a:lstStyle/>
+          <a:p>
+            <a:pPr algn="ctr"/>
+            <a:endParaRPr lang="en-US"/>
+          </a:p>
+        </p:txBody>
+      </p:sp>
+      <p:pic>
+        <p:nvPicPr>
+          <p:cNvPr id="8" name="Picture 7"/>
+          <p:cNvPicPr>
+            <a:picLocks noChangeAspect="1"/>
+          </p:cNvPicPr>
+          <p:nvPr/>
+        </p:nvPicPr>
+        <p:blipFill>
+          <a:blip r:embed="rId6">
+            <a:extLst>
+              <a:ext uri="{28A0092B-C50C-407E-A947-70E740481C1C}">
+                <a14:useLocalDpi xmlns:a14="http://schemas.microsoft.com/office/drawing/2010/main" val="0"/>
+              </a:ext>
+            </a:extLst>
+          </a:blip>
+          <a:stretch>
+            <a:fillRect/>
+          </a:stretch>
+        </p:blipFill>
+        <p:spPr>
+          <a:xfrm>
+            <a:off x="1677244" y="4507143"/>
+            <a:ext cx="5323576" cy="1894103"/>
+          </a:xfrm>
+          <a:prstGeom prst="rect">
+            <a:avLst/>
+          </a:prstGeom>
+        </p:spPr>
+      </p:pic>
+      <p:pic>
+        <p:nvPicPr>
+          <p:cNvPr id="30" name="Picture 24" descr="A close up of a logo&#10;&#10;Description generated with very high confidence">
+            <a:extLst>
+              <a:ext uri="{FF2B5EF4-FFF2-40B4-BE49-F238E27FC236}">
+                <a16:creationId xmlns:a16="http://schemas.microsoft.com/office/drawing/2014/main" xmlns="" id="{E75973BA-2F48-4595-8A40-76F9628582C1}"/>
+              </a:ext>
+            </a:extLst>
+          </p:cNvPr>
+          <p:cNvPicPr>
+            <a:picLocks noChangeAspect="1"/>
+          </p:cNvPicPr>
+          <p:nvPr/>
+        </p:nvPicPr>
+        <p:blipFill>
+          <a:blip r:embed="rId7"/>
+          <a:stretch>
+            <a:fillRect/>
+          </a:stretch>
+        </p:blipFill>
+        <p:spPr>
+          <a:xfrm>
+            <a:off x="3001099" y="3344754"/>
+            <a:ext cx="819150" cy="695325"/>
+          </a:xfrm>
+          <a:prstGeom prst="rect">
+            <a:avLst/>
+          </a:prstGeom>
+        </p:spPr>
+      </p:pic>
+      <p:pic>
+        <p:nvPicPr>
+          <p:cNvPr id="31" name="Picture 28" descr="A close up of a logo&#10;&#10;Description generated with very high confidence">
+            <a:extLst>
+              <a:ext uri="{FF2B5EF4-FFF2-40B4-BE49-F238E27FC236}">
+                <a16:creationId xmlns:a16="http://schemas.microsoft.com/office/drawing/2014/main" xmlns="" id="{84736375-8BEC-4102-BBD3-CD5BA93BE13D}"/>
+              </a:ext>
+            </a:extLst>
+          </p:cNvPr>
+          <p:cNvPicPr>
+            <a:picLocks noChangeAspect="1"/>
+          </p:cNvPicPr>
+          <p:nvPr/>
+        </p:nvPicPr>
+        <p:blipFill>
+          <a:blip r:embed="rId8"/>
+          <a:stretch>
+            <a:fillRect/>
+          </a:stretch>
+        </p:blipFill>
+        <p:spPr>
+          <a:xfrm>
+            <a:off x="3889640" y="3263221"/>
+            <a:ext cx="847725" cy="771525"/>
+          </a:xfrm>
+          <a:prstGeom prst="rect">
+            <a:avLst/>
+          </a:prstGeom>
+        </p:spPr>
+      </p:pic>
+      <p:sp>
+        <p:nvSpPr>
+          <p:cNvPr id="33" name="Oval 32">
+            <a:extLst>
+              <a:ext uri="{FF2B5EF4-FFF2-40B4-BE49-F238E27FC236}">
+                <a16:creationId xmlns:a16="http://schemas.microsoft.com/office/drawing/2014/main" xmlns="" id="{4DC6CE08-D971-4012-9665-4D26EF0B351E}"/>
+              </a:ext>
+            </a:extLst>
+          </p:cNvPr>
+          <p:cNvSpPr/>
+          <p:nvPr/>
+        </p:nvSpPr>
+        <p:spPr>
+          <a:xfrm>
+            <a:off x="3667583" y="3973800"/>
+            <a:ext cx="148442" cy="168234"/>
+          </a:xfrm>
+          <a:prstGeom prst="ellipse">
+            <a:avLst/>
+          </a:prstGeom>
+          <a:solidFill>
+            <a:schemeClr val="accent5"/>
+          </a:solidFill>
+          <a:ln>
+            <a:solidFill>
+              <a:schemeClr val="accent5"/>
+            </a:solidFill>
+          </a:ln>
+        </p:spPr>
+        <p:style>
+          <a:lnRef idx="2">
+            <a:schemeClr val="accent1">
+              <a:shade val="50000"/>
+            </a:schemeClr>
+          </a:lnRef>
+          <a:fillRef idx="1">
+            <a:schemeClr val="accent1"/>
+          </a:fillRef>
+          <a:effectRef idx="0">
+            <a:schemeClr val="accent1"/>
+          </a:effectRef>
+          <a:fontRef idx="minor">
+            <a:schemeClr val="lt1"/>
+          </a:fontRef>
+        </p:style>
+        <p:txBody>
+          <a:bodyPr rtlCol="0" anchor="ctr"/>
+          <a:lstStyle/>
+          <a:p>
+            <a:pPr algn="ctr"/>
+            <a:endParaRPr lang="en-US"/>
+          </a:p>
+        </p:txBody>
+      </p:sp>
+      <p:sp>
+        <p:nvSpPr>
+          <p:cNvPr id="34" name="Oval 33">
+            <a:extLst>
+              <a:ext uri="{FF2B5EF4-FFF2-40B4-BE49-F238E27FC236}">
+                <a16:creationId xmlns:a16="http://schemas.microsoft.com/office/drawing/2014/main" xmlns="" id="{34D78DA4-4F5A-479F-8EF7-090D7E100DF8}"/>
+              </a:ext>
+            </a:extLst>
+          </p:cNvPr>
+          <p:cNvSpPr/>
+          <p:nvPr/>
+        </p:nvSpPr>
+        <p:spPr>
+          <a:xfrm>
+            <a:off x="3825920" y="3973800"/>
+            <a:ext cx="148442" cy="168234"/>
+          </a:xfrm>
+          <a:prstGeom prst="ellipse">
+            <a:avLst/>
+          </a:prstGeom>
+          <a:solidFill>
+            <a:schemeClr val="accent6"/>
+          </a:solidFill>
+          <a:ln>
+            <a:solidFill>
+              <a:schemeClr val="accent6"/>
+            </a:solidFill>
+          </a:ln>
+        </p:spPr>
+        <p:style>
+          <a:lnRef idx="2">
+            <a:schemeClr val="accent1">
+              <a:shade val="50000"/>
+            </a:schemeClr>
+          </a:lnRef>
+          <a:fillRef idx="1">
+            <a:schemeClr val="accent1"/>
+          </a:fillRef>
+          <a:effectRef idx="0">
+            <a:schemeClr val="accent1"/>
+          </a:effectRef>
+          <a:fontRef idx="minor">
+            <a:schemeClr val="lt1"/>
+          </a:fontRef>
+        </p:style>
+        <p:txBody>
+          <a:bodyPr rtlCol="0" anchor="ctr"/>
+          <a:lstStyle/>
+          <a:p>
+            <a:pPr algn="ctr"/>
+            <a:endParaRPr lang="en-US"/>
+          </a:p>
+        </p:txBody>
+      </p:sp>
+      <p:pic>
+        <p:nvPicPr>
+          <p:cNvPr id="35" name="Picture 34"/>
+          <p:cNvPicPr>
+            <a:picLocks noChangeAspect="1"/>
+          </p:cNvPicPr>
+          <p:nvPr/>
+        </p:nvPicPr>
+        <p:blipFill>
+          <a:blip r:embed="rId9">
+            <a:extLst>
+              <a:ext uri="{28A0092B-C50C-407E-A947-70E740481C1C}">
+                <a14:useLocalDpi xmlns:a14="http://schemas.microsoft.com/office/drawing/2010/main" val="0"/>
+              </a:ext>
+            </a:extLst>
+          </a:blip>
+          <a:stretch>
+            <a:fillRect/>
+          </a:stretch>
+        </p:blipFill>
+        <p:spPr>
+          <a:xfrm>
+            <a:off x="3654591" y="3625216"/>
+            <a:ext cx="388621" cy="306304"/>
+          </a:xfrm>
+          <a:prstGeom prst="rect">
+            <a:avLst/>
+          </a:prstGeom>
+        </p:spPr>
+      </p:pic>
+    </p:spTree>
+    <p:extLst>
+      <p:ext uri="{BB962C8B-B14F-4D97-AF65-F5344CB8AC3E}">
+        <p14:creationId xmlns:p14="http://schemas.microsoft.com/office/powerpoint/2010/main" val="1720002013"/>
+      </p:ext>
+    </p:extLst>
+  </p:cSld>
+  <p:clrMapOvr>
+    <a:masterClrMapping/>
+  </p:clrMapOvr>
+  <p:timing>
+    <p:tnLst>
+      <p:par>
+        <p:cTn id="1" dur="indefinite" restart="never" nodeType="tmRoot">
+          <p:childTnLst>
+            <p:seq concurrent="1" nextAc="seek">
+              <p:cTn id="2" dur="indefinite" nodeType="mainSeq">
+                <p:childTnLst>
+                  <p:par>
+                    <p:cTn id="3" fill="hold">
+                      <p:stCondLst>
+                        <p:cond delay="indefinite"/>
+                      </p:stCondLst>
+                      <p:childTnLst>
+                        <p:par>
+                          <p:cTn id="4" fill="hold">
+                            <p:stCondLst>
+                              <p:cond delay="0"/>
+                            </p:stCondLst>
+                            <p:childTnLst>
+                              <p:par>
+                                <p:cTn id="5" presetID="1" presetClass="entr" presetSubtype="0" fill="hold" grpId="0" nodeType="clickEffect">
+                                  <p:stCondLst>
+                                    <p:cond delay="0"/>
+                                  </p:stCondLst>
+                                  <p:childTnLst>
+                                    <p:set>
+                                      <p:cBhvr>
+                                        <p:cTn id="6" dur="1" fill="hold">
+                                          <p:stCondLst>
+                                            <p:cond delay="0"/>
+                                          </p:stCondLst>
+                                        </p:cTn>
+                                        <p:tgtEl>
+                                          <p:spTgt spid="13"/>
+                                        </p:tgtEl>
+                                        <p:attrNameLst>
+                                          <p:attrName>style.visibility</p:attrName>
+                                        </p:attrNameLst>
+                                      </p:cBhvr>
+                                      <p:to>
+                                        <p:strVal val="visible"/>
+                                      </p:to>
+                                    </p:set>
+                                  </p:childTnLst>
+                                </p:cTn>
+                              </p:par>
+                              <p:par>
+                                <p:cTn id="7" presetID="1" presetClass="entr" presetSubtype="0" fill="hold" nodeType="withEffect">
+                                  <p:stCondLst>
+                                    <p:cond delay="0"/>
+                                  </p:stCondLst>
+                                  <p:childTnLst>
+                                    <p:set>
+                                      <p:cBhvr>
+                                        <p:cTn id="8" dur="1" fill="hold">
+                                          <p:stCondLst>
+                                            <p:cond delay="0"/>
+                                          </p:stCondLst>
+                                        </p:cTn>
+                                        <p:tgtEl>
+                                          <p:spTgt spid="18"/>
+                                        </p:tgtEl>
+                                        <p:attrNameLst>
+                                          <p:attrName>style.visibility</p:attrName>
+                                        </p:attrNameLst>
+                                      </p:cBhvr>
+                                      <p:to>
+                                        <p:strVal val="visible"/>
+                                      </p:to>
+                                    </p:set>
+                                  </p:childTnLst>
+                                </p:cTn>
+                              </p:par>
+                              <p:par>
+                                <p:cTn id="9" presetID="1" presetClass="entr" presetSubtype="0" fill="hold" nodeType="withEffect">
+                                  <p:stCondLst>
+                                    <p:cond delay="0"/>
+                                  </p:stCondLst>
+                                  <p:childTnLst>
+                                    <p:set>
+                                      <p:cBhvr>
+                                        <p:cTn id="10" dur="1" fill="hold">
+                                          <p:stCondLst>
+                                            <p:cond delay="0"/>
+                                          </p:stCondLst>
+                                        </p:cTn>
+                                        <p:tgtEl>
+                                          <p:spTgt spid="19"/>
+                                        </p:tgtEl>
+                                        <p:attrNameLst>
+                                          <p:attrName>style.visibility</p:attrName>
+                                        </p:attrNameLst>
+                                      </p:cBhvr>
+                                      <p:to>
+                                        <p:strVal val="visible"/>
+                                      </p:to>
+                                    </p:set>
+                                  </p:childTnLst>
+                                </p:cTn>
+                              </p:par>
+                            </p:childTnLst>
+                          </p:cTn>
+                        </p:par>
+                      </p:childTnLst>
+                    </p:cTn>
+                  </p:par>
+                  <p:par>
+                    <p:cTn id="11" fill="hold">
+                      <p:stCondLst>
+                        <p:cond delay="indefinite"/>
+                      </p:stCondLst>
+                      <p:childTnLst>
+                        <p:par>
+                          <p:cTn id="12" fill="hold">
+                            <p:stCondLst>
+                              <p:cond delay="0"/>
+                            </p:stCondLst>
+                            <p:childTnLst>
+                              <p:par>
+                                <p:cTn id="13" presetID="1" presetClass="entr" presetSubtype="0" fill="hold" grpId="0" nodeType="clickEffect">
+                                  <p:stCondLst>
+                                    <p:cond delay="0"/>
+                                  </p:stCondLst>
+                                  <p:childTnLst>
+                                    <p:set>
+                                      <p:cBhvr>
+                                        <p:cTn id="14" dur="1" fill="hold">
+                                          <p:stCondLst>
+                                            <p:cond delay="0"/>
+                                          </p:stCondLst>
+                                        </p:cTn>
+                                        <p:tgtEl>
+                                          <p:spTgt spid="32"/>
+                                        </p:tgtEl>
+                                        <p:attrNameLst>
+                                          <p:attrName>style.visibility</p:attrName>
+                                        </p:attrNameLst>
+                                      </p:cBhvr>
+                                      <p:to>
+                                        <p:strVal val="visible"/>
+                                      </p:to>
+                                    </p:set>
+                                  </p:childTnLst>
+                                </p:cTn>
+                              </p:par>
+                              <p:par>
+                                <p:cTn id="15" presetID="1" presetClass="entr" presetSubtype="0" fill="hold" nodeType="withEffect">
+                                  <p:stCondLst>
+                                    <p:cond delay="0"/>
+                                  </p:stCondLst>
+                                  <p:childTnLst>
+                                    <p:set>
+                                      <p:cBhvr>
+                                        <p:cTn id="16" dur="1" fill="hold">
+                                          <p:stCondLst>
+                                            <p:cond delay="0"/>
+                                          </p:stCondLst>
+                                        </p:cTn>
+                                        <p:tgtEl>
+                                          <p:spTgt spid="58"/>
+                                        </p:tgtEl>
+                                        <p:attrNameLst>
+                                          <p:attrName>style.visibility</p:attrName>
+                                        </p:attrNameLst>
+                                      </p:cBhvr>
+                                      <p:to>
+                                        <p:strVal val="visible"/>
+                                      </p:to>
+                                    </p:set>
+                                  </p:childTnLst>
+                                </p:cTn>
+                              </p:par>
+                            </p:childTnLst>
+                          </p:cTn>
+                        </p:par>
+                      </p:childTnLst>
+                    </p:cTn>
+                  </p:par>
+                  <p:par>
+                    <p:cTn id="17" fill="hold">
+                      <p:stCondLst>
+                        <p:cond delay="indefinite"/>
+                      </p:stCondLst>
+                      <p:childTnLst>
+                        <p:par>
+                          <p:cTn id="18" fill="hold">
+                            <p:stCondLst>
+                              <p:cond delay="0"/>
+                            </p:stCondLst>
+                            <p:childTnLst>
+                              <p:par>
+                                <p:cTn id="19" presetID="1" presetClass="entr" presetSubtype="0" fill="hold" grpId="0" nodeType="clickEffect">
+                                  <p:stCondLst>
+                                    <p:cond delay="0"/>
+                                  </p:stCondLst>
+                                  <p:childTnLst>
+                                    <p:set>
+                                      <p:cBhvr>
+                                        <p:cTn id="20" dur="1" fill="hold">
+                                          <p:stCondLst>
+                                            <p:cond delay="0"/>
+                                          </p:stCondLst>
+                                        </p:cTn>
+                                        <p:tgtEl>
+                                          <p:spTgt spid="5"/>
+                                        </p:tgtEl>
+                                        <p:attrNameLst>
+                                          <p:attrName>style.visibility</p:attrName>
+                                        </p:attrNameLst>
+                                      </p:cBhvr>
+                                      <p:to>
+                                        <p:strVal val="visible"/>
+                                      </p:to>
+                                    </p:set>
+                                  </p:childTnLst>
+                                </p:cTn>
+                              </p:par>
+                              <p:par>
+                                <p:cTn id="21" presetID="1" presetClass="entr" presetSubtype="0" fill="hold" nodeType="withEffect">
+                                  <p:stCondLst>
+                                    <p:cond delay="0"/>
+                                  </p:stCondLst>
+                                  <p:childTnLst>
+                                    <p:set>
+                                      <p:cBhvr>
+                                        <p:cTn id="22" dur="1" fill="hold">
+                                          <p:stCondLst>
+                                            <p:cond delay="0"/>
+                                          </p:stCondLst>
+                                        </p:cTn>
+                                        <p:tgtEl>
+                                          <p:spTgt spid="61"/>
+                                        </p:tgtEl>
+                                        <p:attrNameLst>
+                                          <p:attrName>style.visibility</p:attrName>
+                                        </p:attrNameLst>
+                                      </p:cBhvr>
+                                      <p:to>
+                                        <p:strVal val="visible"/>
+                                      </p:to>
+                                    </p:set>
+                                  </p:childTnLst>
+                                </p:cTn>
+                              </p:par>
+                              <p:par>
+                                <p:cTn id="23" presetID="1" presetClass="entr" presetSubtype="0" fill="hold" grpId="0" nodeType="withEffect">
+                                  <p:stCondLst>
+                                    <p:cond delay="0"/>
+                                  </p:stCondLst>
+                                  <p:childTnLst>
+                                    <p:set>
+                                      <p:cBhvr>
+                                        <p:cTn id="24" dur="1" fill="hold">
+                                          <p:stCondLst>
+                                            <p:cond delay="0"/>
+                                          </p:stCondLst>
+                                        </p:cTn>
+                                        <p:tgtEl>
+                                          <p:spTgt spid="33"/>
+                                        </p:tgtEl>
+                                        <p:attrNameLst>
+                                          <p:attrName>style.visibility</p:attrName>
+                                        </p:attrNameLst>
+                                      </p:cBhvr>
+                                      <p:to>
+                                        <p:strVal val="visible"/>
+                                      </p:to>
+                                    </p:set>
+                                  </p:childTnLst>
+                                </p:cTn>
+                              </p:par>
+                              <p:par>
+                                <p:cTn id="25" presetID="1" presetClass="entr" presetSubtype="0" fill="hold" grpId="0" nodeType="withEffect">
+                                  <p:stCondLst>
+                                    <p:cond delay="0"/>
+                                  </p:stCondLst>
+                                  <p:childTnLst>
+                                    <p:set>
+                                      <p:cBhvr>
+                                        <p:cTn id="26" dur="1" fill="hold">
+                                          <p:stCondLst>
+                                            <p:cond delay="0"/>
+                                          </p:stCondLst>
+                                        </p:cTn>
+                                        <p:tgtEl>
+                                          <p:spTgt spid="34"/>
+                                        </p:tgtEl>
+                                        <p:attrNameLst>
+                                          <p:attrName>style.visibility</p:attrName>
+                                        </p:attrNameLst>
+                                      </p:cBhvr>
+                                      <p:to>
+                                        <p:strVal val="visible"/>
+                                      </p:to>
+                                    </p:set>
+                                  </p:childTnLst>
+                                </p:cTn>
+                              </p:par>
+                              <p:par>
+                                <p:cTn id="27" presetID="1" presetClass="entr" presetSubtype="0" fill="hold" nodeType="withEffect">
+                                  <p:stCondLst>
+                                    <p:cond delay="0"/>
+                                  </p:stCondLst>
+                                  <p:childTnLst>
+                                    <p:set>
+                                      <p:cBhvr>
+                                        <p:cTn id="28" dur="1" fill="hold">
+                                          <p:stCondLst>
+                                            <p:cond delay="0"/>
+                                          </p:stCondLst>
+                                        </p:cTn>
+                                        <p:tgtEl>
+                                          <p:spTgt spid="31"/>
+                                        </p:tgtEl>
+                                        <p:attrNameLst>
+                                          <p:attrName>style.visibility</p:attrName>
+                                        </p:attrNameLst>
+                                      </p:cBhvr>
+                                      <p:to>
+                                        <p:strVal val="visible"/>
+                                      </p:to>
+                                    </p:set>
+                                  </p:childTnLst>
+                                </p:cTn>
+                              </p:par>
+                              <p:par>
+                                <p:cTn id="29" presetID="1" presetClass="entr" presetSubtype="0" fill="hold" nodeType="withEffect">
+                                  <p:stCondLst>
+                                    <p:cond delay="0"/>
+                                  </p:stCondLst>
+                                  <p:childTnLst>
+                                    <p:set>
+                                      <p:cBhvr>
+                                        <p:cTn id="30" dur="1" fill="hold">
+                                          <p:stCondLst>
+                                            <p:cond delay="0"/>
+                                          </p:stCondLst>
+                                        </p:cTn>
+                                        <p:tgtEl>
+                                          <p:spTgt spid="30"/>
+                                        </p:tgtEl>
+                                        <p:attrNameLst>
+                                          <p:attrName>style.visibility</p:attrName>
+                                        </p:attrNameLst>
+                                      </p:cBhvr>
+                                      <p:to>
+                                        <p:strVal val="visible"/>
+                                      </p:to>
+                                    </p:set>
+                                  </p:childTnLst>
+                                </p:cTn>
+                              </p:par>
+                            </p:childTnLst>
+                          </p:cTn>
+                        </p:par>
+                      </p:childTnLst>
+                    </p:cTn>
+                  </p:par>
+                </p:childTnLst>
+              </p:cTn>
+              <p:prevCondLst>
+                <p:cond evt="onPrev" delay="0">
+                  <p:tgtEl>
+                    <p:sldTgt/>
+                  </p:tgtEl>
+                </p:cond>
+              </p:prevCondLst>
+              <p:nextCondLst>
+                <p:cond evt="onNext" delay="0">
+                  <p:tgtEl>
+                    <p:sldTgt/>
+                  </p:tgtEl>
+                </p:cond>
+              </p:nextCondLst>
+            </p:seq>
+          </p:childTnLst>
+        </p:cTn>
+      </p:par>
+    </p:tnLst>
+    <p:bldLst>
+      <p:bldP spid="13" grpId="0"/>
+      <p:bldP spid="5" grpId="0" animBg="1"/>
+      <p:bldP spid="32" grpId="0" animBg="1"/>
+      <p:bldP spid="33" grpId="0" animBg="1"/>
+      <p:bldP spid="34" grpId="0" animBg="1"/>
+    </p:bldLst>
+  </p:timing>
+</p:sld>
+</file>
+
+<file path=ppt/slides/slide7.xml><?xml version="1.0" encoding="utf-8"?>
+<p:sld xmlns:a="http://schemas.openxmlformats.org/drawingml/2006/main" xmlns:r="http://schemas.openxmlformats.org/officeDocument/2006/relationships" xmlns:p="http://schemas.openxmlformats.org/presentationml/2006/main">
+  <p:cSld>
+    <p:spTree>
+      <p:nvGrpSpPr>
+        <p:cNvPr id="1" name=""/>
+        <p:cNvGrpSpPr/>
+        <p:nvPr/>
+      </p:nvGrpSpPr>
+      <p:grpSpPr>
+        <a:xfrm>
+          <a:off x="0" y="0"/>
+          <a:ext cx="0" cy="0"/>
+          <a:chOff x="0" y="0"/>
+          <a:chExt cx="0" cy="0"/>
+        </a:xfrm>
+      </p:grpSpPr>
+      <p:sp>
+        <p:nvSpPr>
+          <p:cNvPr id="2" name="Title 1">
+            <a:extLst>
+              <a:ext uri="{FF2B5EF4-FFF2-40B4-BE49-F238E27FC236}">
+                <a16:creationId xmlns:a16="http://schemas.microsoft.com/office/drawing/2014/main" xmlns="" id="{0F79825B-3723-4872-BC1F-C4E6A23AD3AC}"/>
+              </a:ext>
+            </a:extLst>
+          </p:cNvPr>
+          <p:cNvSpPr>
+            <a:spLocks noGrp="1"/>
+          </p:cNvSpPr>
+          <p:nvPr>
+            <p:ph type="title"/>
+          </p:nvPr>
+        </p:nvSpPr>
+        <p:spPr/>
+        <p:txBody>
+          <a:bodyPr/>
+          <a:lstStyle/>
+          <a:p>
+            <a:r>
+              <a:rPr lang="en-US" dirty="0">
+                <a:cs typeface="Calibri Light"/>
+              </a:rPr>
+              <a:t>Corollary of weak duality</a:t>
+            </a:r>
+            <a:endParaRPr lang="en-US" dirty="0"/>
+          </a:p>
+        </p:txBody>
+      </p:sp>
+      <p:pic>
+        <p:nvPicPr>
+          <p:cNvPr id="7" name="Picture 7" descr="A close up of a logo&#10;&#10;Description generated with very high confidence">
+            <a:extLst>
+              <a:ext uri="{FF2B5EF4-FFF2-40B4-BE49-F238E27FC236}">
+                <a16:creationId xmlns:a16="http://schemas.microsoft.com/office/drawing/2014/main" xmlns="" id="{80B0312D-5F8E-47B4-92BF-FA66F656751D}"/>
+              </a:ext>
+            </a:extLst>
+          </p:cNvPr>
+          <p:cNvPicPr>
+            <a:picLocks noChangeAspect="1"/>
+          </p:cNvPicPr>
+          <p:nvPr/>
+        </p:nvPicPr>
+        <p:blipFill>
+          <a:blip r:embed="rId2"/>
+          <a:stretch>
+            <a:fillRect/>
+          </a:stretch>
+        </p:blipFill>
+        <p:spPr>
+          <a:xfrm>
+            <a:off x="856038" y="1545366"/>
+            <a:ext cx="5244123" cy="1326991"/>
+          </a:xfrm>
+          <a:prstGeom prst="rect">
+            <a:avLst/>
+          </a:prstGeom>
+          <a:ln>
+            <a:noFill/>
+          </a:ln>
+        </p:spPr>
+      </p:pic>
+      <p:sp>
+        <p:nvSpPr>
+          <p:cNvPr id="13" name="TextBox 12">
+            <a:extLst>
+              <a:ext uri="{FF2B5EF4-FFF2-40B4-BE49-F238E27FC236}">
+                <a16:creationId xmlns:a16="http://schemas.microsoft.com/office/drawing/2014/main" xmlns="" id="{92238BA9-76D0-4E8E-B5FA-9F7DB40CA3C5}"/>
+              </a:ext>
+            </a:extLst>
+          </p:cNvPr>
+          <p:cNvSpPr txBox="1"/>
+          <p:nvPr/>
+        </p:nvSpPr>
+        <p:spPr>
+          <a:xfrm>
+            <a:off x="9631677" y="1374759"/>
+            <a:ext cx="1883508" cy="461665"/>
+          </a:xfrm>
+          <a:prstGeom prst="rect">
+            <a:avLst/>
+          </a:prstGeom>
+          <a:noFill/>
+        </p:spPr>
+        <p:txBody>
+          <a:bodyPr rot="0" spcFirstLastPara="0" vertOverflow="overflow" horzOverflow="overflow" vert="horz" wrap="square" lIns="91440" tIns="45720" rIns="91440" bIns="45720" numCol="1" spcCol="0" rtlCol="0" fromWordArt="0" anchor="t" anchorCtr="0" forceAA="0" compatLnSpc="1">
+            <a:prstTxWarp prst="textNoShape">
+              <a:avLst/>
+            </a:prstTxWarp>
+            <a:spAutoFit/>
+          </a:bodyPr>
+          <a:lstStyle/>
+          <a:p>
+            <a:r>
+              <a:rPr lang="en-US" sz="2400" b="1">
+                <a:cs typeface="Calibri"/>
+              </a:rPr>
+              <a:t>Proof</a:t>
+            </a:r>
+            <a:endParaRPr lang="en-US" sz="2400" b="1" dirty="0">
+              <a:cs typeface="Calibri"/>
+            </a:endParaRPr>
+          </a:p>
+        </p:txBody>
+      </p:sp>
+      <p:pic>
+        <p:nvPicPr>
+          <p:cNvPr id="19" name="Picture 19">
+            <a:extLst>
+              <a:ext uri="{FF2B5EF4-FFF2-40B4-BE49-F238E27FC236}">
+                <a16:creationId xmlns:a16="http://schemas.microsoft.com/office/drawing/2014/main" xmlns="" id="{F5FA65D8-C04D-46E6-9FC6-23843A758732}"/>
+              </a:ext>
+            </a:extLst>
+          </p:cNvPr>
+          <p:cNvPicPr>
+            <a:picLocks noChangeAspect="1"/>
+          </p:cNvPicPr>
+          <p:nvPr/>
+        </p:nvPicPr>
+        <p:blipFill>
+          <a:blip r:embed="rId3"/>
+          <a:stretch>
+            <a:fillRect/>
+          </a:stretch>
+        </p:blipFill>
+        <p:spPr>
+          <a:xfrm>
+            <a:off x="6876396" y="3766107"/>
+            <a:ext cx="438150" cy="571500"/>
+          </a:xfrm>
+          <a:prstGeom prst="rect">
+            <a:avLst/>
+          </a:prstGeom>
+        </p:spPr>
+      </p:pic>
+      <p:pic>
+        <p:nvPicPr>
+          <p:cNvPr id="24" name="Picture 24" descr="A close up of a logo&#10;&#10;Description generated with very high confidence">
+            <a:extLst>
+              <a:ext uri="{FF2B5EF4-FFF2-40B4-BE49-F238E27FC236}">
+                <a16:creationId xmlns:a16="http://schemas.microsoft.com/office/drawing/2014/main" xmlns="" id="{E75973BA-2F48-4595-8A40-76F9628582C1}"/>
+              </a:ext>
+            </a:extLst>
+          </p:cNvPr>
+          <p:cNvPicPr>
+            <a:picLocks noChangeAspect="1"/>
+          </p:cNvPicPr>
+          <p:nvPr/>
+        </p:nvPicPr>
+        <p:blipFill>
+          <a:blip r:embed="rId4"/>
+          <a:stretch>
+            <a:fillRect/>
+          </a:stretch>
+        </p:blipFill>
+        <p:spPr>
+          <a:xfrm>
+            <a:off x="3001099" y="3344754"/>
+            <a:ext cx="819150" cy="695325"/>
+          </a:xfrm>
+          <a:prstGeom prst="rect">
+            <a:avLst/>
+          </a:prstGeom>
+        </p:spPr>
+      </p:pic>
+      <p:pic>
+        <p:nvPicPr>
+          <p:cNvPr id="58" name="Picture 58">
+            <a:extLst>
+              <a:ext uri="{FF2B5EF4-FFF2-40B4-BE49-F238E27FC236}">
+                <a16:creationId xmlns:a16="http://schemas.microsoft.com/office/drawing/2014/main" xmlns="" id="{561102FE-26B9-45F1-9736-025A946AD7B5}"/>
+              </a:ext>
+            </a:extLst>
+          </p:cNvPr>
+          <p:cNvPicPr>
+            <a:picLocks noChangeAspect="1"/>
+          </p:cNvPicPr>
+          <p:nvPr/>
+        </p:nvPicPr>
+        <p:blipFill>
+          <a:blip r:embed="rId5">
+            <a:extLst>
+              <a:ext uri="{28A0092B-C50C-407E-A947-70E740481C1C}">
+                <a14:useLocalDpi xmlns:a14="http://schemas.microsoft.com/office/drawing/2010/main" val="0"/>
+              </a:ext>
+            </a:extLst>
+          </a:blip>
+          <a:stretch>
+            <a:fillRect/>
+          </a:stretch>
+        </p:blipFill>
+        <p:spPr>
+          <a:xfrm>
+            <a:off x="1579201" y="3284069"/>
+            <a:ext cx="631217" cy="695325"/>
+          </a:xfrm>
+          <a:prstGeom prst="rect">
+            <a:avLst/>
+          </a:prstGeom>
+        </p:spPr>
+      </p:pic>
+      <p:sp>
+        <p:nvSpPr>
+          <p:cNvPr id="5" name="Rectangle 4"/>
+          <p:cNvSpPr/>
+          <p:nvPr/>
+        </p:nvSpPr>
+        <p:spPr>
+          <a:xfrm>
+            <a:off x="8589520" y="663338"/>
+            <a:ext cx="214687" cy="2384706"/>
+          </a:xfrm>
+          <a:prstGeom prst="rect">
+            <a:avLst/>
+          </a:prstGeom>
+          <a:gradFill flip="none" rotWithShape="1">
+            <a:gsLst>
+              <a:gs pos="0">
+                <a:schemeClr val="accent1">
+                  <a:lumMod val="5000"/>
+                  <a:lumOff val="95000"/>
+                </a:schemeClr>
+              </a:gs>
+              <a:gs pos="100000">
+                <a:schemeClr val="accent6"/>
+              </a:gs>
+            </a:gsLst>
+            <a:lin ang="10800000" scaled="0"/>
+            <a:tileRect/>
+          </a:gradFill>
+          <a:ln>
+            <a:noFill/>
+          </a:ln>
+        </p:spPr>
+        <p:style>
+          <a:lnRef idx="2">
+            <a:schemeClr val="accent1">
+              <a:shade val="50000"/>
+            </a:schemeClr>
+          </a:lnRef>
+          <a:fillRef idx="1">
+            <a:schemeClr val="accent1"/>
+          </a:fillRef>
+          <a:effectRef idx="0">
+            <a:schemeClr val="accent1"/>
+          </a:effectRef>
+          <a:fontRef idx="minor">
+            <a:schemeClr val="lt1"/>
+          </a:fontRef>
+        </p:style>
+        <p:txBody>
+          <a:bodyPr rtlCol="0" anchor="ctr"/>
+          <a:lstStyle/>
+          <a:p>
+            <a:pPr algn="ctr"/>
+            <a:endParaRPr lang="en-US"/>
+          </a:p>
+        </p:txBody>
+      </p:sp>
+      <p:pic>
+        <p:nvPicPr>
+          <p:cNvPr id="61" name="Picture 61">
+            <a:extLst>
+              <a:ext uri="{FF2B5EF4-FFF2-40B4-BE49-F238E27FC236}">
+                <a16:creationId xmlns:a16="http://schemas.microsoft.com/office/drawing/2014/main" xmlns="" id="{395E44A0-5BF1-4541-8A51-BFC69EE47E4F}"/>
+              </a:ext>
+            </a:extLst>
+          </p:cNvPr>
+          <p:cNvPicPr>
+            <a:picLocks noChangeAspect="1"/>
+          </p:cNvPicPr>
+          <p:nvPr/>
+        </p:nvPicPr>
+        <p:blipFill>
+          <a:blip r:embed="rId6"/>
+          <a:stretch>
+            <a:fillRect/>
+          </a:stretch>
+        </p:blipFill>
+        <p:spPr>
+          <a:xfrm>
+            <a:off x="8720013" y="612404"/>
             <a:ext cx="1571625" cy="342900"/>
           </a:xfrm>
           <a:prstGeom prst="rect">
@@ -29670,7 +30811,7 @@
           <p:cNvPr id="28" name="Picture 28" descr="A close up of a logo&#10;&#10;Description generated with very high confidence">
             <a:extLst>
               <a:ext uri="{FF2B5EF4-FFF2-40B4-BE49-F238E27FC236}">
-                <a16:creationId xmlns="" xmlns:a16="http://schemas.microsoft.com/office/drawing/2014/main" id="{84736375-8BEC-4102-BBD3-CD5BA93BE13D}"/>
+                <a16:creationId xmlns:a16="http://schemas.microsoft.com/office/drawing/2014/main" xmlns="" id="{84736375-8BEC-4102-BBD3-CD5BA93BE13D}"/>
               </a:ext>
             </a:extLst>
           </p:cNvPr>
@@ -29680,14 +30821,14 @@
           <p:nvPr/>
         </p:nvPicPr>
         <p:blipFill>
-          <a:blip r:embed="rId10"/>
+          <a:blip r:embed="rId7"/>
           <a:stretch>
             <a:fillRect/>
           </a:stretch>
         </p:blipFill>
         <p:spPr>
           <a:xfrm>
-            <a:off x="8247983" y="4456299"/>
+            <a:off x="3889640" y="3263221"/>
             <a:ext cx="847725" cy="771525"/>
           </a:xfrm>
           <a:prstGeom prst="rect">
@@ -29700,7 +30841,7 @@
           <p:cNvPr id="18" name="Straight Arrow Connector 17">
             <a:extLst>
               <a:ext uri="{FF2B5EF4-FFF2-40B4-BE49-F238E27FC236}">
-                <a16:creationId xmlns="" xmlns:a16="http://schemas.microsoft.com/office/drawing/2014/main" id="{1A9D56D8-0796-41CA-BDAE-A54AEFA6AB4A}"/>
+                <a16:creationId xmlns:a16="http://schemas.microsoft.com/office/drawing/2014/main" xmlns="" id="{1A9D56D8-0796-41CA-BDAE-A54AEFA6AB4A}"/>
               </a:ext>
             </a:extLst>
           </p:cNvPr>
@@ -29709,7 +30850,7 @@
         </p:nvCxnSpPr>
         <p:spPr>
           <a:xfrm flipV="1">
-            <a:off x="6165990" y="5245676"/>
+            <a:off x="1461372" y="4052598"/>
             <a:ext cx="5417126" cy="5937"/>
           </a:xfrm>
           <a:prstGeom prst="straightConnector1">
@@ -29742,7 +30883,7 @@
           <p:cNvPr id="21" name="Oval 20">
             <a:extLst>
               <a:ext uri="{FF2B5EF4-FFF2-40B4-BE49-F238E27FC236}">
-                <a16:creationId xmlns="" xmlns:a16="http://schemas.microsoft.com/office/drawing/2014/main" id="{4DC6CE08-D971-4012-9665-4D26EF0B351E}"/>
+                <a16:creationId xmlns:a16="http://schemas.microsoft.com/office/drawing/2014/main" xmlns="" id="{4DC6CE08-D971-4012-9665-4D26EF0B351E}"/>
               </a:ext>
             </a:extLst>
           </p:cNvPr>
@@ -29751,7 +30892,7 @@
         </p:nvSpPr>
         <p:spPr>
           <a:xfrm>
-            <a:off x="7991201" y="5166878"/>
+            <a:off x="3667583" y="3973800"/>
             <a:ext cx="148442" cy="168234"/>
           </a:xfrm>
           <a:prstGeom prst="ellipse">
@@ -29796,7 +30937,7 @@
           <p:cNvPr id="22" name="Oval 21">
             <a:extLst>
               <a:ext uri="{FF2B5EF4-FFF2-40B4-BE49-F238E27FC236}">
-                <a16:creationId xmlns="" xmlns:a16="http://schemas.microsoft.com/office/drawing/2014/main" id="{34D78DA4-4F5A-479F-8EF7-090D7E100DF8}"/>
+                <a16:creationId xmlns:a16="http://schemas.microsoft.com/office/drawing/2014/main" xmlns="" id="{34D78DA4-4F5A-479F-8EF7-090D7E100DF8}"/>
               </a:ext>
             </a:extLst>
           </p:cNvPr>
@@ -29805,7 +30946,7 @@
         </p:nvSpPr>
         <p:spPr>
           <a:xfrm>
-            <a:off x="8149538" y="5166878"/>
+            <a:off x="3825920" y="3973800"/>
             <a:ext cx="148442" cy="168234"/>
           </a:xfrm>
           <a:prstGeom prst="ellipse">
@@ -29850,7 +30991,7 @@
           <p:cNvPr id="32" name="Oval 31">
             <a:extLst>
               <a:ext uri="{FF2B5EF4-FFF2-40B4-BE49-F238E27FC236}">
-                <a16:creationId xmlns="" xmlns:a16="http://schemas.microsoft.com/office/drawing/2014/main" id="{087D8941-8777-474C-A035-46A42D21194B}"/>
+                <a16:creationId xmlns:a16="http://schemas.microsoft.com/office/drawing/2014/main" xmlns="" id="{087D8941-8777-474C-A035-46A42D21194B}"/>
               </a:ext>
             </a:extLst>
           </p:cNvPr>
@@ -29859,7 +31000,7 @@
         </p:nvSpPr>
         <p:spPr>
           <a:xfrm>
-            <a:off x="10296992" y="5166877"/>
+            <a:off x="1820588" y="3974418"/>
             <a:ext cx="148442" cy="168234"/>
           </a:xfrm>
           <a:prstGeom prst="ellipse">
@@ -29899,10 +31040,116 @@
           </a:p>
         </p:txBody>
       </p:sp>
+      <p:pic>
+        <p:nvPicPr>
+          <p:cNvPr id="6" name="Picture 5"/>
+          <p:cNvPicPr>
+            <a:picLocks noChangeAspect="1"/>
+          </p:cNvPicPr>
+          <p:nvPr/>
+        </p:nvPicPr>
+        <p:blipFill>
+          <a:blip r:embed="rId8">
+            <a:extLst>
+              <a:ext uri="{28A0092B-C50C-407E-A947-70E740481C1C}">
+                <a14:useLocalDpi xmlns:a14="http://schemas.microsoft.com/office/drawing/2010/main" val="0"/>
+              </a:ext>
+            </a:extLst>
+          </a:blip>
+          <a:stretch>
+            <a:fillRect/>
+          </a:stretch>
+        </p:blipFill>
+        <p:spPr>
+          <a:xfrm>
+            <a:off x="3654591" y="3625216"/>
+            <a:ext cx="388621" cy="306304"/>
+          </a:xfrm>
+          <a:prstGeom prst="rect">
+            <a:avLst/>
+          </a:prstGeom>
+        </p:spPr>
+      </p:pic>
+      <p:sp>
+        <p:nvSpPr>
+          <p:cNvPr id="20" name="Rectangle 19"/>
+          <p:cNvSpPr/>
+          <p:nvPr/>
+        </p:nvSpPr>
+        <p:spPr>
+          <a:xfrm>
+            <a:off x="1455699" y="4479400"/>
+            <a:ext cx="5766666" cy="2018483"/>
+          </a:xfrm>
+          <a:prstGeom prst="rect">
+            <a:avLst/>
+          </a:prstGeom>
+          <a:noFill/>
+          <a:ln>
+            <a:solidFill>
+              <a:schemeClr val="tx1"/>
+            </a:solidFill>
+          </a:ln>
+        </p:spPr>
+        <p:style>
+          <a:lnRef idx="2">
+            <a:schemeClr val="accent1">
+              <a:shade val="50000"/>
+            </a:schemeClr>
+          </a:lnRef>
+          <a:fillRef idx="1">
+            <a:schemeClr val="accent1"/>
+          </a:fillRef>
+          <a:effectRef idx="0">
+            <a:schemeClr val="accent1"/>
+          </a:effectRef>
+          <a:fontRef idx="minor">
+            <a:schemeClr val="lt1"/>
+          </a:fontRef>
+        </p:style>
+        <p:txBody>
+          <a:bodyPr rtlCol="0" anchor="ctr"/>
+          <a:lstStyle/>
+          <a:p>
+            <a:pPr algn="ctr"/>
+            <a:endParaRPr lang="en-US"/>
+          </a:p>
+        </p:txBody>
+      </p:sp>
+      <p:pic>
+        <p:nvPicPr>
+          <p:cNvPr id="23" name="Picture 22"/>
+          <p:cNvPicPr>
+            <a:picLocks noChangeAspect="1"/>
+          </p:cNvPicPr>
+          <p:nvPr/>
+        </p:nvPicPr>
+        <p:blipFill>
+          <a:blip r:embed="rId9">
+            <a:extLst>
+              <a:ext uri="{28A0092B-C50C-407E-A947-70E740481C1C}">
+                <a14:useLocalDpi xmlns:a14="http://schemas.microsoft.com/office/drawing/2010/main" val="0"/>
+              </a:ext>
+            </a:extLst>
+          </a:blip>
+          <a:stretch>
+            <a:fillRect/>
+          </a:stretch>
+        </p:blipFill>
+        <p:spPr>
+          <a:xfrm>
+            <a:off x="1786226" y="4520445"/>
+            <a:ext cx="5054551" cy="1936392"/>
+          </a:xfrm>
+          <a:prstGeom prst="rect">
+            <a:avLst/>
+          </a:prstGeom>
+        </p:spPr>
+      </p:pic>
     </p:spTree>
     <p:extLst>
       <p:ext uri="{BB962C8B-B14F-4D97-AF65-F5344CB8AC3E}">
-        <p14:creationId xmlns:p14="http://schemas.microsoft.com/office/powerpoint/2010/main" val="1720002013"/>
+        <p14:creationId xmlns:p14="http://schemas.microsoft.com/office/powerpoint/2010/main" val="2113864152"/>
       </p:ext>
     </p:extLst>
   </p:cSld>
@@ -30190,33 +31437,6 @@
                                   </p:childTnLst>
                                 </p:cTn>
                               </p:par>
-                              <p:par>
-                                <p:cTn id="25" presetID="1" presetClass="entr" presetSubtype="0" fill="hold" nodeType="withEffect">
-                                  <p:stCondLst>
-                                    <p:cond delay="0"/>
-                                  </p:stCondLst>
-                                  <p:childTnLst>
-                                    <p:set>
-                                      <p:cBhvr>
-                                        <p:cTn id="26" dur="1" fill="hold">
-                                          <p:stCondLst>
-                                            <p:cond delay="0"/>
-                                          </p:stCondLst>
-                                        </p:cTn>
-                                        <p:tgtEl>
-                                          <p:spTgt spid="41"/>
-                                        </p:tgtEl>
-                                        <p:attrNameLst>
-                                          <p:attrName>style.visibility</p:attrName>
-                                        </p:attrNameLst>
-                                      </p:cBhvr>
-                                      <p:to>
-                                        <p:strVal val="visible"/>
-                                      </p:to>
-                                    </p:set>
-                                  </p:childTnLst>
-                                </p:cTn>
-                              </p:par>
                             </p:childTnLst>
                           </p:cTn>
                         </p:par>
@@ -30224,116 +31444,26 @@
                     </p:cTn>
                   </p:par>
                   <p:par>
-                    <p:cTn id="27" fill="hold">
+                    <p:cTn id="25" fill="hold">
                       <p:stCondLst>
                         <p:cond delay="indefinite"/>
                       </p:stCondLst>
                       <p:childTnLst>
                         <p:par>
-                          <p:cTn id="28" fill="hold">
+                          <p:cTn id="26" fill="hold">
                             <p:stCondLst>
                               <p:cond delay="0"/>
                             </p:stCondLst>
                             <p:childTnLst>
                               <p:par>
-                                <p:cTn id="29" presetID="1" presetClass="entr" presetSubtype="0" fill="hold" nodeType="clickEffect">
+                                <p:cTn id="27" presetID="1" presetClass="entr" presetSubtype="0" fill="hold" grpId="0" nodeType="clickEffect">
                                   <p:stCondLst>
                                     <p:cond delay="0"/>
                                   </p:stCondLst>
                                   <p:childTnLst>
                                     <p:set>
                                       <p:cBhvr>
-                                        <p:cTn id="30" dur="1" fill="hold">
-                                          <p:stCondLst>
-                                            <p:cond delay="0"/>
-                                          </p:stCondLst>
-                                        </p:cTn>
-                                        <p:tgtEl>
-                                          <p:spTgt spid="49"/>
-                                        </p:tgtEl>
-                                        <p:attrNameLst>
-                                          <p:attrName>style.visibility</p:attrName>
-                                        </p:attrNameLst>
-                                      </p:cBhvr>
-                                      <p:to>
-                                        <p:strVal val="visible"/>
-                                      </p:to>
-                                    </p:set>
-                                  </p:childTnLst>
-                                </p:cTn>
-                              </p:par>
-                            </p:childTnLst>
-                          </p:cTn>
-                        </p:par>
-                      </p:childTnLst>
-                    </p:cTn>
-                  </p:par>
-                  <p:par>
-                    <p:cTn id="31" fill="hold">
-                      <p:stCondLst>
-                        <p:cond delay="indefinite"/>
-                      </p:stCondLst>
-                      <p:childTnLst>
-                        <p:par>
-                          <p:cTn id="32" fill="hold">
-                            <p:stCondLst>
-                              <p:cond delay="0"/>
-                            </p:stCondLst>
-                            <p:childTnLst>
-                              <p:par>
-                                <p:cTn id="33" presetID="1" presetClass="entr" presetSubtype="0" fill="hold" nodeType="clickEffect">
-                                  <p:stCondLst>
-                                    <p:cond delay="0"/>
-                                  </p:stCondLst>
-                                  <p:childTnLst>
-                                    <p:set>
-                                      <p:cBhvr>
-                                        <p:cTn id="34" dur="1" fill="hold">
-                                          <p:stCondLst>
-                                            <p:cond delay="0"/>
-                                          </p:stCondLst>
-                                        </p:cTn>
-                                        <p:tgtEl>
-                                          <p:spTgt spid="51"/>
-                                        </p:tgtEl>
-                                        <p:attrNameLst>
-                                          <p:attrName>style.visibility</p:attrName>
-                                        </p:attrNameLst>
-                                      </p:cBhvr>
-                                      <p:to>
-                                        <p:strVal val="visible"/>
-                                      </p:to>
-                                    </p:set>
-                                  </p:childTnLst>
-                                </p:cTn>
-                              </p:par>
-                            </p:childTnLst>
-                          </p:cTn>
-                        </p:par>
-                      </p:childTnLst>
-                    </p:cTn>
-                  </p:par>
-                  <p:par>
-                    <p:cTn id="35" fill="hold">
-                      <p:stCondLst>
-                        <p:cond delay="indefinite"/>
-                      </p:stCondLst>
-                      <p:childTnLst>
-                        <p:par>
-                          <p:cTn id="36" fill="hold">
-                            <p:stCondLst>
-                              <p:cond delay="0"/>
-                            </p:stCondLst>
-                            <p:childTnLst>
-                              <p:par>
-                                <p:cTn id="37" presetID="1" presetClass="entr" presetSubtype="0" fill="hold" grpId="0" nodeType="clickEffect">
-                                  <p:stCondLst>
-                                    <p:cond delay="0"/>
-                                  </p:stCondLst>
-                                  <p:childTnLst>
-                                    <p:set>
-                                      <p:cBhvr>
-                                        <p:cTn id="38" dur="1" fill="hold">
+                                        <p:cTn id="28" dur="1" fill="hold">
                                           <p:stCondLst>
                                             <p:cond delay="0"/>
                                           </p:stCondLst>
@@ -30353,14 +31483,14 @@
                                 </p:cTn>
                               </p:par>
                               <p:par>
-                                <p:cTn id="39" presetID="1" presetClass="entr" presetSubtype="0" fill="hold" nodeType="withEffect">
+                                <p:cTn id="29" presetID="1" presetClass="entr" presetSubtype="0" fill="hold" nodeType="withEffect">
                                   <p:stCondLst>
                                     <p:cond delay="0"/>
                                   </p:stCondLst>
                                   <p:childTnLst>
                                     <p:set>
                                       <p:cBhvr>
-                                        <p:cTn id="40" dur="1" fill="hold">
+                                        <p:cTn id="30" dur="1" fill="hold">
                                           <p:stCondLst>
                                             <p:cond delay="0"/>
                                           </p:stCondLst>
@@ -30417,7 +31547,7 @@
 </p:sld>
 </file>
 
-<file path=ppt/slides/slide7.xml><?xml version="1.0" encoding="utf-8"?>
+<file path=ppt/slides/slide8.xml><?xml version="1.0" encoding="utf-8"?>
 <p:sld xmlns:a="http://schemas.openxmlformats.org/drawingml/2006/main" xmlns:r="http://schemas.openxmlformats.org/officeDocument/2006/relationships" xmlns:p="http://schemas.openxmlformats.org/presentationml/2006/main">
   <p:cSld>
     <p:spTree>
@@ -30439,7 +31569,7 @@
           <p:cNvPr id="3" name="Picture 3" descr="A screenshot of a cell phone&#10;&#10;Description generated with high confidence">
             <a:extLst>
               <a:ext uri="{FF2B5EF4-FFF2-40B4-BE49-F238E27FC236}">
-                <a16:creationId xmlns="" xmlns:a16="http://schemas.microsoft.com/office/drawing/2014/main" id="{F8414E6B-2443-4E39-8C88-1D6EF2C433DD}"/>
+                <a16:creationId xmlns:a16="http://schemas.microsoft.com/office/drawing/2014/main" xmlns="" id="{F8414E6B-2443-4E39-8C88-1D6EF2C433DD}"/>
               </a:ext>
             </a:extLst>
           </p:cNvPr>
@@ -30469,7 +31599,7 @@
           <p:cNvPr id="5" name="Picture 5" descr="A screenshot of a cell phone&#10;&#10;Description generated with high confidence">
             <a:extLst>
               <a:ext uri="{FF2B5EF4-FFF2-40B4-BE49-F238E27FC236}">
-                <a16:creationId xmlns="" xmlns:a16="http://schemas.microsoft.com/office/drawing/2014/main" id="{141DEEF9-3327-4771-AA7C-A61F22A1003B}"/>
+                <a16:creationId xmlns:a16="http://schemas.microsoft.com/office/drawing/2014/main" xmlns="" id="{141DEEF9-3327-4771-AA7C-A61F22A1003B}"/>
               </a:ext>
             </a:extLst>
           </p:cNvPr>
@@ -30499,7 +31629,7 @@
           <p:cNvPr id="9" name="Picture 9">
             <a:extLst>
               <a:ext uri="{FF2B5EF4-FFF2-40B4-BE49-F238E27FC236}">
-                <a16:creationId xmlns="" xmlns:a16="http://schemas.microsoft.com/office/drawing/2014/main" id="{9030CC14-41AA-4F14-9CF8-9294BB72EC97}"/>
+                <a16:creationId xmlns:a16="http://schemas.microsoft.com/office/drawing/2014/main" xmlns="" id="{9030CC14-41AA-4F14-9CF8-9294BB72EC97}"/>
               </a:ext>
             </a:extLst>
           </p:cNvPr>
@@ -30529,7 +31659,7 @@
           <p:cNvPr id="13" name="Picture 13">
             <a:extLst>
               <a:ext uri="{FF2B5EF4-FFF2-40B4-BE49-F238E27FC236}">
-                <a16:creationId xmlns="" xmlns:a16="http://schemas.microsoft.com/office/drawing/2014/main" id="{DA1A5E4F-3A85-4D7B-8CF0-95B63A5C4851}"/>
+                <a16:creationId xmlns:a16="http://schemas.microsoft.com/office/drawing/2014/main" xmlns="" id="{DA1A5E4F-3A85-4D7B-8CF0-95B63A5C4851}"/>
               </a:ext>
             </a:extLst>
           </p:cNvPr>
@@ -30559,7 +31689,7 @@
           <p:cNvPr id="15" name="Picture 15">
             <a:extLst>
               <a:ext uri="{FF2B5EF4-FFF2-40B4-BE49-F238E27FC236}">
-                <a16:creationId xmlns="" xmlns:a16="http://schemas.microsoft.com/office/drawing/2014/main" id="{D6EA385D-793B-495B-B262-A517A508F172}"/>
+                <a16:creationId xmlns:a16="http://schemas.microsoft.com/office/drawing/2014/main" xmlns="" id="{D6EA385D-793B-495B-B262-A517A508F172}"/>
               </a:ext>
             </a:extLst>
           </p:cNvPr>
@@ -30589,7 +31719,7 @@
           <p:cNvPr id="17" name="Picture 17">
             <a:extLst>
               <a:ext uri="{FF2B5EF4-FFF2-40B4-BE49-F238E27FC236}">
-                <a16:creationId xmlns="" xmlns:a16="http://schemas.microsoft.com/office/drawing/2014/main" id="{A016E024-287F-44DB-AD73-696C65001B48}"/>
+                <a16:creationId xmlns:a16="http://schemas.microsoft.com/office/drawing/2014/main" xmlns="" id="{A016E024-287F-44DB-AD73-696C65001B48}"/>
               </a:ext>
             </a:extLst>
           </p:cNvPr>
@@ -30619,7 +31749,7 @@
           <p:cNvPr id="21" name="Picture 21">
             <a:extLst>
               <a:ext uri="{FF2B5EF4-FFF2-40B4-BE49-F238E27FC236}">
-                <a16:creationId xmlns="" xmlns:a16="http://schemas.microsoft.com/office/drawing/2014/main" id="{A0ECE790-E592-4680-BDA3-D5CECC5E35F5}"/>
+                <a16:creationId xmlns:a16="http://schemas.microsoft.com/office/drawing/2014/main" xmlns="" id="{A0ECE790-E592-4680-BDA3-D5CECC5E35F5}"/>
               </a:ext>
             </a:extLst>
           </p:cNvPr>
@@ -30649,7 +31779,7 @@
           <p:cNvPr id="23" name="Picture 23">
             <a:extLst>
               <a:ext uri="{FF2B5EF4-FFF2-40B4-BE49-F238E27FC236}">
-                <a16:creationId xmlns="" xmlns:a16="http://schemas.microsoft.com/office/drawing/2014/main" id="{604B44D1-CA16-473F-905A-FD7EDF44C561}"/>
+                <a16:creationId xmlns:a16="http://schemas.microsoft.com/office/drawing/2014/main" xmlns="" id="{604B44D1-CA16-473F-905A-FD7EDF44C561}"/>
               </a:ext>
             </a:extLst>
           </p:cNvPr>
@@ -30679,7 +31809,7 @@
           <p:cNvPr id="25" name="Picture 25">
             <a:extLst>
               <a:ext uri="{FF2B5EF4-FFF2-40B4-BE49-F238E27FC236}">
-                <a16:creationId xmlns="" xmlns:a16="http://schemas.microsoft.com/office/drawing/2014/main" id="{DC42FEE6-2F1D-4826-B249-5A31BA693CC0}"/>
+                <a16:creationId xmlns:a16="http://schemas.microsoft.com/office/drawing/2014/main" xmlns="" id="{DC42FEE6-2F1D-4826-B249-5A31BA693CC0}"/>
               </a:ext>
             </a:extLst>
           </p:cNvPr>
@@ -30709,7 +31839,7 @@
           <p:cNvPr id="27" name="Picture 27">
             <a:extLst>
               <a:ext uri="{FF2B5EF4-FFF2-40B4-BE49-F238E27FC236}">
-                <a16:creationId xmlns="" xmlns:a16="http://schemas.microsoft.com/office/drawing/2014/main" id="{638891BB-BA96-4E4F-B8CE-CF4323CB75A4}"/>
+                <a16:creationId xmlns:a16="http://schemas.microsoft.com/office/drawing/2014/main" xmlns="" id="{638891BB-BA96-4E4F-B8CE-CF4323CB75A4}"/>
               </a:ext>
             </a:extLst>
           </p:cNvPr>
@@ -30739,7 +31869,7 @@
           <p:cNvPr id="31" name="Picture 31" descr="A close up of a logo&#10;&#10;Description generated with very high confidence">
             <a:extLst>
               <a:ext uri="{FF2B5EF4-FFF2-40B4-BE49-F238E27FC236}">
-                <a16:creationId xmlns="" xmlns:a16="http://schemas.microsoft.com/office/drawing/2014/main" id="{1D2FEFB3-F612-49EC-9C5A-6C49223C299B}"/>
+                <a16:creationId xmlns:a16="http://schemas.microsoft.com/office/drawing/2014/main" xmlns="" id="{1D2FEFB3-F612-49EC-9C5A-6C49223C299B}"/>
               </a:ext>
             </a:extLst>
           </p:cNvPr>
@@ -30769,7 +31899,7 @@
           <p:cNvPr id="33" name="Picture 33" descr="A close up of a logo&#10;&#10;Description generated with very high confidence">
             <a:extLst>
               <a:ext uri="{FF2B5EF4-FFF2-40B4-BE49-F238E27FC236}">
-                <a16:creationId xmlns="" xmlns:a16="http://schemas.microsoft.com/office/drawing/2014/main" id="{45805758-60E6-408F-AE18-4BF571D58215}"/>
+                <a16:creationId xmlns:a16="http://schemas.microsoft.com/office/drawing/2014/main" xmlns="" id="{45805758-60E6-408F-AE18-4BF571D58215}"/>
               </a:ext>
             </a:extLst>
           </p:cNvPr>
@@ -30799,7 +31929,7 @@
           <p:cNvPr id="35" name="Picture 35" descr="A clock in the dark&#10;&#10;Description generated with high confidence">
             <a:extLst>
               <a:ext uri="{FF2B5EF4-FFF2-40B4-BE49-F238E27FC236}">
-                <a16:creationId xmlns="" xmlns:a16="http://schemas.microsoft.com/office/drawing/2014/main" id="{C21B3B7F-7772-4C24-86CE-377F26867F83}"/>
+                <a16:creationId xmlns:a16="http://schemas.microsoft.com/office/drawing/2014/main" xmlns="" id="{C21B3B7F-7772-4C24-86CE-377F26867F83}"/>
               </a:ext>
             </a:extLst>
           </p:cNvPr>
@@ -30829,7 +31959,7 @@
           <p:cNvPr id="37" name="Picture 37" descr="A clock sitting in the dark&#10;&#10;Description generated with high confidence">
             <a:extLst>
               <a:ext uri="{FF2B5EF4-FFF2-40B4-BE49-F238E27FC236}">
-                <a16:creationId xmlns="" xmlns:a16="http://schemas.microsoft.com/office/drawing/2014/main" id="{81EB908A-9066-4231-A575-CF0C6DFDC80A}"/>
+                <a16:creationId xmlns:a16="http://schemas.microsoft.com/office/drawing/2014/main" xmlns="" id="{81EB908A-9066-4231-A575-CF0C6DFDC80A}"/>
               </a:ext>
             </a:extLst>
           </p:cNvPr>
@@ -30859,7 +31989,7 @@
           <p:cNvPr id="42" name="TextBox 41">
             <a:extLst>
               <a:ext uri="{FF2B5EF4-FFF2-40B4-BE49-F238E27FC236}">
-                <a16:creationId xmlns="" xmlns:a16="http://schemas.microsoft.com/office/drawing/2014/main" id="{609F857E-3EAC-4901-B569-0DBD589577A4}"/>
+                <a16:creationId xmlns:a16="http://schemas.microsoft.com/office/drawing/2014/main" xmlns="" id="{609F857E-3EAC-4901-B569-0DBD589577A4}"/>
               </a:ext>
             </a:extLst>
           </p:cNvPr>
@@ -30900,7 +32030,7 @@
           <p:cNvPr id="44" name="TextBox 43">
             <a:extLst>
               <a:ext uri="{FF2B5EF4-FFF2-40B4-BE49-F238E27FC236}">
-                <a16:creationId xmlns="" xmlns:a16="http://schemas.microsoft.com/office/drawing/2014/main" id="{89A462EF-7DE6-41C9-875A-AAC89906E8A3}"/>
+                <a16:creationId xmlns:a16="http://schemas.microsoft.com/office/drawing/2014/main" xmlns="" id="{89A462EF-7DE6-41C9-875A-AAC89906E8A3}"/>
               </a:ext>
             </a:extLst>
           </p:cNvPr>
@@ -30939,7 +32069,7 @@
           <p:cNvPr id="45" name="Straight Arrow Connector 44">
             <a:extLst>
               <a:ext uri="{FF2B5EF4-FFF2-40B4-BE49-F238E27FC236}">
-                <a16:creationId xmlns="" xmlns:a16="http://schemas.microsoft.com/office/drawing/2014/main" id="{FAB80D67-F59C-4B06-834D-F3F3A9EC5522}"/>
+                <a16:creationId xmlns:a16="http://schemas.microsoft.com/office/drawing/2014/main" xmlns="" id="{FAB80D67-F59C-4B06-834D-F3F3A9EC5522}"/>
               </a:ext>
             </a:extLst>
           </p:cNvPr>
@@ -30981,7 +32111,7 @@
           <p:cNvPr id="47" name="Straight Arrow Connector 46">
             <a:extLst>
               <a:ext uri="{FF2B5EF4-FFF2-40B4-BE49-F238E27FC236}">
-                <a16:creationId xmlns="" xmlns:a16="http://schemas.microsoft.com/office/drawing/2014/main" id="{EBE041AA-BC24-4A0B-8BE1-8AA71FA1D9EE}"/>
+                <a16:creationId xmlns:a16="http://schemas.microsoft.com/office/drawing/2014/main" xmlns="" id="{EBE041AA-BC24-4A0B-8BE1-8AA71FA1D9EE}"/>
               </a:ext>
             </a:extLst>
           </p:cNvPr>
@@ -31025,7 +32155,7 @@
           <p:cNvPr id="2" name="Picture 3" descr="A close up of a logo&#10;&#10;Description generated with very high confidence">
             <a:extLst>
               <a:ext uri="{FF2B5EF4-FFF2-40B4-BE49-F238E27FC236}">
-                <a16:creationId xmlns="" xmlns:a16="http://schemas.microsoft.com/office/drawing/2014/main" id="{BCB4413D-CF3A-44E8-ACAD-26265ED98CFC}"/>
+                <a16:creationId xmlns:a16="http://schemas.microsoft.com/office/drawing/2014/main" xmlns="" id="{BCB4413D-CF3A-44E8-ACAD-26265ED98CFC}"/>
               </a:ext>
             </a:extLst>
           </p:cNvPr>
@@ -31055,7 +32185,7 @@
           <p:cNvPr id="6" name="Picture 6" descr="A close up of a logo&#10;&#10;Description generated with very high confidence">
             <a:extLst>
               <a:ext uri="{FF2B5EF4-FFF2-40B4-BE49-F238E27FC236}">
-                <a16:creationId xmlns="" xmlns:a16="http://schemas.microsoft.com/office/drawing/2014/main" id="{10224506-3EA4-41AC-B2F3-502E07BF19D3}"/>
+                <a16:creationId xmlns:a16="http://schemas.microsoft.com/office/drawing/2014/main" xmlns="" id="{10224506-3EA4-41AC-B2F3-502E07BF19D3}"/>
               </a:ext>
             </a:extLst>
           </p:cNvPr>
@@ -31085,7 +32215,7 @@
           <p:cNvPr id="18" name="Picture 18" descr="A close up of a logo&#10;&#10;Description generated with very high confidence">
             <a:extLst>
               <a:ext uri="{FF2B5EF4-FFF2-40B4-BE49-F238E27FC236}">
-                <a16:creationId xmlns="" xmlns:a16="http://schemas.microsoft.com/office/drawing/2014/main" id="{7D02541C-0C39-4204-A698-2888678BC31E}"/>
+                <a16:creationId xmlns:a16="http://schemas.microsoft.com/office/drawing/2014/main" xmlns="" id="{7D02541C-0C39-4204-A698-2888678BC31E}"/>
               </a:ext>
             </a:extLst>
           </p:cNvPr>
@@ -31115,7 +32245,7 @@
           <p:cNvPr id="20" name="Picture 21" descr="A close up of a logo&#10;&#10;Description generated with very high confidence">
             <a:extLst>
               <a:ext uri="{FF2B5EF4-FFF2-40B4-BE49-F238E27FC236}">
-                <a16:creationId xmlns="" xmlns:a16="http://schemas.microsoft.com/office/drawing/2014/main" id="{0C9735ED-B5CE-4501-BB0B-F94DAF67438F}"/>
+                <a16:creationId xmlns:a16="http://schemas.microsoft.com/office/drawing/2014/main" xmlns="" id="{0C9735ED-B5CE-4501-BB0B-F94DAF67438F}"/>
               </a:ext>
             </a:extLst>
           </p:cNvPr>
@@ -31145,7 +32275,7 @@
           <p:cNvPr id="24" name="TextBox 23">
             <a:extLst>
               <a:ext uri="{FF2B5EF4-FFF2-40B4-BE49-F238E27FC236}">
-                <a16:creationId xmlns="" xmlns:a16="http://schemas.microsoft.com/office/drawing/2014/main" id="{FD7791DA-B6E9-447C-B562-16C63C68485F}"/>
+                <a16:creationId xmlns:a16="http://schemas.microsoft.com/office/drawing/2014/main" xmlns="" id="{FD7791DA-B6E9-447C-B562-16C63C68485F}"/>
               </a:ext>
             </a:extLst>
           </p:cNvPr>
@@ -31200,7 +32330,7 @@
           <p:cNvPr id="26" name="TextBox 25">
             <a:extLst>
               <a:ext uri="{FF2B5EF4-FFF2-40B4-BE49-F238E27FC236}">
-                <a16:creationId xmlns="" xmlns:a16="http://schemas.microsoft.com/office/drawing/2014/main" id="{20C434AC-340F-4D02-802E-9088BE20D090}"/>
+                <a16:creationId xmlns:a16="http://schemas.microsoft.com/office/drawing/2014/main" xmlns="" id="{20C434AC-340F-4D02-802E-9088BE20D090}"/>
               </a:ext>
             </a:extLst>
           </p:cNvPr>
@@ -31503,7 +32633,7 @@
 </p:sld>
 </file>
 
-<file path=ppt/slides/slide8.xml><?xml version="1.0" encoding="utf-8"?>
+<file path=ppt/slides/slide9.xml><?xml version="1.0" encoding="utf-8"?>
 <p:sld xmlns:a="http://schemas.openxmlformats.org/drawingml/2006/main" xmlns:r="http://schemas.openxmlformats.org/officeDocument/2006/relationships" xmlns:p="http://schemas.openxmlformats.org/presentationml/2006/main">
   <p:cSld>
     <p:spTree>
@@ -31525,7 +32655,7 @@
           <p:cNvPr id="2" name="Title 1">
             <a:extLst>
               <a:ext uri="{FF2B5EF4-FFF2-40B4-BE49-F238E27FC236}">
-                <a16:creationId xmlns="" xmlns:a16="http://schemas.microsoft.com/office/drawing/2014/main" id="{8026EC4C-6E25-4172-BE37-528F585CEF1B}"/>
+                <a16:creationId xmlns:a16="http://schemas.microsoft.com/office/drawing/2014/main" xmlns="" id="{8026EC4C-6E25-4172-BE37-528F585CEF1B}"/>
               </a:ext>
             </a:extLst>
           </p:cNvPr>
@@ -31556,7 +32686,7 @@
           <p:cNvPr id="3" name="Picture 3" descr="A close up of a logo&#10;&#10;Description generated with very high confidence">
             <a:extLst>
               <a:ext uri="{FF2B5EF4-FFF2-40B4-BE49-F238E27FC236}">
-                <a16:creationId xmlns="" xmlns:a16="http://schemas.microsoft.com/office/drawing/2014/main" id="{DA6334C1-3239-46DA-A32D-FDD4442F1795}"/>
+                <a16:creationId xmlns:a16="http://schemas.microsoft.com/office/drawing/2014/main" xmlns="" id="{DA6334C1-3239-46DA-A32D-FDD4442F1795}"/>
               </a:ext>
             </a:extLst>
           </p:cNvPr>
@@ -31586,7 +32716,7 @@
           <p:cNvPr id="5" name="Picture 5" descr="A picture containing clock&#10;&#10;Description generated with very high confidence">
             <a:extLst>
               <a:ext uri="{FF2B5EF4-FFF2-40B4-BE49-F238E27FC236}">
-                <a16:creationId xmlns="" xmlns:a16="http://schemas.microsoft.com/office/drawing/2014/main" id="{93A331CE-46F7-4243-83C4-BE9E3F1825B0}"/>
+                <a16:creationId xmlns:a16="http://schemas.microsoft.com/office/drawing/2014/main" xmlns="" id="{93A331CE-46F7-4243-83C4-BE9E3F1825B0}"/>
               </a:ext>
             </a:extLst>
           </p:cNvPr>
@@ -31616,7 +32746,7 @@
           <p:cNvPr id="7" name="Picture 7" descr="A close up of a logo&#10;&#10;Description generated with very high confidence">
             <a:extLst>
               <a:ext uri="{FF2B5EF4-FFF2-40B4-BE49-F238E27FC236}">
-                <a16:creationId xmlns="" xmlns:a16="http://schemas.microsoft.com/office/drawing/2014/main" id="{CCA1FA7B-C942-4986-AB3B-54E0615F8F08}"/>
+                <a16:creationId xmlns:a16="http://schemas.microsoft.com/office/drawing/2014/main" xmlns="" id="{CCA1FA7B-C942-4986-AB3B-54E0615F8F08}"/>
               </a:ext>
             </a:extLst>
           </p:cNvPr>
@@ -31646,7 +32776,7 @@
           <p:cNvPr id="9" name="Arrow: Down 8">
             <a:extLst>
               <a:ext uri="{FF2B5EF4-FFF2-40B4-BE49-F238E27FC236}">
-                <a16:creationId xmlns="" xmlns:a16="http://schemas.microsoft.com/office/drawing/2014/main" id="{D88FA45F-BC7E-4719-9194-7E0AE71F0C1D}"/>
+                <a16:creationId xmlns:a16="http://schemas.microsoft.com/office/drawing/2014/main" xmlns="" id="{D88FA45F-BC7E-4719-9194-7E0AE71F0C1D}"/>
               </a:ext>
             </a:extLst>
           </p:cNvPr>
@@ -31700,7 +32830,7 @@
           <p:cNvPr id="10" name="Arrow: Down 9">
             <a:extLst>
               <a:ext uri="{FF2B5EF4-FFF2-40B4-BE49-F238E27FC236}">
-                <a16:creationId xmlns="" xmlns:a16="http://schemas.microsoft.com/office/drawing/2014/main" id="{74C91D1A-CCF6-4DE0-B080-D77210A893FD}"/>
+                <a16:creationId xmlns:a16="http://schemas.microsoft.com/office/drawing/2014/main" xmlns="" id="{74C91D1A-CCF6-4DE0-B080-D77210A893FD}"/>
               </a:ext>
             </a:extLst>
           </p:cNvPr>
@@ -31754,7 +32884,7 @@
           <p:cNvPr id="11" name="TextBox 10">
             <a:extLst>
               <a:ext uri="{FF2B5EF4-FFF2-40B4-BE49-F238E27FC236}">
-                <a16:creationId xmlns="" xmlns:a16="http://schemas.microsoft.com/office/drawing/2014/main" id="{EBD1E537-F5C7-43D5-8C6F-6CFA11A95BD2}"/>
+                <a16:creationId xmlns:a16="http://schemas.microsoft.com/office/drawing/2014/main" xmlns="" id="{EBD1E537-F5C7-43D5-8C6F-6CFA11A95BD2}"/>
               </a:ext>
             </a:extLst>
           </p:cNvPr>
@@ -31802,7 +32932,7 @@
           <p:cNvPr id="12" name="Picture 12" descr="A picture containing flower&#10;&#10;Description generated with very high confidence">
             <a:extLst>
               <a:ext uri="{FF2B5EF4-FFF2-40B4-BE49-F238E27FC236}">
-                <a16:creationId xmlns="" xmlns:a16="http://schemas.microsoft.com/office/drawing/2014/main" id="{A3F53263-2B7C-4937-AC64-FBA05A97C1D8}"/>
+                <a16:creationId xmlns:a16="http://schemas.microsoft.com/office/drawing/2014/main" xmlns="" id="{A3F53263-2B7C-4937-AC64-FBA05A97C1D8}"/>
               </a:ext>
             </a:extLst>
           </p:cNvPr>
@@ -31832,7 +32962,7 @@
           <p:cNvPr id="14" name="Picture 14" descr="A close up of a logo&#10;&#10;Description generated with very high confidence">
             <a:extLst>
               <a:ext uri="{FF2B5EF4-FFF2-40B4-BE49-F238E27FC236}">
-                <a16:creationId xmlns="" xmlns:a16="http://schemas.microsoft.com/office/drawing/2014/main" id="{8AE7F551-0647-4AF3-B9D9-4EBA16AD7CEA}"/>
+                <a16:creationId xmlns:a16="http://schemas.microsoft.com/office/drawing/2014/main" xmlns="" id="{8AE7F551-0647-4AF3-B9D9-4EBA16AD7CEA}"/>
               </a:ext>
             </a:extLst>
           </p:cNvPr>
@@ -31862,7 +32992,7 @@
           <p:cNvPr id="16" name="Arrow: Down 15">
             <a:extLst>
               <a:ext uri="{FF2B5EF4-FFF2-40B4-BE49-F238E27FC236}">
-                <a16:creationId xmlns="" xmlns:a16="http://schemas.microsoft.com/office/drawing/2014/main" id="{1BA7CD1C-8F04-405F-8C24-56C054B8567A}"/>
+                <a16:creationId xmlns:a16="http://schemas.microsoft.com/office/drawing/2014/main" xmlns="" id="{1BA7CD1C-8F04-405F-8C24-56C054B8567A}"/>
               </a:ext>
             </a:extLst>
           </p:cNvPr>
@@ -31916,7 +33046,7 @@
           <p:cNvPr id="17" name="Picture 17" descr="A close up of a logo&#10;&#10;Description generated with very high confidence">
             <a:extLst>
               <a:ext uri="{FF2B5EF4-FFF2-40B4-BE49-F238E27FC236}">
-                <a16:creationId xmlns="" xmlns:a16="http://schemas.microsoft.com/office/drawing/2014/main" id="{21EE91BF-B774-456B-B010-99066ADB15B8}"/>
+                <a16:creationId xmlns:a16="http://schemas.microsoft.com/office/drawing/2014/main" xmlns="" id="{21EE91BF-B774-456B-B010-99066ADB15B8}"/>
               </a:ext>
             </a:extLst>
           </p:cNvPr>
@@ -31946,7 +33076,7 @@
           <p:cNvPr id="19" name="Arrow: Down 18">
             <a:extLst>
               <a:ext uri="{FF2B5EF4-FFF2-40B4-BE49-F238E27FC236}">
-                <a16:creationId xmlns="" xmlns:a16="http://schemas.microsoft.com/office/drawing/2014/main" id="{ACBABBB2-7A08-4A20-AD31-44F3B08A5363}"/>
+                <a16:creationId xmlns:a16="http://schemas.microsoft.com/office/drawing/2014/main" xmlns="" id="{ACBABBB2-7A08-4A20-AD31-44F3B08A5363}"/>
               </a:ext>
             </a:extLst>
           </p:cNvPr>
@@ -32000,7 +33130,7 @@
           <p:cNvPr id="20" name="TextBox 19">
             <a:extLst>
               <a:ext uri="{FF2B5EF4-FFF2-40B4-BE49-F238E27FC236}">
-                <a16:creationId xmlns="" xmlns:a16="http://schemas.microsoft.com/office/drawing/2014/main" id="{C6F99357-B5AE-419B-B827-3D66E8EEE6E4}"/>
+                <a16:creationId xmlns:a16="http://schemas.microsoft.com/office/drawing/2014/main" xmlns="" id="{C6F99357-B5AE-419B-B827-3D66E8EEE6E4}"/>
               </a:ext>
             </a:extLst>
           </p:cNvPr>
@@ -32048,7 +33178,7 @@
           <p:cNvPr id="21" name="TextBox 20">
             <a:extLst>
               <a:ext uri="{FF2B5EF4-FFF2-40B4-BE49-F238E27FC236}">
-                <a16:creationId xmlns="" xmlns:a16="http://schemas.microsoft.com/office/drawing/2014/main" id="{628CFEC0-1408-43A1-9AD3-72018D2BD8ED}"/>
+                <a16:creationId xmlns:a16="http://schemas.microsoft.com/office/drawing/2014/main" xmlns="" id="{628CFEC0-1408-43A1-9AD3-72018D2BD8ED}"/>
               </a:ext>
             </a:extLst>
           </p:cNvPr>
@@ -32106,7 +33236,7 @@
           <p:cNvPr id="22" name="Rectangle 21">
             <a:extLst>
               <a:ext uri="{FF2B5EF4-FFF2-40B4-BE49-F238E27FC236}">
-                <a16:creationId xmlns="" xmlns:a16="http://schemas.microsoft.com/office/drawing/2014/main" id="{6247A618-C733-4F7E-898A-3F618CE68229}"/>
+                <a16:creationId xmlns:a16="http://schemas.microsoft.com/office/drawing/2014/main" xmlns="" id="{6247A618-C733-4F7E-898A-3F618CE68229}"/>
               </a:ext>
             </a:extLst>
           </p:cNvPr>
@@ -32158,7 +33288,7 @@
           <p:cNvPr id="23" name="TextBox 22">
             <a:extLst>
               <a:ext uri="{FF2B5EF4-FFF2-40B4-BE49-F238E27FC236}">
-                <a16:creationId xmlns="" xmlns:a16="http://schemas.microsoft.com/office/drawing/2014/main" id="{E447A0F9-F033-4FD7-8BCE-0F79A029878A}"/>
+                <a16:creationId xmlns:a16="http://schemas.microsoft.com/office/drawing/2014/main" xmlns="" id="{E447A0F9-F033-4FD7-8BCE-0F79A029878A}"/>
               </a:ext>
             </a:extLst>
           </p:cNvPr>
@@ -32766,188 +33896,6 @@
 </p:sld>
 </file>
 
-<file path=ppt/slides/slide9.xml><?xml version="1.0" encoding="utf-8"?>
-<p:sld xmlns:a="http://schemas.openxmlformats.org/drawingml/2006/main" xmlns:r="http://schemas.openxmlformats.org/officeDocument/2006/relationships" xmlns:p="http://schemas.openxmlformats.org/presentationml/2006/main">
-  <p:cSld>
-    <p:spTree>
-      <p:nvGrpSpPr>
-        <p:cNvPr id="1" name=""/>
-        <p:cNvGrpSpPr/>
-        <p:nvPr/>
-      </p:nvGrpSpPr>
-      <p:grpSpPr>
-        <a:xfrm>
-          <a:off x="0" y="0"/>
-          <a:ext cx="0" cy="0"/>
-          <a:chOff x="0" y="0"/>
-          <a:chExt cx="0" cy="0"/>
-        </a:xfrm>
-      </p:grpSpPr>
-      <p:sp>
-        <p:nvSpPr>
-          <p:cNvPr id="2" name="Title 1">
-            <a:extLst>
-              <a:ext uri="{FF2B5EF4-FFF2-40B4-BE49-F238E27FC236}">
-                <a16:creationId xmlns="" xmlns:a16="http://schemas.microsoft.com/office/drawing/2014/main" id="{99760F66-ED22-4D99-83D9-AF132B641E2C}"/>
-              </a:ext>
-            </a:extLst>
-          </p:cNvPr>
-          <p:cNvSpPr>
-            <a:spLocks noGrp="1"/>
-          </p:cNvSpPr>
-          <p:nvPr>
-            <p:ph type="title"/>
-          </p:nvPr>
-        </p:nvSpPr>
-        <p:spPr/>
-        <p:txBody>
-          <a:bodyPr/>
-          <a:lstStyle/>
-          <a:p>
-            <a:r>
-              <a:rPr lang="en-US" dirty="0">
-                <a:cs typeface="Calibri Light"/>
-              </a:rPr>
-              <a:t>Proof of strong duality</a:t>
-            </a:r>
-            <a:endParaRPr lang="en-US" dirty="0"/>
-          </a:p>
-        </p:txBody>
-      </p:sp>
-      <p:pic>
-        <p:nvPicPr>
-          <p:cNvPr id="4" name="Picture 3" descr="A close up of a logo&#10;&#10;Description generated with very high confidence">
-            <a:extLst>
-              <a:ext uri="{FF2B5EF4-FFF2-40B4-BE49-F238E27FC236}">
-                <a16:creationId xmlns="" xmlns:a16="http://schemas.microsoft.com/office/drawing/2014/main" id="{6E87F861-F9AC-4F21-B0C8-58EB55E95B97}"/>
-              </a:ext>
-            </a:extLst>
-          </p:cNvPr>
-          <p:cNvPicPr>
-            <a:picLocks noChangeAspect="1"/>
-          </p:cNvPicPr>
-          <p:nvPr/>
-        </p:nvPicPr>
-        <p:blipFill>
-          <a:blip r:embed="rId2"/>
-          <a:stretch>
-            <a:fillRect/>
-          </a:stretch>
-        </p:blipFill>
-        <p:spPr>
-          <a:xfrm>
-            <a:off x="3652960" y="1633676"/>
-            <a:ext cx="4686300" cy="411496"/>
-          </a:xfrm>
-          <a:prstGeom prst="rect">
-            <a:avLst/>
-          </a:prstGeom>
-        </p:spPr>
-      </p:pic>
-      <p:pic>
-        <p:nvPicPr>
-          <p:cNvPr id="6" name="Picture 5" descr="A picture containing clock&#10;&#10;Description generated with very high confidence">
-            <a:extLst>
-              <a:ext uri="{FF2B5EF4-FFF2-40B4-BE49-F238E27FC236}">
-                <a16:creationId xmlns="" xmlns:a16="http://schemas.microsoft.com/office/drawing/2014/main" id="{4616AC99-6BB6-4ADE-BDE8-48395933FE5F}"/>
-              </a:ext>
-            </a:extLst>
-          </p:cNvPr>
-          <p:cNvPicPr>
-            <a:picLocks noChangeAspect="1"/>
-          </p:cNvPicPr>
-          <p:nvPr/>
-        </p:nvPicPr>
-        <p:blipFill>
-          <a:blip r:embed="rId3"/>
-          <a:stretch>
-            <a:fillRect/>
-          </a:stretch>
-        </p:blipFill>
-        <p:spPr>
-          <a:xfrm>
-            <a:off x="4253035" y="3094015"/>
-            <a:ext cx="3486150" cy="748369"/>
-          </a:xfrm>
-          <a:prstGeom prst="rect">
-            <a:avLst/>
-          </a:prstGeom>
-        </p:spPr>
-      </p:pic>
-      <p:sp>
-        <p:nvSpPr>
-          <p:cNvPr id="8" name="Arrow: Down 7">
-            <a:extLst>
-              <a:ext uri="{FF2B5EF4-FFF2-40B4-BE49-F238E27FC236}">
-                <a16:creationId xmlns="" xmlns:a16="http://schemas.microsoft.com/office/drawing/2014/main" id="{82AB09DD-DB63-4806-A980-AE0CB9781D42}"/>
-              </a:ext>
-            </a:extLst>
-          </p:cNvPr>
-          <p:cNvSpPr/>
-          <p:nvPr/>
-        </p:nvSpPr>
-        <p:spPr>
-          <a:xfrm>
-            <a:off x="5582343" y="2078882"/>
-            <a:ext cx="485775" cy="981075"/>
-          </a:xfrm>
-          <a:prstGeom prst="downArrow">
-            <a:avLst/>
-          </a:prstGeom>
-          <a:solidFill>
-            <a:schemeClr val="tx1"/>
-          </a:solidFill>
-          <a:ln>
-            <a:solidFill>
-              <a:schemeClr val="tx1"/>
-            </a:solidFill>
-          </a:ln>
-        </p:spPr>
-        <p:style>
-          <a:lnRef idx="2">
-            <a:schemeClr val="accent1">
-              <a:shade val="50000"/>
-            </a:schemeClr>
-          </a:lnRef>
-          <a:fillRef idx="1">
-            <a:schemeClr val="accent1"/>
-          </a:fillRef>
-          <a:effectRef idx="0">
-            <a:schemeClr val="accent1"/>
-          </a:effectRef>
-          <a:fontRef idx="minor">
-            <a:schemeClr val="lt1"/>
-          </a:fontRef>
-        </p:style>
-        <p:txBody>
-          <a:bodyPr rtlCol="0" anchor="ctr"/>
-          <a:lstStyle/>
-          <a:p>
-            <a:pPr algn="ctr"/>
-            <a:endParaRPr lang="en-US"/>
-          </a:p>
-        </p:txBody>
-      </p:sp>
-    </p:spTree>
-    <p:extLst>
-      <p:ext uri="{BB962C8B-B14F-4D97-AF65-F5344CB8AC3E}">
-        <p14:creationId xmlns:p14="http://schemas.microsoft.com/office/powerpoint/2010/main" val="1655997397"/>
-      </p:ext>
-    </p:extLst>
-  </p:cSld>
-  <p:clrMapOvr>
-    <a:masterClrMapping/>
-  </p:clrMapOvr>
-  <p:timing>
-    <p:tnLst>
-      <p:par>
-        <p:cTn id="1" dur="indefinite" restart="never" nodeType="tmRoot"/>
-      </p:par>
-    </p:tnLst>
-  </p:timing>
-</p:sld>
-</file>
-
 <file path=ppt/theme/theme1.xml><?xml version="1.0" encoding="utf-8"?>
 <a:theme xmlns:a="http://schemas.openxmlformats.org/drawingml/2006/main" name="office theme">
   <a:themeElements>
